--- a/Lecture Slides/VideoLectureSlides/A_2.4.pptx
+++ b/Lecture Slides/VideoLectureSlides/A_2.4.pptx
@@ -168,270 +168,6 @@
 
 <file path=ppt/changesInfos/changesInfo1.xml><?xml version="1.0" encoding="utf-8"?>
 <pc:chgInfo xmlns:a="http://schemas.openxmlformats.org/drawingml/2006/main" xmlns:r="http://schemas.openxmlformats.org/officeDocument/2006/relationships" xmlns:ac="http://schemas.microsoft.com/office/drawing/2013/main/command" xmlns:pc="http://schemas.microsoft.com/office/powerpoint/2013/main/command">
-  <pc:docChgLst>
-    <pc:chgData name="Moore, Jacob Preston" userId="fdd3fd0f-c483-48c9-988d-7deb216763fd" providerId="ADAL" clId="{A6DED9D1-7673-4C18-865B-598BD3A5C0C4}"/>
-    <pc:docChg chg="undo modSld">
-      <pc:chgData name="Moore, Jacob Preston" userId="fdd3fd0f-c483-48c9-988d-7deb216763fd" providerId="ADAL" clId="{A6DED9D1-7673-4C18-865B-598BD3A5C0C4}" dt="2020-10-13T20:18:34.474" v="109" actId="1076"/>
-      <pc:docMkLst>
-        <pc:docMk/>
-      </pc:docMkLst>
-      <pc:sldChg chg="addSp delSp modSp">
-        <pc:chgData name="Moore, Jacob Preston" userId="fdd3fd0f-c483-48c9-988d-7deb216763fd" providerId="ADAL" clId="{A6DED9D1-7673-4C18-865B-598BD3A5C0C4}" dt="2020-10-13T20:18:34.474" v="109" actId="1076"/>
-        <pc:sldMkLst>
-          <pc:docMk/>
-          <pc:sldMk cId="4054802990" sldId="319"/>
-        </pc:sldMkLst>
-        <pc:spChg chg="add mod topLvl">
-          <ac:chgData name="Moore, Jacob Preston" userId="fdd3fd0f-c483-48c9-988d-7deb216763fd" providerId="ADAL" clId="{A6DED9D1-7673-4C18-865B-598BD3A5C0C4}" dt="2020-10-13T20:15:11.999" v="11" actId="165"/>
-          <ac:spMkLst>
-            <pc:docMk/>
-            <pc:sldMk cId="4054802990" sldId="319"/>
-            <ac:spMk id="6" creationId="{FD2C6946-A173-4635-AF6A-5E524A1673A8}"/>
-          </ac:spMkLst>
-        </pc:spChg>
-        <pc:spChg chg="add mod topLvl">
-          <ac:chgData name="Moore, Jacob Preston" userId="fdd3fd0f-c483-48c9-988d-7deb216763fd" providerId="ADAL" clId="{A6DED9D1-7673-4C18-865B-598BD3A5C0C4}" dt="2020-10-13T20:15:41.339" v="12" actId="1037"/>
-          <ac:spMkLst>
-            <pc:docMk/>
-            <pc:sldMk cId="4054802990" sldId="319"/>
-            <ac:spMk id="7" creationId="{19B3197D-EF8D-40E7-AD69-B2163FC23890}"/>
-          </ac:spMkLst>
-        </pc:spChg>
-        <pc:spChg chg="add mod topLvl">
-          <ac:chgData name="Moore, Jacob Preston" userId="fdd3fd0f-c483-48c9-988d-7deb216763fd" providerId="ADAL" clId="{A6DED9D1-7673-4C18-865B-598BD3A5C0C4}" dt="2020-10-13T20:15:11.999" v="11" actId="165"/>
-          <ac:spMkLst>
-            <pc:docMk/>
-            <pc:sldMk cId="4054802990" sldId="319"/>
-            <ac:spMk id="8" creationId="{A36B1B07-BBCA-4D4F-8479-73CA168EAD18}"/>
-          </ac:spMkLst>
-        </pc:spChg>
-        <pc:spChg chg="add mod topLvl">
-          <ac:chgData name="Moore, Jacob Preston" userId="fdd3fd0f-c483-48c9-988d-7deb216763fd" providerId="ADAL" clId="{A6DED9D1-7673-4C18-865B-598BD3A5C0C4}" dt="2020-10-13T20:15:11.999" v="11" actId="165"/>
-          <ac:spMkLst>
-            <pc:docMk/>
-            <pc:sldMk cId="4054802990" sldId="319"/>
-            <ac:spMk id="9" creationId="{EDDAE8CF-004A-4FA1-B2C4-BA5435FE5543}"/>
-          </ac:spMkLst>
-        </pc:spChg>
-        <pc:spChg chg="add mod topLvl">
-          <ac:chgData name="Moore, Jacob Preston" userId="fdd3fd0f-c483-48c9-988d-7deb216763fd" providerId="ADAL" clId="{A6DED9D1-7673-4C18-865B-598BD3A5C0C4}" dt="2020-10-13T20:18:01.267" v="89" actId="1035"/>
-          <ac:spMkLst>
-            <pc:docMk/>
-            <pc:sldMk cId="4054802990" sldId="319"/>
-            <ac:spMk id="13" creationId="{E635A265-4EEE-495E-85A8-A0C8226E3E04}"/>
-          </ac:spMkLst>
-        </pc:spChg>
-        <pc:spChg chg="add mod topLvl">
-          <ac:chgData name="Moore, Jacob Preston" userId="fdd3fd0f-c483-48c9-988d-7deb216763fd" providerId="ADAL" clId="{A6DED9D1-7673-4C18-865B-598BD3A5C0C4}" dt="2020-10-13T20:16:18.810" v="23" actId="1076"/>
-          <ac:spMkLst>
-            <pc:docMk/>
-            <pc:sldMk cId="4054802990" sldId="319"/>
-            <ac:spMk id="16" creationId="{13356C26-E722-496C-A66D-71D92D3248E9}"/>
-          </ac:spMkLst>
-        </pc:spChg>
-        <pc:spChg chg="add mod topLvl">
-          <ac:chgData name="Moore, Jacob Preston" userId="fdd3fd0f-c483-48c9-988d-7deb216763fd" providerId="ADAL" clId="{A6DED9D1-7673-4C18-865B-598BD3A5C0C4}" dt="2020-10-13T20:16:40.405" v="42" actId="1037"/>
-          <ac:spMkLst>
-            <pc:docMk/>
-            <pc:sldMk cId="4054802990" sldId="319"/>
-            <ac:spMk id="21" creationId="{CA2301DE-70E7-4047-9999-2CF06BB2A356}"/>
-          </ac:spMkLst>
-        </pc:spChg>
-        <pc:spChg chg="add mod topLvl">
-          <ac:chgData name="Moore, Jacob Preston" userId="fdd3fd0f-c483-48c9-988d-7deb216763fd" providerId="ADAL" clId="{A6DED9D1-7673-4C18-865B-598BD3A5C0C4}" dt="2020-10-13T20:15:11.999" v="11" actId="165"/>
-          <ac:spMkLst>
-            <pc:docMk/>
-            <pc:sldMk cId="4054802990" sldId="319"/>
-            <ac:spMk id="23" creationId="{525C0810-BCF1-4A1C-811B-164B653FC8C8}"/>
-          </ac:spMkLst>
-        </pc:spChg>
-        <pc:spChg chg="add mod topLvl">
-          <ac:chgData name="Moore, Jacob Preston" userId="fdd3fd0f-c483-48c9-988d-7deb216763fd" providerId="ADAL" clId="{A6DED9D1-7673-4C18-865B-598BD3A5C0C4}" dt="2020-10-13T20:15:11.999" v="11" actId="165"/>
-          <ac:spMkLst>
-            <pc:docMk/>
-            <pc:sldMk cId="4054802990" sldId="319"/>
-            <ac:spMk id="24" creationId="{B5B2A417-D8B1-49A1-AA66-A2F36E9FFA69}"/>
-          </ac:spMkLst>
-        </pc:spChg>
-        <pc:spChg chg="add mod topLvl">
-          <ac:chgData name="Moore, Jacob Preston" userId="fdd3fd0f-c483-48c9-988d-7deb216763fd" providerId="ADAL" clId="{A6DED9D1-7673-4C18-865B-598BD3A5C0C4}" dt="2020-10-13T20:15:11.999" v="11" actId="165"/>
-          <ac:spMkLst>
-            <pc:docMk/>
-            <pc:sldMk cId="4054802990" sldId="319"/>
-            <ac:spMk id="25" creationId="{42795112-1F2B-4D0F-8D93-F78A5535BAF5}"/>
-          </ac:spMkLst>
-        </pc:spChg>
-        <pc:spChg chg="add mod">
-          <ac:chgData name="Moore, Jacob Preston" userId="fdd3fd0f-c483-48c9-988d-7deb216763fd" providerId="ADAL" clId="{A6DED9D1-7673-4C18-865B-598BD3A5C0C4}" dt="2020-10-13T20:18:22.314" v="101" actId="1076"/>
-          <ac:spMkLst>
-            <pc:docMk/>
-            <pc:sldMk cId="4054802990" sldId="319"/>
-            <ac:spMk id="38" creationId="{82F1B1D2-BA50-4E7E-8278-65208B6C2BA0}"/>
-          </ac:spMkLst>
-        </pc:spChg>
-        <pc:spChg chg="add mod">
-          <ac:chgData name="Moore, Jacob Preston" userId="fdd3fd0f-c483-48c9-988d-7deb216763fd" providerId="ADAL" clId="{A6DED9D1-7673-4C18-865B-598BD3A5C0C4}" dt="2020-10-13T20:18:34.474" v="109" actId="1076"/>
-          <ac:spMkLst>
-            <pc:docMk/>
-            <pc:sldMk cId="4054802990" sldId="319"/>
-            <ac:spMk id="44" creationId="{A561A4B4-3324-4071-B47D-E1703CA92FD1}"/>
-          </ac:spMkLst>
-        </pc:spChg>
-        <pc:grpChg chg="add del mod">
-          <ac:chgData name="Moore, Jacob Preston" userId="fdd3fd0f-c483-48c9-988d-7deb216763fd" providerId="ADAL" clId="{A6DED9D1-7673-4C18-865B-598BD3A5C0C4}" dt="2020-10-13T20:15:11.999" v="11" actId="165"/>
-          <ac:grpSpMkLst>
-            <pc:docMk/>
-            <pc:sldMk cId="4054802990" sldId="319"/>
-            <ac:grpSpMk id="28" creationId="{FCFDEA3A-1AE9-4664-8446-14A181E90F1C}"/>
-          </ac:grpSpMkLst>
-        </pc:grpChg>
-        <pc:picChg chg="del mod">
-          <ac:chgData name="Moore, Jacob Preston" userId="fdd3fd0f-c483-48c9-988d-7deb216763fd" providerId="ADAL" clId="{A6DED9D1-7673-4C18-865B-598BD3A5C0C4}" dt="2020-10-13T20:14:40.829" v="3" actId="478"/>
-          <ac:picMkLst>
-            <pc:docMk/>
-            <pc:sldMk cId="4054802990" sldId="319"/>
-            <ac:picMk id="5" creationId="{5EEBBD95-D3F8-4591-BBFA-94A91B5D7FED}"/>
-          </ac:picMkLst>
-        </pc:picChg>
-        <pc:cxnChg chg="add mod topLvl">
-          <ac:chgData name="Moore, Jacob Preston" userId="fdd3fd0f-c483-48c9-988d-7deb216763fd" providerId="ADAL" clId="{A6DED9D1-7673-4C18-865B-598BD3A5C0C4}" dt="2020-10-13T20:15:11.999" v="11" actId="165"/>
-          <ac:cxnSpMkLst>
-            <pc:docMk/>
-            <pc:sldMk cId="4054802990" sldId="319"/>
-            <ac:cxnSpMk id="10" creationId="{5EF1EB6C-99B9-4AAB-9DA1-FA566B477EA7}"/>
-          </ac:cxnSpMkLst>
-        </pc:cxnChg>
-        <pc:cxnChg chg="add mod topLvl">
-          <ac:chgData name="Moore, Jacob Preston" userId="fdd3fd0f-c483-48c9-988d-7deb216763fd" providerId="ADAL" clId="{A6DED9D1-7673-4C18-865B-598BD3A5C0C4}" dt="2020-10-13T20:15:11.999" v="11" actId="165"/>
-          <ac:cxnSpMkLst>
-            <pc:docMk/>
-            <pc:sldMk cId="4054802990" sldId="319"/>
-            <ac:cxnSpMk id="11" creationId="{94C7CAAF-D849-40CD-98E5-7BA1625A90A9}"/>
-          </ac:cxnSpMkLst>
-        </pc:cxnChg>
-        <pc:cxnChg chg="add mod topLvl">
-          <ac:chgData name="Moore, Jacob Preston" userId="fdd3fd0f-c483-48c9-988d-7deb216763fd" providerId="ADAL" clId="{A6DED9D1-7673-4C18-865B-598BD3A5C0C4}" dt="2020-10-13T20:18:01.267" v="89" actId="1035"/>
-          <ac:cxnSpMkLst>
-            <pc:docMk/>
-            <pc:sldMk cId="4054802990" sldId="319"/>
-            <ac:cxnSpMk id="12" creationId="{DFD25E81-AB0A-4225-A130-4492CB084373}"/>
-          </ac:cxnSpMkLst>
-        </pc:cxnChg>
-        <pc:cxnChg chg="add mod topLvl">
-          <ac:chgData name="Moore, Jacob Preston" userId="fdd3fd0f-c483-48c9-988d-7deb216763fd" providerId="ADAL" clId="{A6DED9D1-7673-4C18-865B-598BD3A5C0C4}" dt="2020-10-13T20:15:11.999" v="11" actId="165"/>
-          <ac:cxnSpMkLst>
-            <pc:docMk/>
-            <pc:sldMk cId="4054802990" sldId="319"/>
-            <ac:cxnSpMk id="14" creationId="{213AF7E5-C8B7-4FDC-BAC5-2DEF6BC5667F}"/>
-          </ac:cxnSpMkLst>
-        </pc:cxnChg>
-        <pc:cxnChg chg="add mod topLvl">
-          <ac:chgData name="Moore, Jacob Preston" userId="fdd3fd0f-c483-48c9-988d-7deb216763fd" providerId="ADAL" clId="{A6DED9D1-7673-4C18-865B-598BD3A5C0C4}" dt="2020-10-13T20:15:11.999" v="11" actId="165"/>
-          <ac:cxnSpMkLst>
-            <pc:docMk/>
-            <pc:sldMk cId="4054802990" sldId="319"/>
-            <ac:cxnSpMk id="15" creationId="{A84ABA78-91E6-422D-B985-7D6C0922950B}"/>
-          </ac:cxnSpMkLst>
-        </pc:cxnChg>
-        <pc:cxnChg chg="add mod topLvl">
-          <ac:chgData name="Moore, Jacob Preston" userId="fdd3fd0f-c483-48c9-988d-7deb216763fd" providerId="ADAL" clId="{A6DED9D1-7673-4C18-865B-598BD3A5C0C4}" dt="2020-10-13T20:15:11.999" v="11" actId="165"/>
-          <ac:cxnSpMkLst>
-            <pc:docMk/>
-            <pc:sldMk cId="4054802990" sldId="319"/>
-            <ac:cxnSpMk id="17" creationId="{11FC30E2-270E-414E-88DC-AF6791070C1B}"/>
-          </ac:cxnSpMkLst>
-        </pc:cxnChg>
-        <pc:cxnChg chg="add mod topLvl">
-          <ac:chgData name="Moore, Jacob Preston" userId="fdd3fd0f-c483-48c9-988d-7deb216763fd" providerId="ADAL" clId="{A6DED9D1-7673-4C18-865B-598BD3A5C0C4}" dt="2020-10-13T20:16:44.850" v="43" actId="14100"/>
-          <ac:cxnSpMkLst>
-            <pc:docMk/>
-            <pc:sldMk cId="4054802990" sldId="319"/>
-            <ac:cxnSpMk id="18" creationId="{83BFDCBC-6858-4F9B-AD49-EF0A187290AC}"/>
-          </ac:cxnSpMkLst>
-        </pc:cxnChg>
-        <pc:cxnChg chg="add mod topLvl">
-          <ac:chgData name="Moore, Jacob Preston" userId="fdd3fd0f-c483-48c9-988d-7deb216763fd" providerId="ADAL" clId="{A6DED9D1-7673-4C18-865B-598BD3A5C0C4}" dt="2020-10-13T20:16:27.322" v="24" actId="14100"/>
-          <ac:cxnSpMkLst>
-            <pc:docMk/>
-            <pc:sldMk cId="4054802990" sldId="319"/>
-            <ac:cxnSpMk id="19" creationId="{C7205432-4075-498A-B40F-A68295D55497}"/>
-          </ac:cxnSpMkLst>
-        </pc:cxnChg>
-        <pc:cxnChg chg="add mod topLvl">
-          <ac:chgData name="Moore, Jacob Preston" userId="fdd3fd0f-c483-48c9-988d-7deb216763fd" providerId="ADAL" clId="{A6DED9D1-7673-4C18-865B-598BD3A5C0C4}" dt="2020-10-13T20:16:40.405" v="42" actId="1037"/>
-          <ac:cxnSpMkLst>
-            <pc:docMk/>
-            <pc:sldMk cId="4054802990" sldId="319"/>
-            <ac:cxnSpMk id="20" creationId="{229CF7A4-57D6-4695-ABE5-14577102B4F7}"/>
-          </ac:cxnSpMkLst>
-        </pc:cxnChg>
-        <pc:cxnChg chg="add mod topLvl">
-          <ac:chgData name="Moore, Jacob Preston" userId="fdd3fd0f-c483-48c9-988d-7deb216763fd" providerId="ADAL" clId="{A6DED9D1-7673-4C18-865B-598BD3A5C0C4}" dt="2020-10-13T20:15:11.999" v="11" actId="165"/>
-          <ac:cxnSpMkLst>
-            <pc:docMk/>
-            <pc:sldMk cId="4054802990" sldId="319"/>
-            <ac:cxnSpMk id="22" creationId="{EB8AAA06-EA08-441B-99D7-94C28740E254}"/>
-          </ac:cxnSpMkLst>
-        </pc:cxnChg>
-        <pc:cxnChg chg="add mod topLvl">
-          <ac:chgData name="Moore, Jacob Preston" userId="fdd3fd0f-c483-48c9-988d-7deb216763fd" providerId="ADAL" clId="{A6DED9D1-7673-4C18-865B-598BD3A5C0C4}" dt="2020-10-13T20:15:11.999" v="11" actId="165"/>
-          <ac:cxnSpMkLst>
-            <pc:docMk/>
-            <pc:sldMk cId="4054802990" sldId="319"/>
-            <ac:cxnSpMk id="26" creationId="{9B790B4F-A73D-4E27-9CA8-87963E8EE857}"/>
-          </ac:cxnSpMkLst>
-        </pc:cxnChg>
-        <pc:cxnChg chg="add mod topLvl">
-          <ac:chgData name="Moore, Jacob Preston" userId="fdd3fd0f-c483-48c9-988d-7deb216763fd" providerId="ADAL" clId="{A6DED9D1-7673-4C18-865B-598BD3A5C0C4}" dt="2020-10-13T20:15:11.999" v="11" actId="165"/>
-          <ac:cxnSpMkLst>
-            <pc:docMk/>
-            <pc:sldMk cId="4054802990" sldId="319"/>
-            <ac:cxnSpMk id="27" creationId="{132E94C7-0818-466F-85A3-5EEAD7D7F8B9}"/>
-          </ac:cxnSpMkLst>
-        </pc:cxnChg>
-        <pc:cxnChg chg="add del mod">
-          <ac:chgData name="Moore, Jacob Preston" userId="fdd3fd0f-c483-48c9-988d-7deb216763fd" providerId="ADAL" clId="{A6DED9D1-7673-4C18-865B-598BD3A5C0C4}" dt="2020-10-13T20:16:17.435" v="20"/>
-          <ac:cxnSpMkLst>
-            <pc:docMk/>
-            <pc:sldMk cId="4054802990" sldId="319"/>
-            <ac:cxnSpMk id="29" creationId="{5EBB8318-C97A-4D01-967A-71A42F589B4D}"/>
-          </ac:cxnSpMkLst>
-        </pc:cxnChg>
-        <pc:cxnChg chg="add mod">
-          <ac:chgData name="Moore, Jacob Preston" userId="fdd3fd0f-c483-48c9-988d-7deb216763fd" providerId="ADAL" clId="{A6DED9D1-7673-4C18-865B-598BD3A5C0C4}" dt="2020-10-13T20:17:05.427" v="49" actId="1076"/>
-          <ac:cxnSpMkLst>
-            <pc:docMk/>
-            <pc:sldMk cId="4054802990" sldId="319"/>
-            <ac:cxnSpMk id="32" creationId="{445BFBBB-EF8E-474B-B1E7-FCA53C1FCA49}"/>
-          </ac:cxnSpMkLst>
-        </pc:cxnChg>
-        <pc:cxnChg chg="add mod">
-          <ac:chgData name="Moore, Jacob Preston" userId="fdd3fd0f-c483-48c9-988d-7deb216763fd" providerId="ADAL" clId="{A6DED9D1-7673-4C18-865B-598BD3A5C0C4}" dt="2020-10-13T20:17:13.567" v="55" actId="1038"/>
-          <ac:cxnSpMkLst>
-            <pc:docMk/>
-            <pc:sldMk cId="4054802990" sldId="319"/>
-            <ac:cxnSpMk id="35" creationId="{C8CF9A6D-AB6D-4630-A7FF-4D24C5F1C560}"/>
-          </ac:cxnSpMkLst>
-        </pc:cxnChg>
-        <pc:cxnChg chg="add mod">
-          <ac:chgData name="Moore, Jacob Preston" userId="fdd3fd0f-c483-48c9-988d-7deb216763fd" providerId="ADAL" clId="{A6DED9D1-7673-4C18-865B-598BD3A5C0C4}" dt="2020-10-13T20:17:55.813" v="79" actId="1076"/>
-          <ac:cxnSpMkLst>
-            <pc:docMk/>
-            <pc:sldMk cId="4054802990" sldId="319"/>
-            <ac:cxnSpMk id="39" creationId="{DC2080AE-CD09-4A9A-A738-A6B05895F95A}"/>
-          </ac:cxnSpMkLst>
-        </pc:cxnChg>
-        <pc:cxnChg chg="add mod">
-          <ac:chgData name="Moore, Jacob Preston" userId="fdd3fd0f-c483-48c9-988d-7deb216763fd" providerId="ADAL" clId="{A6DED9D1-7673-4C18-865B-598BD3A5C0C4}" dt="2020-10-13T20:18:18.978" v="100" actId="1035"/>
-          <ac:cxnSpMkLst>
-            <pc:docMk/>
-            <pc:sldMk cId="4054802990" sldId="319"/>
-            <ac:cxnSpMk id="40" creationId="{BA4E5EB7-2BDC-4E56-936A-385697FA4651}"/>
-          </ac:cxnSpMkLst>
-        </pc:cxnChg>
-      </pc:sldChg>
-    </pc:docChg>
-  </pc:docChgLst>
   <pc:docChgLst>
     <pc:chgData name="Moore, Jacob Preston" userId="fdd3fd0f-c483-48c9-988d-7deb216763fd" providerId="ADAL" clId="{519B1341-81EE-4724-8521-459FA06A8E21}"/>
     <pc:docChg chg="undo custSel addSld delSld modSld sldOrd">
@@ -1105,6 +841,270 @@
     </pc:docChg>
   </pc:docChgLst>
   <pc:docChgLst>
+    <pc:chgData name="Moore, Jacob Preston" userId="fdd3fd0f-c483-48c9-988d-7deb216763fd" providerId="ADAL" clId="{A6DED9D1-7673-4C18-865B-598BD3A5C0C4}"/>
+    <pc:docChg chg="undo modSld">
+      <pc:chgData name="Moore, Jacob Preston" userId="fdd3fd0f-c483-48c9-988d-7deb216763fd" providerId="ADAL" clId="{A6DED9D1-7673-4C18-865B-598BD3A5C0C4}" dt="2020-10-13T20:18:34.474" v="109" actId="1076"/>
+      <pc:docMkLst>
+        <pc:docMk/>
+      </pc:docMkLst>
+      <pc:sldChg chg="addSp delSp modSp">
+        <pc:chgData name="Moore, Jacob Preston" userId="fdd3fd0f-c483-48c9-988d-7deb216763fd" providerId="ADAL" clId="{A6DED9D1-7673-4C18-865B-598BD3A5C0C4}" dt="2020-10-13T20:18:34.474" v="109" actId="1076"/>
+        <pc:sldMkLst>
+          <pc:docMk/>
+          <pc:sldMk cId="4054802990" sldId="319"/>
+        </pc:sldMkLst>
+        <pc:spChg chg="add mod topLvl">
+          <ac:chgData name="Moore, Jacob Preston" userId="fdd3fd0f-c483-48c9-988d-7deb216763fd" providerId="ADAL" clId="{A6DED9D1-7673-4C18-865B-598BD3A5C0C4}" dt="2020-10-13T20:15:11.999" v="11" actId="165"/>
+          <ac:spMkLst>
+            <pc:docMk/>
+            <pc:sldMk cId="4054802990" sldId="319"/>
+            <ac:spMk id="6" creationId="{FD2C6946-A173-4635-AF6A-5E524A1673A8}"/>
+          </ac:spMkLst>
+        </pc:spChg>
+        <pc:spChg chg="add mod topLvl">
+          <ac:chgData name="Moore, Jacob Preston" userId="fdd3fd0f-c483-48c9-988d-7deb216763fd" providerId="ADAL" clId="{A6DED9D1-7673-4C18-865B-598BD3A5C0C4}" dt="2020-10-13T20:15:41.339" v="12" actId="1037"/>
+          <ac:spMkLst>
+            <pc:docMk/>
+            <pc:sldMk cId="4054802990" sldId="319"/>
+            <ac:spMk id="7" creationId="{19B3197D-EF8D-40E7-AD69-B2163FC23890}"/>
+          </ac:spMkLst>
+        </pc:spChg>
+        <pc:spChg chg="add mod topLvl">
+          <ac:chgData name="Moore, Jacob Preston" userId="fdd3fd0f-c483-48c9-988d-7deb216763fd" providerId="ADAL" clId="{A6DED9D1-7673-4C18-865B-598BD3A5C0C4}" dt="2020-10-13T20:15:11.999" v="11" actId="165"/>
+          <ac:spMkLst>
+            <pc:docMk/>
+            <pc:sldMk cId="4054802990" sldId="319"/>
+            <ac:spMk id="8" creationId="{A36B1B07-BBCA-4D4F-8479-73CA168EAD18}"/>
+          </ac:spMkLst>
+        </pc:spChg>
+        <pc:spChg chg="add mod topLvl">
+          <ac:chgData name="Moore, Jacob Preston" userId="fdd3fd0f-c483-48c9-988d-7deb216763fd" providerId="ADAL" clId="{A6DED9D1-7673-4C18-865B-598BD3A5C0C4}" dt="2020-10-13T20:15:11.999" v="11" actId="165"/>
+          <ac:spMkLst>
+            <pc:docMk/>
+            <pc:sldMk cId="4054802990" sldId="319"/>
+            <ac:spMk id="9" creationId="{EDDAE8CF-004A-4FA1-B2C4-BA5435FE5543}"/>
+          </ac:spMkLst>
+        </pc:spChg>
+        <pc:spChg chg="add mod topLvl">
+          <ac:chgData name="Moore, Jacob Preston" userId="fdd3fd0f-c483-48c9-988d-7deb216763fd" providerId="ADAL" clId="{A6DED9D1-7673-4C18-865B-598BD3A5C0C4}" dt="2020-10-13T20:18:01.267" v="89" actId="1035"/>
+          <ac:spMkLst>
+            <pc:docMk/>
+            <pc:sldMk cId="4054802990" sldId="319"/>
+            <ac:spMk id="13" creationId="{E635A265-4EEE-495E-85A8-A0C8226E3E04}"/>
+          </ac:spMkLst>
+        </pc:spChg>
+        <pc:spChg chg="add mod topLvl">
+          <ac:chgData name="Moore, Jacob Preston" userId="fdd3fd0f-c483-48c9-988d-7deb216763fd" providerId="ADAL" clId="{A6DED9D1-7673-4C18-865B-598BD3A5C0C4}" dt="2020-10-13T20:16:18.810" v="23" actId="1076"/>
+          <ac:spMkLst>
+            <pc:docMk/>
+            <pc:sldMk cId="4054802990" sldId="319"/>
+            <ac:spMk id="16" creationId="{13356C26-E722-496C-A66D-71D92D3248E9}"/>
+          </ac:spMkLst>
+        </pc:spChg>
+        <pc:spChg chg="add mod topLvl">
+          <ac:chgData name="Moore, Jacob Preston" userId="fdd3fd0f-c483-48c9-988d-7deb216763fd" providerId="ADAL" clId="{A6DED9D1-7673-4C18-865B-598BD3A5C0C4}" dt="2020-10-13T20:16:40.405" v="42" actId="1037"/>
+          <ac:spMkLst>
+            <pc:docMk/>
+            <pc:sldMk cId="4054802990" sldId="319"/>
+            <ac:spMk id="21" creationId="{CA2301DE-70E7-4047-9999-2CF06BB2A356}"/>
+          </ac:spMkLst>
+        </pc:spChg>
+        <pc:spChg chg="add mod topLvl">
+          <ac:chgData name="Moore, Jacob Preston" userId="fdd3fd0f-c483-48c9-988d-7deb216763fd" providerId="ADAL" clId="{A6DED9D1-7673-4C18-865B-598BD3A5C0C4}" dt="2020-10-13T20:15:11.999" v="11" actId="165"/>
+          <ac:spMkLst>
+            <pc:docMk/>
+            <pc:sldMk cId="4054802990" sldId="319"/>
+            <ac:spMk id="23" creationId="{525C0810-BCF1-4A1C-811B-164B653FC8C8}"/>
+          </ac:spMkLst>
+        </pc:spChg>
+        <pc:spChg chg="add mod topLvl">
+          <ac:chgData name="Moore, Jacob Preston" userId="fdd3fd0f-c483-48c9-988d-7deb216763fd" providerId="ADAL" clId="{A6DED9D1-7673-4C18-865B-598BD3A5C0C4}" dt="2020-10-13T20:15:11.999" v="11" actId="165"/>
+          <ac:spMkLst>
+            <pc:docMk/>
+            <pc:sldMk cId="4054802990" sldId="319"/>
+            <ac:spMk id="24" creationId="{B5B2A417-D8B1-49A1-AA66-A2F36E9FFA69}"/>
+          </ac:spMkLst>
+        </pc:spChg>
+        <pc:spChg chg="add mod topLvl">
+          <ac:chgData name="Moore, Jacob Preston" userId="fdd3fd0f-c483-48c9-988d-7deb216763fd" providerId="ADAL" clId="{A6DED9D1-7673-4C18-865B-598BD3A5C0C4}" dt="2020-10-13T20:15:11.999" v="11" actId="165"/>
+          <ac:spMkLst>
+            <pc:docMk/>
+            <pc:sldMk cId="4054802990" sldId="319"/>
+            <ac:spMk id="25" creationId="{42795112-1F2B-4D0F-8D93-F78A5535BAF5}"/>
+          </ac:spMkLst>
+        </pc:spChg>
+        <pc:spChg chg="add mod">
+          <ac:chgData name="Moore, Jacob Preston" userId="fdd3fd0f-c483-48c9-988d-7deb216763fd" providerId="ADAL" clId="{A6DED9D1-7673-4C18-865B-598BD3A5C0C4}" dt="2020-10-13T20:18:22.314" v="101" actId="1076"/>
+          <ac:spMkLst>
+            <pc:docMk/>
+            <pc:sldMk cId="4054802990" sldId="319"/>
+            <ac:spMk id="38" creationId="{82F1B1D2-BA50-4E7E-8278-65208B6C2BA0}"/>
+          </ac:spMkLst>
+        </pc:spChg>
+        <pc:spChg chg="add mod">
+          <ac:chgData name="Moore, Jacob Preston" userId="fdd3fd0f-c483-48c9-988d-7deb216763fd" providerId="ADAL" clId="{A6DED9D1-7673-4C18-865B-598BD3A5C0C4}" dt="2020-10-13T20:18:34.474" v="109" actId="1076"/>
+          <ac:spMkLst>
+            <pc:docMk/>
+            <pc:sldMk cId="4054802990" sldId="319"/>
+            <ac:spMk id="44" creationId="{A561A4B4-3324-4071-B47D-E1703CA92FD1}"/>
+          </ac:spMkLst>
+        </pc:spChg>
+        <pc:grpChg chg="add del mod">
+          <ac:chgData name="Moore, Jacob Preston" userId="fdd3fd0f-c483-48c9-988d-7deb216763fd" providerId="ADAL" clId="{A6DED9D1-7673-4C18-865B-598BD3A5C0C4}" dt="2020-10-13T20:15:11.999" v="11" actId="165"/>
+          <ac:grpSpMkLst>
+            <pc:docMk/>
+            <pc:sldMk cId="4054802990" sldId="319"/>
+            <ac:grpSpMk id="28" creationId="{FCFDEA3A-1AE9-4664-8446-14A181E90F1C}"/>
+          </ac:grpSpMkLst>
+        </pc:grpChg>
+        <pc:picChg chg="del mod">
+          <ac:chgData name="Moore, Jacob Preston" userId="fdd3fd0f-c483-48c9-988d-7deb216763fd" providerId="ADAL" clId="{A6DED9D1-7673-4C18-865B-598BD3A5C0C4}" dt="2020-10-13T20:14:40.829" v="3" actId="478"/>
+          <ac:picMkLst>
+            <pc:docMk/>
+            <pc:sldMk cId="4054802990" sldId="319"/>
+            <ac:picMk id="5" creationId="{5EEBBD95-D3F8-4591-BBFA-94A91B5D7FED}"/>
+          </ac:picMkLst>
+        </pc:picChg>
+        <pc:cxnChg chg="add mod topLvl">
+          <ac:chgData name="Moore, Jacob Preston" userId="fdd3fd0f-c483-48c9-988d-7deb216763fd" providerId="ADAL" clId="{A6DED9D1-7673-4C18-865B-598BD3A5C0C4}" dt="2020-10-13T20:15:11.999" v="11" actId="165"/>
+          <ac:cxnSpMkLst>
+            <pc:docMk/>
+            <pc:sldMk cId="4054802990" sldId="319"/>
+            <ac:cxnSpMk id="10" creationId="{5EF1EB6C-99B9-4AAB-9DA1-FA566B477EA7}"/>
+          </ac:cxnSpMkLst>
+        </pc:cxnChg>
+        <pc:cxnChg chg="add mod topLvl">
+          <ac:chgData name="Moore, Jacob Preston" userId="fdd3fd0f-c483-48c9-988d-7deb216763fd" providerId="ADAL" clId="{A6DED9D1-7673-4C18-865B-598BD3A5C0C4}" dt="2020-10-13T20:15:11.999" v="11" actId="165"/>
+          <ac:cxnSpMkLst>
+            <pc:docMk/>
+            <pc:sldMk cId="4054802990" sldId="319"/>
+            <ac:cxnSpMk id="11" creationId="{94C7CAAF-D849-40CD-98E5-7BA1625A90A9}"/>
+          </ac:cxnSpMkLst>
+        </pc:cxnChg>
+        <pc:cxnChg chg="add mod topLvl">
+          <ac:chgData name="Moore, Jacob Preston" userId="fdd3fd0f-c483-48c9-988d-7deb216763fd" providerId="ADAL" clId="{A6DED9D1-7673-4C18-865B-598BD3A5C0C4}" dt="2020-10-13T20:18:01.267" v="89" actId="1035"/>
+          <ac:cxnSpMkLst>
+            <pc:docMk/>
+            <pc:sldMk cId="4054802990" sldId="319"/>
+            <ac:cxnSpMk id="12" creationId="{DFD25E81-AB0A-4225-A130-4492CB084373}"/>
+          </ac:cxnSpMkLst>
+        </pc:cxnChg>
+        <pc:cxnChg chg="add mod topLvl">
+          <ac:chgData name="Moore, Jacob Preston" userId="fdd3fd0f-c483-48c9-988d-7deb216763fd" providerId="ADAL" clId="{A6DED9D1-7673-4C18-865B-598BD3A5C0C4}" dt="2020-10-13T20:15:11.999" v="11" actId="165"/>
+          <ac:cxnSpMkLst>
+            <pc:docMk/>
+            <pc:sldMk cId="4054802990" sldId="319"/>
+            <ac:cxnSpMk id="14" creationId="{213AF7E5-C8B7-4FDC-BAC5-2DEF6BC5667F}"/>
+          </ac:cxnSpMkLst>
+        </pc:cxnChg>
+        <pc:cxnChg chg="add mod topLvl">
+          <ac:chgData name="Moore, Jacob Preston" userId="fdd3fd0f-c483-48c9-988d-7deb216763fd" providerId="ADAL" clId="{A6DED9D1-7673-4C18-865B-598BD3A5C0C4}" dt="2020-10-13T20:15:11.999" v="11" actId="165"/>
+          <ac:cxnSpMkLst>
+            <pc:docMk/>
+            <pc:sldMk cId="4054802990" sldId="319"/>
+            <ac:cxnSpMk id="15" creationId="{A84ABA78-91E6-422D-B985-7D6C0922950B}"/>
+          </ac:cxnSpMkLst>
+        </pc:cxnChg>
+        <pc:cxnChg chg="add mod topLvl">
+          <ac:chgData name="Moore, Jacob Preston" userId="fdd3fd0f-c483-48c9-988d-7deb216763fd" providerId="ADAL" clId="{A6DED9D1-7673-4C18-865B-598BD3A5C0C4}" dt="2020-10-13T20:15:11.999" v="11" actId="165"/>
+          <ac:cxnSpMkLst>
+            <pc:docMk/>
+            <pc:sldMk cId="4054802990" sldId="319"/>
+            <ac:cxnSpMk id="17" creationId="{11FC30E2-270E-414E-88DC-AF6791070C1B}"/>
+          </ac:cxnSpMkLst>
+        </pc:cxnChg>
+        <pc:cxnChg chg="add mod topLvl">
+          <ac:chgData name="Moore, Jacob Preston" userId="fdd3fd0f-c483-48c9-988d-7deb216763fd" providerId="ADAL" clId="{A6DED9D1-7673-4C18-865B-598BD3A5C0C4}" dt="2020-10-13T20:16:44.850" v="43" actId="14100"/>
+          <ac:cxnSpMkLst>
+            <pc:docMk/>
+            <pc:sldMk cId="4054802990" sldId="319"/>
+            <ac:cxnSpMk id="18" creationId="{83BFDCBC-6858-4F9B-AD49-EF0A187290AC}"/>
+          </ac:cxnSpMkLst>
+        </pc:cxnChg>
+        <pc:cxnChg chg="add mod topLvl">
+          <ac:chgData name="Moore, Jacob Preston" userId="fdd3fd0f-c483-48c9-988d-7deb216763fd" providerId="ADAL" clId="{A6DED9D1-7673-4C18-865B-598BD3A5C0C4}" dt="2020-10-13T20:16:27.322" v="24" actId="14100"/>
+          <ac:cxnSpMkLst>
+            <pc:docMk/>
+            <pc:sldMk cId="4054802990" sldId="319"/>
+            <ac:cxnSpMk id="19" creationId="{C7205432-4075-498A-B40F-A68295D55497}"/>
+          </ac:cxnSpMkLst>
+        </pc:cxnChg>
+        <pc:cxnChg chg="add mod topLvl">
+          <ac:chgData name="Moore, Jacob Preston" userId="fdd3fd0f-c483-48c9-988d-7deb216763fd" providerId="ADAL" clId="{A6DED9D1-7673-4C18-865B-598BD3A5C0C4}" dt="2020-10-13T20:16:40.405" v="42" actId="1037"/>
+          <ac:cxnSpMkLst>
+            <pc:docMk/>
+            <pc:sldMk cId="4054802990" sldId="319"/>
+            <ac:cxnSpMk id="20" creationId="{229CF7A4-57D6-4695-ABE5-14577102B4F7}"/>
+          </ac:cxnSpMkLst>
+        </pc:cxnChg>
+        <pc:cxnChg chg="add mod topLvl">
+          <ac:chgData name="Moore, Jacob Preston" userId="fdd3fd0f-c483-48c9-988d-7deb216763fd" providerId="ADAL" clId="{A6DED9D1-7673-4C18-865B-598BD3A5C0C4}" dt="2020-10-13T20:15:11.999" v="11" actId="165"/>
+          <ac:cxnSpMkLst>
+            <pc:docMk/>
+            <pc:sldMk cId="4054802990" sldId="319"/>
+            <ac:cxnSpMk id="22" creationId="{EB8AAA06-EA08-441B-99D7-94C28740E254}"/>
+          </ac:cxnSpMkLst>
+        </pc:cxnChg>
+        <pc:cxnChg chg="add mod topLvl">
+          <ac:chgData name="Moore, Jacob Preston" userId="fdd3fd0f-c483-48c9-988d-7deb216763fd" providerId="ADAL" clId="{A6DED9D1-7673-4C18-865B-598BD3A5C0C4}" dt="2020-10-13T20:15:11.999" v="11" actId="165"/>
+          <ac:cxnSpMkLst>
+            <pc:docMk/>
+            <pc:sldMk cId="4054802990" sldId="319"/>
+            <ac:cxnSpMk id="26" creationId="{9B790B4F-A73D-4E27-9CA8-87963E8EE857}"/>
+          </ac:cxnSpMkLst>
+        </pc:cxnChg>
+        <pc:cxnChg chg="add mod topLvl">
+          <ac:chgData name="Moore, Jacob Preston" userId="fdd3fd0f-c483-48c9-988d-7deb216763fd" providerId="ADAL" clId="{A6DED9D1-7673-4C18-865B-598BD3A5C0C4}" dt="2020-10-13T20:15:11.999" v="11" actId="165"/>
+          <ac:cxnSpMkLst>
+            <pc:docMk/>
+            <pc:sldMk cId="4054802990" sldId="319"/>
+            <ac:cxnSpMk id="27" creationId="{132E94C7-0818-466F-85A3-5EEAD7D7F8B9}"/>
+          </ac:cxnSpMkLst>
+        </pc:cxnChg>
+        <pc:cxnChg chg="add del mod">
+          <ac:chgData name="Moore, Jacob Preston" userId="fdd3fd0f-c483-48c9-988d-7deb216763fd" providerId="ADAL" clId="{A6DED9D1-7673-4C18-865B-598BD3A5C0C4}" dt="2020-10-13T20:16:17.435" v="20"/>
+          <ac:cxnSpMkLst>
+            <pc:docMk/>
+            <pc:sldMk cId="4054802990" sldId="319"/>
+            <ac:cxnSpMk id="29" creationId="{5EBB8318-C97A-4D01-967A-71A42F589B4D}"/>
+          </ac:cxnSpMkLst>
+        </pc:cxnChg>
+        <pc:cxnChg chg="add mod">
+          <ac:chgData name="Moore, Jacob Preston" userId="fdd3fd0f-c483-48c9-988d-7deb216763fd" providerId="ADAL" clId="{A6DED9D1-7673-4C18-865B-598BD3A5C0C4}" dt="2020-10-13T20:17:05.427" v="49" actId="1076"/>
+          <ac:cxnSpMkLst>
+            <pc:docMk/>
+            <pc:sldMk cId="4054802990" sldId="319"/>
+            <ac:cxnSpMk id="32" creationId="{445BFBBB-EF8E-474B-B1E7-FCA53C1FCA49}"/>
+          </ac:cxnSpMkLst>
+        </pc:cxnChg>
+        <pc:cxnChg chg="add mod">
+          <ac:chgData name="Moore, Jacob Preston" userId="fdd3fd0f-c483-48c9-988d-7deb216763fd" providerId="ADAL" clId="{A6DED9D1-7673-4C18-865B-598BD3A5C0C4}" dt="2020-10-13T20:17:13.567" v="55" actId="1038"/>
+          <ac:cxnSpMkLst>
+            <pc:docMk/>
+            <pc:sldMk cId="4054802990" sldId="319"/>
+            <ac:cxnSpMk id="35" creationId="{C8CF9A6D-AB6D-4630-A7FF-4D24C5F1C560}"/>
+          </ac:cxnSpMkLst>
+        </pc:cxnChg>
+        <pc:cxnChg chg="add mod">
+          <ac:chgData name="Moore, Jacob Preston" userId="fdd3fd0f-c483-48c9-988d-7deb216763fd" providerId="ADAL" clId="{A6DED9D1-7673-4C18-865B-598BD3A5C0C4}" dt="2020-10-13T20:17:55.813" v="79" actId="1076"/>
+          <ac:cxnSpMkLst>
+            <pc:docMk/>
+            <pc:sldMk cId="4054802990" sldId="319"/>
+            <ac:cxnSpMk id="39" creationId="{DC2080AE-CD09-4A9A-A738-A6B05895F95A}"/>
+          </ac:cxnSpMkLst>
+        </pc:cxnChg>
+        <pc:cxnChg chg="add mod">
+          <ac:chgData name="Moore, Jacob Preston" userId="fdd3fd0f-c483-48c9-988d-7deb216763fd" providerId="ADAL" clId="{A6DED9D1-7673-4C18-865B-598BD3A5C0C4}" dt="2020-10-13T20:18:18.978" v="100" actId="1035"/>
+          <ac:cxnSpMkLst>
+            <pc:docMk/>
+            <pc:sldMk cId="4054802990" sldId="319"/>
+            <ac:cxnSpMk id="40" creationId="{BA4E5EB7-2BDC-4E56-936A-385697FA4651}"/>
+          </ac:cxnSpMkLst>
+        </pc:cxnChg>
+      </pc:sldChg>
+    </pc:docChg>
+  </pc:docChgLst>
+  <pc:docChgLst>
     <pc:chgData name="Moore, Jacob Preston" userId="fdd3fd0f-c483-48c9-988d-7deb216763fd" providerId="ADAL" clId="{E957B33C-E8CD-4F7E-B4DB-0054BEFB745E}"/>
     <pc:docChg chg="custSel addSld modSld">
       <pc:chgData name="Moore, Jacob Preston" userId="fdd3fd0f-c483-48c9-988d-7deb216763fd" providerId="ADAL" clId="{E957B33C-E8CD-4F7E-B4DB-0054BEFB745E}" dt="2020-06-17T19:47:27.407" v="20" actId="27636"/>
@@ -1341,7 +1341,7 @@
           <a:p>
             <a:fld id="{1AA1AB63-216F-4D5B-8811-CCB935E98D4A}" type="datetimeFigureOut">
               <a:rPr lang="en-US" smtClean="0"/>
-              <a:t>10/13/2020</a:t>
+              <a:t>1/13/2022</a:t>
             </a:fld>
             <a:endParaRPr lang="en-US"/>
           </a:p>
@@ -10788,13 +10788,13 @@
         <p:spPr/>
         <p:txBody>
           <a:bodyPr>
-            <a:normAutofit fontScale="90000"/>
+            <a:normAutofit/>
           </a:bodyPr>
           <a:lstStyle/>
           <a:p>
             <a:r>
               <a:rPr lang="en-US" dirty="0"/>
-              <a:t>Method of Composite Worked Example</a:t>
+              <a:t>Worked Example</a:t>
             </a:r>
           </a:p>
         </p:txBody>
@@ -12003,13 +12003,13 @@
         <p:spPr/>
         <p:txBody>
           <a:bodyPr>
-            <a:normAutofit fontScale="90000"/>
+            <a:normAutofit/>
           </a:bodyPr>
           <a:lstStyle/>
           <a:p>
             <a:r>
               <a:rPr lang="en-US" dirty="0"/>
-              <a:t>Method of Composite Practice Problem</a:t>
+              <a:t>Worked Example</a:t>
             </a:r>
           </a:p>
         </p:txBody>
@@ -12156,13 +12156,13 @@
         <p:spPr/>
         <p:txBody>
           <a:bodyPr>
-            <a:normAutofit fontScale="90000"/>
+            <a:normAutofit/>
           </a:bodyPr>
           <a:lstStyle/>
           <a:p>
             <a:r>
               <a:rPr lang="en-US" dirty="0"/>
-              <a:t>Method of Composite Practice Problem</a:t>
+              <a:t>Worked Example</a:t>
             </a:r>
           </a:p>
         </p:txBody>
@@ -12313,7 +12313,7 @@
           <a:p>
             <a:r>
               <a:rPr lang="en-US" dirty="0"/>
-              <a:t>Centroid Worked Example</a:t>
+              <a:t>Worked Example</a:t>
             </a:r>
           </a:p>
         </p:txBody>
@@ -12469,7 +12469,7 @@
           <a:p>
             <a:r>
               <a:rPr lang="en-US" dirty="0"/>
-              <a:t>Center of Mass Practice Problem</a:t>
+              <a:t>Worked Example</a:t>
             </a:r>
           </a:p>
         </p:txBody>
@@ -12498,7 +12498,7 @@
           <a:p>
             <a:r>
               <a:rPr lang="en-US" dirty="0"/>
-              <a:t>A spherical tank with an outside diameter of two meters and a wall thickness of .01 meters is half filled with water. Determine the mass, and the height of the center of mass, for the half filled tank as shown below.</a:t>
+              <a:t>A spherical tank with an outside diameter of two meters and a wall thickness of .01 meters is half filled with water. Determine the mass, and the height of the center of mass, for the half-filled tank as shown below.</a:t>
             </a:r>
           </a:p>
         </p:txBody>
@@ -21388,6 +21388,21 @@
 </file>
 
 <file path=customXml/item1.xml><?xml version="1.0" encoding="utf-8"?>
+<p:properties xmlns:p="http://schemas.microsoft.com/office/2006/metadata/properties" xmlns:xsi="http://www.w3.org/2001/XMLSchema-instance" xmlns:pc="http://schemas.microsoft.com/office/infopath/2007/PartnerControls">
+  <documentManagement/>
+</p:properties>
+</file>
+
+<file path=customXml/item2.xml><?xml version="1.0" encoding="utf-8"?>
+<?mso-contentType ?>
+<FormTemplates xmlns="http://schemas.microsoft.com/sharepoint/v3/contenttype/forms">
+  <Display>DocumentLibraryForm</Display>
+  <Edit>DocumentLibraryForm</Edit>
+  <New>DocumentLibraryForm</New>
+</FormTemplates>
+</file>
+
+<file path=customXml/item3.xml><?xml version="1.0" encoding="utf-8"?>
 <ct:contentTypeSchema xmlns:ct="http://schemas.microsoft.com/office/2006/metadata/contentType" xmlns:ma="http://schemas.microsoft.com/office/2006/metadata/properties/metaAttributes" ct:_="" ma:_="" ma:contentTypeName="Document" ma:contentTypeID="0x010100A06DF21F5BB2734A800ED30F3F452129" ma:contentTypeVersion="12" ma:contentTypeDescription="Create a new document." ma:contentTypeScope="" ma:versionID="544d96a5fbac5de9d5d902b535c73fb2">
   <xsd:schema xmlns:xsd="http://www.w3.org/2001/XMLSchema" xmlns:xs="http://www.w3.org/2001/XMLSchema" xmlns:p="http://schemas.microsoft.com/office/2006/metadata/properties" xmlns:ns3="90d05cb5-950f-4f68-bc2c-e17794455b92" xmlns:ns4="b4eab9fa-dbb0-4082-8491-8bd54207a265" targetNamespace="http://schemas.microsoft.com/office/2006/metadata/properties" ma:root="true" ma:fieldsID="7a710efc71c2169bf9c05e5a40dddf12" ns3:_="" ns4:_="">
     <xsd:import namespace="90d05cb5-950f-4f68-bc2c-e17794455b92"/>
@@ -21604,22 +21619,24 @@
 </ct:contentTypeSchema>
 </file>
 
-<file path=customXml/item2.xml><?xml version="1.0" encoding="utf-8"?>
-<?mso-contentType ?>
-<FormTemplates xmlns="http://schemas.microsoft.com/sharepoint/v3/contenttype/forms">
-  <Display>DocumentLibraryForm</Display>
-  <Edit>DocumentLibraryForm</Edit>
-  <New>DocumentLibraryForm</New>
-</FormTemplates>
+<file path=customXml/itemProps1.xml><?xml version="1.0" encoding="utf-8"?>
+<ds:datastoreItem xmlns:ds="http://schemas.openxmlformats.org/officeDocument/2006/customXml" ds:itemID="{52EB1464-66D1-425A-BBB5-7A9312BBE9C4}">
+  <ds:schemaRefs>
+    <ds:schemaRef ds:uri="http://schemas.microsoft.com/office/2006/metadata/properties"/>
+    <ds:schemaRef ds:uri="http://schemas.microsoft.com/office/infopath/2007/PartnerControls"/>
+  </ds:schemaRefs>
+</ds:datastoreItem>
 </file>
 
-<file path=customXml/item3.xml><?xml version="1.0" encoding="utf-8"?>
-<p:properties xmlns:p="http://schemas.microsoft.com/office/2006/metadata/properties" xmlns:xsi="http://www.w3.org/2001/XMLSchema-instance" xmlns:pc="http://schemas.microsoft.com/office/infopath/2007/PartnerControls">
-  <documentManagement/>
-</p:properties>
+<file path=customXml/itemProps2.xml><?xml version="1.0" encoding="utf-8"?>
+<ds:datastoreItem xmlns:ds="http://schemas.openxmlformats.org/officeDocument/2006/customXml" ds:itemID="{F5CF5F32-56DC-4068-8B04-457CF34A96F3}">
+  <ds:schemaRefs>
+    <ds:schemaRef ds:uri="http://schemas.microsoft.com/sharepoint/v3/contenttype/forms"/>
+  </ds:schemaRefs>
+</ds:datastoreItem>
 </file>
 
-<file path=customXml/itemProps1.xml><?xml version="1.0" encoding="utf-8"?>
+<file path=customXml/itemProps3.xml><?xml version="1.0" encoding="utf-8"?>
 <ds:datastoreItem xmlns:ds="http://schemas.openxmlformats.org/officeDocument/2006/customXml" ds:itemID="{A43B8A4B-79FE-4529-931C-D64224FA70E3}">
   <ds:schemaRefs>
     <ds:schemaRef ds:uri="http://schemas.microsoft.com/office/2006/metadata/contentType"/>
@@ -21636,21 +21653,4 @@
     <ds:schemaRef ds:uri="http://schemas.microsoft.com/internal/obd"/>
   </ds:schemaRefs>
 </ds:datastoreItem>
-</file>
-
-<file path=customXml/itemProps2.xml><?xml version="1.0" encoding="utf-8"?>
-<ds:datastoreItem xmlns:ds="http://schemas.openxmlformats.org/officeDocument/2006/customXml" ds:itemID="{F5CF5F32-56DC-4068-8B04-457CF34A96F3}">
-  <ds:schemaRefs>
-    <ds:schemaRef ds:uri="http://schemas.microsoft.com/sharepoint/v3/contenttype/forms"/>
-  </ds:schemaRefs>
-</ds:datastoreItem>
-</file>
-
-<file path=customXml/itemProps3.xml><?xml version="1.0" encoding="utf-8"?>
-<ds:datastoreItem xmlns:ds="http://schemas.openxmlformats.org/officeDocument/2006/customXml" ds:itemID="{52EB1464-66D1-425A-BBB5-7A9312BBE9C4}">
-  <ds:schemaRefs>
-    <ds:schemaRef ds:uri="http://schemas.microsoft.com/office/2006/metadata/properties"/>
-    <ds:schemaRef ds:uri="http://schemas.microsoft.com/office/infopath/2007/PartnerControls"/>
-  </ds:schemaRefs>
-</ds:datastoreItem>
 </file>
--- a/Lecture Slides/VideoLectureSlides/A_2.4.pptx
+++ b/Lecture Slides/VideoLectureSlides/A_2.4.pptx
@@ -5,7 +5,7 @@
     <p:sldMasterId id="2147483660" r:id="rId4"/>
   </p:sldMasterIdLst>
   <p:notesMasterIdLst>
-    <p:notesMasterId r:id="rId24"/>
+    <p:notesMasterId r:id="rId26"/>
   </p:notesMasterIdLst>
   <p:sldIdLst>
     <p:sldId id="256" r:id="rId5"/>
@@ -13,20 +13,22 @@
     <p:sldId id="314" r:id="rId7"/>
     <p:sldId id="315" r:id="rId8"/>
     <p:sldId id="316" r:id="rId9"/>
-    <p:sldId id="317" r:id="rId10"/>
-    <p:sldId id="318" r:id="rId11"/>
-    <p:sldId id="292" r:id="rId12"/>
-    <p:sldId id="293" r:id="rId13"/>
-    <p:sldId id="301" r:id="rId14"/>
-    <p:sldId id="296" r:id="rId15"/>
-    <p:sldId id="320" r:id="rId16"/>
-    <p:sldId id="299" r:id="rId17"/>
-    <p:sldId id="287" r:id="rId18"/>
-    <p:sldId id="319" r:id="rId19"/>
-    <p:sldId id="295" r:id="rId20"/>
-    <p:sldId id="321" r:id="rId21"/>
-    <p:sldId id="298" r:id="rId22"/>
-    <p:sldId id="300" r:id="rId23"/>
+    <p:sldId id="322" r:id="rId10"/>
+    <p:sldId id="317" r:id="rId11"/>
+    <p:sldId id="318" r:id="rId12"/>
+    <p:sldId id="292" r:id="rId13"/>
+    <p:sldId id="293" r:id="rId14"/>
+    <p:sldId id="301" r:id="rId15"/>
+    <p:sldId id="296" r:id="rId16"/>
+    <p:sldId id="323" r:id="rId17"/>
+    <p:sldId id="320" r:id="rId18"/>
+    <p:sldId id="299" r:id="rId19"/>
+    <p:sldId id="287" r:id="rId20"/>
+    <p:sldId id="319" r:id="rId21"/>
+    <p:sldId id="295" r:id="rId22"/>
+    <p:sldId id="321" r:id="rId23"/>
+    <p:sldId id="298" r:id="rId24"/>
+    <p:sldId id="300" r:id="rId25"/>
   </p:sldIdLst>
   <p:sldSz cx="9144000" cy="6858000" type="screen4x3"/>
   <p:notesSz cx="6858000" cy="9144000"/>
@@ -1341,7 +1343,7 @@
           <a:p>
             <a:fld id="{1AA1AB63-216F-4D5B-8811-CCB935E98D4A}" type="datetimeFigureOut">
               <a:rPr lang="en-US" smtClean="0"/>
-              <a:t>1/13/2022</a:t>
+              <a:t>7/8/2025</a:t>
             </a:fld>
             <a:endParaRPr lang="en-US"/>
           </a:p>
@@ -1673,7 +1675,7 @@
           <a:p>
             <a:fld id="{D071503E-B3EF-424C-B3CC-B319B8E34A61}" type="slidenum">
               <a:rPr lang="en-US" smtClean="0"/>
-              <a:t>9</a:t>
+              <a:t>10</a:t>
             </a:fld>
             <a:endParaRPr lang="en-US"/>
           </a:p>
@@ -4948,6 +4950,1714 @@
       </p:grpSpPr>
       <p:sp>
         <p:nvSpPr>
+          <p:cNvPr id="2" name="Title 1"/>
+          <p:cNvSpPr>
+            <a:spLocks noGrp="1"/>
+          </p:cNvSpPr>
+          <p:nvPr>
+            <p:ph type="title"/>
+          </p:nvPr>
+        </p:nvSpPr>
+        <p:spPr/>
+        <p:txBody>
+          <a:bodyPr>
+            <a:normAutofit fontScale="90000"/>
+          </a:bodyPr>
+          <a:lstStyle/>
+          <a:p>
+            <a:r>
+              <a:rPr lang="en-US" dirty="0"/>
+              <a:t>Using the Method of Composite Parts</a:t>
+            </a:r>
+          </a:p>
+        </p:txBody>
+      </p:sp>
+      <p:sp>
+        <p:nvSpPr>
+          <p:cNvPr id="3" name="Content Placeholder 2"/>
+          <p:cNvSpPr>
+            <a:spLocks noGrp="1"/>
+          </p:cNvSpPr>
+          <p:nvPr>
+            <p:ph idx="1"/>
+          </p:nvPr>
+        </p:nvSpPr>
+        <p:spPr>
+          <a:xfrm>
+            <a:off x="457200" y="1600201"/>
+            <a:ext cx="8229600" cy="1295399"/>
+          </a:xfrm>
+        </p:spPr>
+        <p:txBody>
+          <a:bodyPr>
+            <a:normAutofit fontScale="92500" lnSpcReduction="20000"/>
+          </a:bodyPr>
+          <a:lstStyle/>
+          <a:p>
+            <a:r>
+              <a:rPr lang="en-US" dirty="0"/>
+              <a:t>Once we have these values, we can use the formulas shown below to calculate the x and y coordinates of the centroid for the whole shape.</a:t>
+            </a:r>
+          </a:p>
+        </p:txBody>
+      </p:sp>
+      <p:sp>
+        <p:nvSpPr>
+          <p:cNvPr id="4" name="Slide Number Placeholder 3"/>
+          <p:cNvSpPr>
+            <a:spLocks noGrp="1"/>
+          </p:cNvSpPr>
+          <p:nvPr>
+            <p:ph type="sldNum" sz="quarter" idx="12"/>
+          </p:nvPr>
+        </p:nvSpPr>
+        <p:spPr/>
+        <p:txBody>
+          <a:bodyPr/>
+          <a:lstStyle/>
+          <a:p>
+            <a:fld id="{929262FE-7F58-4A1E-8AF3-5A510A86DEBD}" type="slidenum">
+              <a:rPr lang="en-US" smtClean="0"/>
+              <a:t>10</a:t>
+            </a:fld>
+            <a:endParaRPr lang="en-US"/>
+          </a:p>
+        </p:txBody>
+      </p:sp>
+      <mc:AlternateContent xmlns:mc="http://schemas.openxmlformats.org/markup-compatibility/2006" xmlns:a14="http://schemas.microsoft.com/office/drawing/2010/main">
+        <mc:Choice Requires="a14">
+          <p:sp>
+            <p:nvSpPr>
+              <p:cNvPr id="11" name="Rectangle 10"/>
+              <p:cNvSpPr/>
+              <p:nvPr/>
+            </p:nvSpPr>
+            <p:spPr>
+              <a:xfrm>
+                <a:off x="2048601" y="2776550"/>
+                <a:ext cx="1781578" cy="971548"/>
+              </a:xfrm>
+              <a:prstGeom prst="rect">
+                <a:avLst/>
+              </a:prstGeom>
+            </p:spPr>
+            <p:txBody>
+              <a:bodyPr wrap="none">
+                <a:spAutoFit/>
+              </a:bodyPr>
+              <a:lstStyle/>
+              <a:p>
+                <a:pPr/>
+                <a14:m>
+                  <m:oMathPara xmlns:m="http://schemas.openxmlformats.org/officeDocument/2006/math">
+                    <m:oMathParaPr>
+                      <m:jc m:val="centerGroup"/>
+                    </m:oMathParaPr>
+                    <m:oMath xmlns:m="http://schemas.openxmlformats.org/officeDocument/2006/math">
+                      <m:acc>
+                        <m:accPr>
+                          <m:chr m:val="̅"/>
+                          <m:ctrlPr>
+                            <a:rPr lang="en-US" sz="2400" i="1" smtClean="0">
+                              <a:latin typeface="Cambria Math" panose="02040503050406030204" pitchFamily="18" charset="0"/>
+                            </a:rPr>
+                          </m:ctrlPr>
+                        </m:accPr>
+                        <m:e>
+                          <m:r>
+                            <m:rPr>
+                              <m:sty m:val="p"/>
+                            </m:rPr>
+                            <a:rPr lang="en-US" sz="2400" b="0" i="0" smtClean="0">
+                              <a:latin typeface="Cambria Math"/>
+                            </a:rPr>
+                            <m:t>x</m:t>
+                          </m:r>
+                        </m:e>
+                      </m:acc>
+                      <m:r>
+                        <a:rPr lang="en-US" sz="2400" i="1">
+                          <a:latin typeface="Cambria Math"/>
+                        </a:rPr>
+                        <m:t>=</m:t>
+                      </m:r>
+                      <m:f>
+                        <m:fPr>
+                          <m:ctrlPr>
+                            <a:rPr lang="en-US" sz="2400" i="1">
+                              <a:latin typeface="Cambria Math" panose="02040503050406030204" pitchFamily="18" charset="0"/>
+                            </a:rPr>
+                          </m:ctrlPr>
+                        </m:fPr>
+                        <m:num>
+                          <m:nary>
+                            <m:naryPr>
+                              <m:chr m:val="∑"/>
+                              <m:limLoc m:val="subSup"/>
+                              <m:ctrlPr>
+                                <a:rPr lang="en-US" sz="2400" i="1">
+                                  <a:latin typeface="Cambria Math" panose="02040503050406030204" pitchFamily="18" charset="0"/>
+                                </a:rPr>
+                              </m:ctrlPr>
+                            </m:naryPr>
+                            <m:sub>
+                              <m:r>
+                                <m:rPr>
+                                  <m:brk m:alnAt="25"/>
+                                </m:rPr>
+                                <a:rPr lang="en-US" sz="2400" i="1">
+                                  <a:latin typeface="Cambria Math"/>
+                                </a:rPr>
+                                <m:t>1</m:t>
+                              </m:r>
+                            </m:sub>
+                            <m:sup>
+                              <m:r>
+                                <a:rPr lang="en-US" sz="2400" i="1">
+                                  <a:latin typeface="Cambria Math"/>
+                                </a:rPr>
+                                <m:t>𝑖</m:t>
+                              </m:r>
+                            </m:sup>
+                            <m:e>
+                              <m:sSub>
+                                <m:sSubPr>
+                                  <m:ctrlPr>
+                                    <a:rPr lang="en-US" sz="2400" i="1">
+                                      <a:latin typeface="Cambria Math" panose="02040503050406030204" pitchFamily="18" charset="0"/>
+                                    </a:rPr>
+                                  </m:ctrlPr>
+                                </m:sSubPr>
+                                <m:e>
+                                  <m:r>
+                                    <m:rPr>
+                                      <m:sty m:val="p"/>
+                                    </m:rPr>
+                                    <a:rPr lang="en-US" sz="2400">
+                                      <a:latin typeface="Cambria Math"/>
+                                    </a:rPr>
+                                    <m:t>A</m:t>
+                                  </m:r>
+                                </m:e>
+                                <m:sub>
+                                  <m:r>
+                                    <a:rPr lang="en-US" sz="2400" i="1">
+                                      <a:latin typeface="Cambria Math"/>
+                                    </a:rPr>
+                                    <m:t>𝑖</m:t>
+                                  </m:r>
+                                </m:sub>
+                              </m:sSub>
+                              <m:acc>
+                                <m:accPr>
+                                  <m:chr m:val="̅"/>
+                                  <m:ctrlPr>
+                                    <a:rPr lang="en-US" sz="2400" i="1" smtClean="0">
+                                      <a:latin typeface="Cambria Math" panose="02040503050406030204" pitchFamily="18" charset="0"/>
+                                    </a:rPr>
+                                  </m:ctrlPr>
+                                </m:accPr>
+                                <m:e>
+                                  <m:sSub>
+                                    <m:sSubPr>
+                                      <m:ctrlPr>
+                                        <a:rPr lang="en-US" sz="2400" i="1">
+                                          <a:latin typeface="Cambria Math" panose="02040503050406030204" pitchFamily="18" charset="0"/>
+                                        </a:rPr>
+                                      </m:ctrlPr>
+                                    </m:sSubPr>
+                                    <m:e>
+                                      <m:r>
+                                        <a:rPr lang="en-US" sz="2400" i="1">
+                                          <a:latin typeface="Cambria Math"/>
+                                        </a:rPr>
+                                        <m:t>𝑥</m:t>
+                                      </m:r>
+                                    </m:e>
+                                    <m:sub>
+                                      <m:r>
+                                        <a:rPr lang="en-US" sz="2400" i="1">
+                                          <a:latin typeface="Cambria Math"/>
+                                        </a:rPr>
+                                        <m:t>𝑖</m:t>
+                                      </m:r>
+                                    </m:sub>
+                                  </m:sSub>
+                                </m:e>
+                              </m:acc>
+                            </m:e>
+                          </m:nary>
+                        </m:num>
+                        <m:den>
+                          <m:nary>
+                            <m:naryPr>
+                              <m:chr m:val="∑"/>
+                              <m:limLoc m:val="subSup"/>
+                              <m:ctrlPr>
+                                <a:rPr lang="en-US" sz="2400" i="1">
+                                  <a:latin typeface="Cambria Math" panose="02040503050406030204" pitchFamily="18" charset="0"/>
+                                </a:rPr>
+                              </m:ctrlPr>
+                            </m:naryPr>
+                            <m:sub>
+                              <m:r>
+                                <m:rPr>
+                                  <m:brk m:alnAt="25"/>
+                                </m:rPr>
+                                <a:rPr lang="en-US" sz="2400" i="1">
+                                  <a:latin typeface="Cambria Math"/>
+                                </a:rPr>
+                                <m:t>1</m:t>
+                              </m:r>
+                            </m:sub>
+                            <m:sup>
+                              <m:r>
+                                <a:rPr lang="en-US" sz="2400" i="1">
+                                  <a:latin typeface="Cambria Math"/>
+                                </a:rPr>
+                                <m:t>𝑖</m:t>
+                              </m:r>
+                            </m:sup>
+                            <m:e>
+                              <m:sSub>
+                                <m:sSubPr>
+                                  <m:ctrlPr>
+                                    <a:rPr lang="en-US" sz="2400" i="1">
+                                      <a:latin typeface="Cambria Math" panose="02040503050406030204" pitchFamily="18" charset="0"/>
+                                    </a:rPr>
+                                  </m:ctrlPr>
+                                </m:sSubPr>
+                                <m:e>
+                                  <m:r>
+                                    <m:rPr>
+                                      <m:sty m:val="p"/>
+                                    </m:rPr>
+                                    <a:rPr lang="en-US" sz="2400">
+                                      <a:latin typeface="Cambria Math"/>
+                                    </a:rPr>
+                                    <m:t>A</m:t>
+                                  </m:r>
+                                </m:e>
+                                <m:sub>
+                                  <m:r>
+                                    <a:rPr lang="en-US" sz="2400" i="1">
+                                      <a:latin typeface="Cambria Math"/>
+                                    </a:rPr>
+                                    <m:t>𝑖</m:t>
+                                  </m:r>
+                                </m:sub>
+                              </m:sSub>
+                            </m:e>
+                          </m:nary>
+                        </m:den>
+                      </m:f>
+                    </m:oMath>
+                  </m:oMathPara>
+                </a14:m>
+                <a:endParaRPr lang="en-US" sz="2400" dirty="0"/>
+              </a:p>
+            </p:txBody>
+          </p:sp>
+        </mc:Choice>
+        <mc:Fallback xmlns="">
+          <p:sp>
+            <p:nvSpPr>
+              <p:cNvPr id="11" name="Rectangle 10"/>
+              <p:cNvSpPr>
+                <a:spLocks noRot="1" noChangeAspect="1" noMove="1" noResize="1" noEditPoints="1" noAdjustHandles="1" noChangeArrowheads="1" noChangeShapeType="1" noTextEdit="1"/>
+              </p:cNvSpPr>
+              <p:nvPr/>
+            </p:nvSpPr>
+            <p:spPr>
+              <a:xfrm>
+                <a:off x="2048601" y="2776550"/>
+                <a:ext cx="1781578" cy="971548"/>
+              </a:xfrm>
+              <a:prstGeom prst="rect">
+                <a:avLst/>
+              </a:prstGeom>
+              <a:blipFill rotWithShape="1">
+                <a:blip r:embed="rId3"/>
+                <a:stretch>
+                  <a:fillRect/>
+                </a:stretch>
+              </a:blipFill>
+            </p:spPr>
+            <p:txBody>
+              <a:bodyPr/>
+              <a:lstStyle/>
+              <a:p>
+                <a:r>
+                  <a:rPr lang="en-US">
+                    <a:noFill/>
+                  </a:rPr>
+                  <a:t> </a:t>
+                </a:r>
+              </a:p>
+            </p:txBody>
+          </p:sp>
+        </mc:Fallback>
+      </mc:AlternateContent>
+      <p:sp>
+        <p:nvSpPr>
+          <p:cNvPr id="16" name="Rectangle 15"/>
+          <p:cNvSpPr/>
+          <p:nvPr/>
+        </p:nvSpPr>
+        <p:spPr>
+          <a:xfrm>
+            <a:off x="1589314" y="4354286"/>
+            <a:ext cx="1828800" cy="1828800"/>
+          </a:xfrm>
+          <a:prstGeom prst="rect">
+            <a:avLst/>
+          </a:prstGeom>
+          <a:ln>
+            <a:solidFill>
+              <a:schemeClr val="accent1"/>
+            </a:solidFill>
+          </a:ln>
+        </p:spPr>
+        <p:style>
+          <a:lnRef idx="2">
+            <a:schemeClr val="accent1">
+              <a:shade val="50000"/>
+            </a:schemeClr>
+          </a:lnRef>
+          <a:fillRef idx="1">
+            <a:schemeClr val="accent1"/>
+          </a:fillRef>
+          <a:effectRef idx="0">
+            <a:schemeClr val="accent1"/>
+          </a:effectRef>
+          <a:fontRef idx="minor">
+            <a:schemeClr val="lt1"/>
+          </a:fontRef>
+        </p:style>
+        <p:txBody>
+          <a:bodyPr rtlCol="0" anchor="ctr"/>
+          <a:lstStyle/>
+          <a:p>
+            <a:pPr algn="ctr"/>
+            <a:endParaRPr lang="en-US" dirty="0"/>
+          </a:p>
+        </p:txBody>
+      </p:sp>
+      <p:sp>
+        <p:nvSpPr>
+          <p:cNvPr id="17" name="Oval 16"/>
+          <p:cNvSpPr/>
+          <p:nvPr/>
+        </p:nvSpPr>
+        <p:spPr>
+          <a:xfrm>
+            <a:off x="696688" y="4343400"/>
+            <a:ext cx="1828800" cy="1828800"/>
+          </a:xfrm>
+          <a:prstGeom prst="ellipse">
+            <a:avLst/>
+          </a:prstGeom>
+          <a:ln>
+            <a:solidFill>
+              <a:schemeClr val="accent1"/>
+            </a:solidFill>
+            <a:prstDash val="lgDash"/>
+          </a:ln>
+        </p:spPr>
+        <p:style>
+          <a:lnRef idx="2">
+            <a:schemeClr val="accent1">
+              <a:shade val="50000"/>
+            </a:schemeClr>
+          </a:lnRef>
+          <a:fillRef idx="1">
+            <a:schemeClr val="accent1"/>
+          </a:fillRef>
+          <a:effectRef idx="0">
+            <a:schemeClr val="accent1"/>
+          </a:effectRef>
+          <a:fontRef idx="minor">
+            <a:schemeClr val="lt1"/>
+          </a:fontRef>
+        </p:style>
+        <p:txBody>
+          <a:bodyPr rtlCol="0" anchor="ctr"/>
+          <a:lstStyle/>
+          <a:p>
+            <a:pPr algn="ctr"/>
+            <a:endParaRPr lang="en-US" dirty="0"/>
+          </a:p>
+        </p:txBody>
+      </p:sp>
+      <p:sp>
+        <p:nvSpPr>
+          <p:cNvPr id="18" name="Isosceles Triangle 17"/>
+          <p:cNvSpPr/>
+          <p:nvPr/>
+        </p:nvSpPr>
+        <p:spPr>
+          <a:xfrm>
+            <a:off x="2536372" y="5268686"/>
+            <a:ext cx="914400" cy="914400"/>
+          </a:xfrm>
+          <a:prstGeom prst="triangle">
+            <a:avLst>
+              <a:gd name="adj" fmla="val 100000"/>
+            </a:avLst>
+          </a:prstGeom>
+          <a:solidFill>
+            <a:schemeClr val="bg1"/>
+          </a:solidFill>
+          <a:ln>
+            <a:solidFill>
+              <a:schemeClr val="bg1"/>
+            </a:solidFill>
+          </a:ln>
+        </p:spPr>
+        <p:style>
+          <a:lnRef idx="2">
+            <a:schemeClr val="accent1">
+              <a:shade val="50000"/>
+            </a:schemeClr>
+          </a:lnRef>
+          <a:fillRef idx="1">
+            <a:schemeClr val="accent1"/>
+          </a:fillRef>
+          <a:effectRef idx="0">
+            <a:schemeClr val="accent1"/>
+          </a:effectRef>
+          <a:fontRef idx="minor">
+            <a:schemeClr val="lt1"/>
+          </a:fontRef>
+        </p:style>
+        <p:txBody>
+          <a:bodyPr rtlCol="0" anchor="ctr"/>
+          <a:lstStyle/>
+          <a:p>
+            <a:pPr algn="ctr"/>
+            <a:endParaRPr lang="en-US"/>
+          </a:p>
+        </p:txBody>
+      </p:sp>
+      <p:sp>
+        <p:nvSpPr>
+          <p:cNvPr id="19" name="Pie 18"/>
+          <p:cNvSpPr/>
+          <p:nvPr/>
+        </p:nvSpPr>
+        <p:spPr>
+          <a:xfrm>
+            <a:off x="685800" y="4343398"/>
+            <a:ext cx="1828800" cy="1828800"/>
+          </a:xfrm>
+          <a:prstGeom prst="pie">
+            <a:avLst>
+              <a:gd name="adj1" fmla="val 5403171"/>
+              <a:gd name="adj2" fmla="val 16200000"/>
+            </a:avLst>
+          </a:prstGeom>
+          <a:noFill/>
+          <a:ln w="28575">
+            <a:solidFill>
+              <a:schemeClr val="tx1"/>
+            </a:solidFill>
+            <a:prstDash val="dash"/>
+          </a:ln>
+        </p:spPr>
+        <p:style>
+          <a:lnRef idx="2">
+            <a:schemeClr val="accent1">
+              <a:shade val="50000"/>
+            </a:schemeClr>
+          </a:lnRef>
+          <a:fillRef idx="1">
+            <a:schemeClr val="accent1"/>
+          </a:fillRef>
+          <a:effectRef idx="0">
+            <a:schemeClr val="accent1"/>
+          </a:effectRef>
+          <a:fontRef idx="minor">
+            <a:schemeClr val="lt1"/>
+          </a:fontRef>
+        </p:style>
+        <p:txBody>
+          <a:bodyPr rtlCol="0" anchor="ctr"/>
+          <a:lstStyle/>
+          <a:p>
+            <a:pPr algn="ctr"/>
+            <a:endParaRPr lang="en-US" b="1" dirty="0">
+              <a:solidFill>
+                <a:schemeClr val="tx1"/>
+              </a:solidFill>
+            </a:endParaRPr>
+          </a:p>
+          <a:p>
+            <a:pPr algn="ctr"/>
+            <a:endParaRPr lang="en-US" b="1" dirty="0">
+              <a:solidFill>
+                <a:schemeClr val="tx1"/>
+              </a:solidFill>
+            </a:endParaRPr>
+          </a:p>
+          <a:p>
+            <a:pPr algn="ctr"/>
+            <a:r>
+              <a:rPr lang="en-US" b="1" dirty="0">
+                <a:solidFill>
+                  <a:schemeClr val="tx1"/>
+                </a:solidFill>
+              </a:rPr>
+              <a:t>1</a:t>
+            </a:r>
+            <a:r>
+              <a:rPr lang="en-US" dirty="0">
+                <a:solidFill>
+                  <a:schemeClr val="tx1"/>
+                </a:solidFill>
+              </a:rPr>
+              <a:t>               </a:t>
+            </a:r>
+            <a:r>
+              <a:rPr lang="en-US" dirty="0">
+                <a:solidFill>
+                  <a:schemeClr val="accent1"/>
+                </a:solidFill>
+              </a:rPr>
+              <a:t>.</a:t>
+            </a:r>
+          </a:p>
+        </p:txBody>
+      </p:sp>
+      <p:sp>
+        <p:nvSpPr>
+          <p:cNvPr id="20" name="Rectangle 19"/>
+          <p:cNvSpPr/>
+          <p:nvPr/>
+        </p:nvSpPr>
+        <p:spPr>
+          <a:xfrm>
+            <a:off x="1600202" y="4343400"/>
+            <a:ext cx="1828800" cy="1828800"/>
+          </a:xfrm>
+          <a:prstGeom prst="rect">
+            <a:avLst/>
+          </a:prstGeom>
+          <a:noFill/>
+          <a:ln w="28575">
+            <a:solidFill>
+              <a:schemeClr val="tx1"/>
+            </a:solidFill>
+            <a:prstDash val="dash"/>
+          </a:ln>
+        </p:spPr>
+        <p:style>
+          <a:lnRef idx="2">
+            <a:schemeClr val="accent1">
+              <a:shade val="50000"/>
+            </a:schemeClr>
+          </a:lnRef>
+          <a:fillRef idx="1">
+            <a:schemeClr val="accent1"/>
+          </a:fillRef>
+          <a:effectRef idx="0">
+            <a:schemeClr val="accent1"/>
+          </a:effectRef>
+          <a:fontRef idx="minor">
+            <a:schemeClr val="lt1"/>
+          </a:fontRef>
+        </p:style>
+        <p:txBody>
+          <a:bodyPr rtlCol="0" anchor="ctr"/>
+          <a:lstStyle/>
+          <a:p>
+            <a:pPr algn="ctr"/>
+            <a:r>
+              <a:rPr lang="en-US" b="1" dirty="0">
+                <a:solidFill>
+                  <a:schemeClr val="tx1"/>
+                </a:solidFill>
+              </a:rPr>
+              <a:t>2</a:t>
+            </a:r>
+          </a:p>
+        </p:txBody>
+      </p:sp>
+      <p:sp>
+        <p:nvSpPr>
+          <p:cNvPr id="21" name="Isosceles Triangle 20"/>
+          <p:cNvSpPr/>
+          <p:nvPr/>
+        </p:nvSpPr>
+        <p:spPr>
+          <a:xfrm>
+            <a:off x="2514598" y="5257802"/>
+            <a:ext cx="914400" cy="914400"/>
+          </a:xfrm>
+          <a:prstGeom prst="triangle">
+            <a:avLst>
+              <a:gd name="adj" fmla="val 100000"/>
+            </a:avLst>
+          </a:prstGeom>
+          <a:solidFill>
+            <a:schemeClr val="bg1"/>
+          </a:solidFill>
+          <a:ln w="28575">
+            <a:solidFill>
+              <a:schemeClr val="tx1"/>
+            </a:solidFill>
+            <a:prstDash val="dash"/>
+          </a:ln>
+        </p:spPr>
+        <p:style>
+          <a:lnRef idx="2">
+            <a:schemeClr val="accent1">
+              <a:shade val="50000"/>
+            </a:schemeClr>
+          </a:lnRef>
+          <a:fillRef idx="1">
+            <a:schemeClr val="accent1"/>
+          </a:fillRef>
+          <a:effectRef idx="0">
+            <a:schemeClr val="accent1"/>
+          </a:effectRef>
+          <a:fontRef idx="minor">
+            <a:schemeClr val="lt1"/>
+          </a:fontRef>
+        </p:style>
+        <p:txBody>
+          <a:bodyPr rtlCol="0" anchor="ctr"/>
+          <a:lstStyle/>
+          <a:p>
+            <a:pPr algn="ctr"/>
+            <a:r>
+              <a:rPr lang="en-US" b="1" dirty="0">
+                <a:solidFill>
+                  <a:schemeClr val="tx1"/>
+                </a:solidFill>
+              </a:rPr>
+              <a:t>3</a:t>
+            </a:r>
+          </a:p>
+        </p:txBody>
+      </p:sp>
+      <p:cxnSp>
+        <p:nvCxnSpPr>
+          <p:cNvPr id="26" name="Straight Arrow Connector 25"/>
+          <p:cNvCxnSpPr/>
+          <p:nvPr/>
+        </p:nvCxnSpPr>
+        <p:spPr>
+          <a:xfrm>
+            <a:off x="691792" y="5287048"/>
+            <a:ext cx="609600" cy="5834"/>
+          </a:xfrm>
+          <a:prstGeom prst="straightConnector1">
+            <a:avLst/>
+          </a:prstGeom>
+          <a:ln>
+            <a:tailEnd type="arrow"/>
+          </a:ln>
+        </p:spPr>
+        <p:style>
+          <a:lnRef idx="2">
+            <a:schemeClr val="dk1"/>
+          </a:lnRef>
+          <a:fillRef idx="0">
+            <a:schemeClr val="dk1"/>
+          </a:fillRef>
+          <a:effectRef idx="1">
+            <a:schemeClr val="dk1"/>
+          </a:effectRef>
+          <a:fontRef idx="minor">
+            <a:schemeClr val="tx1"/>
+          </a:fontRef>
+        </p:style>
+      </p:cxnSp>
+      <p:cxnSp>
+        <p:nvCxnSpPr>
+          <p:cNvPr id="27" name="Straight Arrow Connector 26"/>
+          <p:cNvCxnSpPr/>
+          <p:nvPr/>
+        </p:nvCxnSpPr>
+        <p:spPr>
+          <a:xfrm flipV="1">
+            <a:off x="691792" y="4598246"/>
+            <a:ext cx="0" cy="672669"/>
+          </a:xfrm>
+          <a:prstGeom prst="straightConnector1">
+            <a:avLst/>
+          </a:prstGeom>
+          <a:ln>
+            <a:tailEnd type="arrow"/>
+          </a:ln>
+        </p:spPr>
+        <p:style>
+          <a:lnRef idx="2">
+            <a:schemeClr val="dk1"/>
+          </a:lnRef>
+          <a:fillRef idx="0">
+            <a:schemeClr val="dk1"/>
+          </a:fillRef>
+          <a:effectRef idx="1">
+            <a:schemeClr val="dk1"/>
+          </a:effectRef>
+          <a:fontRef idx="minor">
+            <a:schemeClr val="tx1"/>
+          </a:fontRef>
+        </p:style>
+      </p:cxnSp>
+      <p:sp>
+        <p:nvSpPr>
+          <p:cNvPr id="28" name="TextBox 27"/>
+          <p:cNvSpPr txBox="1"/>
+          <p:nvPr/>
+        </p:nvSpPr>
+        <p:spPr>
+          <a:xfrm>
+            <a:off x="1295400" y="5105299"/>
+            <a:ext cx="338554" cy="369332"/>
+          </a:xfrm>
+          <a:prstGeom prst="rect">
+            <a:avLst/>
+          </a:prstGeom>
+          <a:noFill/>
+        </p:spPr>
+        <p:txBody>
+          <a:bodyPr wrap="none" rtlCol="0">
+            <a:spAutoFit/>
+          </a:bodyPr>
+          <a:lstStyle/>
+          <a:p>
+            <a:r>
+              <a:rPr lang="en-US" b="1" dirty="0"/>
+              <a:t>X</a:t>
+            </a:r>
+            <a:endParaRPr lang="en-US" dirty="0"/>
+          </a:p>
+        </p:txBody>
+      </p:sp>
+      <p:sp>
+        <p:nvSpPr>
+          <p:cNvPr id="29" name="TextBox 28"/>
+          <p:cNvSpPr txBox="1"/>
+          <p:nvPr/>
+        </p:nvSpPr>
+        <p:spPr>
+          <a:xfrm>
+            <a:off x="183961" y="4551301"/>
+            <a:ext cx="338554" cy="369332"/>
+          </a:xfrm>
+          <a:prstGeom prst="rect">
+            <a:avLst/>
+          </a:prstGeom>
+          <a:noFill/>
+        </p:spPr>
+        <p:txBody>
+          <a:bodyPr wrap="none" rtlCol="0">
+            <a:spAutoFit/>
+          </a:bodyPr>
+          <a:lstStyle/>
+          <a:p>
+            <a:r>
+              <a:rPr lang="en-US" b="1" dirty="0"/>
+              <a:t>Y</a:t>
+            </a:r>
+            <a:endParaRPr lang="en-US" dirty="0"/>
+          </a:p>
+        </p:txBody>
+      </p:sp>
+      <mc:AlternateContent xmlns:mc="http://schemas.openxmlformats.org/markup-compatibility/2006" xmlns:a14="http://schemas.microsoft.com/office/drawing/2010/main">
+        <mc:Choice Requires="a14">
+          <p:graphicFrame>
+            <p:nvGraphicFramePr>
+              <p:cNvPr id="31" name="Table 30"/>
+              <p:cNvGraphicFramePr>
+                <a:graphicFrameLocks noGrp="1"/>
+              </p:cNvGraphicFramePr>
+              <p:nvPr/>
+            </p:nvGraphicFramePr>
+            <p:xfrm>
+              <a:off x="4495800" y="3942806"/>
+              <a:ext cx="4201888" cy="2651760"/>
+            </p:xfrm>
+            <a:graphic>
+              <a:graphicData uri="http://schemas.openxmlformats.org/drawingml/2006/table">
+                <a:tbl>
+                  <a:tblPr firstRow="1" bandRow="1">
+                    <a:tableStyleId>{5C22544A-7EE6-4342-B048-85BDC9FD1C3A}</a:tableStyleId>
+                  </a:tblPr>
+                  <a:tblGrid>
+                    <a:gridCol w="1050472">
+                      <a:extLst>
+                        <a:ext uri="{9D8B030D-6E8A-4147-A177-3AD203B41FA5}">
+                          <a16:colId xmlns:a16="http://schemas.microsoft.com/office/drawing/2014/main" val="20000"/>
+                        </a:ext>
+                      </a:extLst>
+                    </a:gridCol>
+                    <a:gridCol w="1050472">
+                      <a:extLst>
+                        <a:ext uri="{9D8B030D-6E8A-4147-A177-3AD203B41FA5}">
+                          <a16:colId xmlns:a16="http://schemas.microsoft.com/office/drawing/2014/main" val="20001"/>
+                        </a:ext>
+                      </a:extLst>
+                    </a:gridCol>
+                    <a:gridCol w="1050472">
+                      <a:extLst>
+                        <a:ext uri="{9D8B030D-6E8A-4147-A177-3AD203B41FA5}">
+                          <a16:colId xmlns:a16="http://schemas.microsoft.com/office/drawing/2014/main" val="20002"/>
+                        </a:ext>
+                      </a:extLst>
+                    </a:gridCol>
+                    <a:gridCol w="1050472">
+                      <a:extLst>
+                        <a:ext uri="{9D8B030D-6E8A-4147-A177-3AD203B41FA5}">
+                          <a16:colId xmlns:a16="http://schemas.microsoft.com/office/drawing/2014/main" val="20003"/>
+                        </a:ext>
+                      </a:extLst>
+                    </a:gridCol>
+                  </a:tblGrid>
+                  <a:tr h="662940">
+                    <a:tc>
+                      <a:txBody>
+                        <a:bodyPr/>
+                        <a:lstStyle/>
+                        <a:p>
+                          <a:pPr algn="ctr"/>
+                          <a:r>
+                            <a:rPr lang="en-US" sz="2000" dirty="0"/>
+                            <a:t>Shape</a:t>
+                          </a:r>
+                        </a:p>
+                      </a:txBody>
+                      <a:tcPr anchor="ctr"/>
+                    </a:tc>
+                    <a:tc>
+                      <a:txBody>
+                        <a:bodyPr/>
+                        <a:lstStyle/>
+                        <a:p>
+                          <a:pPr algn="ctr"/>
+                          <a:r>
+                            <a:rPr lang="en-US" sz="2000" dirty="0"/>
+                            <a:t>Area</a:t>
+                          </a:r>
+                        </a:p>
+                      </a:txBody>
+                      <a:tcPr anchor="ctr"/>
+                    </a:tc>
+                    <a:tc>
+                      <a:txBody>
+                        <a:bodyPr/>
+                        <a:lstStyle/>
+                        <a:p>
+                          <a:pPr algn="ctr"/>
+                          <a14:m>
+                            <m:oMathPara xmlns:m="http://schemas.openxmlformats.org/officeDocument/2006/math">
+                              <m:oMathParaPr>
+                                <m:jc m:val="centerGroup"/>
+                              </m:oMathParaPr>
+                              <m:oMath xmlns:m="http://schemas.openxmlformats.org/officeDocument/2006/math">
+                                <m:acc>
+                                  <m:accPr>
+                                    <m:chr m:val="̅"/>
+                                    <m:ctrlPr>
+                                      <a:rPr lang="en-US" sz="2800" b="0" i="1" dirty="0" smtClean="0">
+                                        <a:latin typeface="Cambria Math" panose="02040503050406030204" pitchFamily="18" charset="0"/>
+                                      </a:rPr>
+                                    </m:ctrlPr>
+                                  </m:accPr>
+                                  <m:e>
+                                    <m:r>
+                                      <m:rPr>
+                                        <m:sty m:val="p"/>
+                                      </m:rPr>
+                                      <a:rPr lang="en-US" sz="2800" b="0" i="0" dirty="0" smtClean="0">
+                                        <a:latin typeface="Cambria Math"/>
+                                      </a:rPr>
+                                      <m:t>X</m:t>
+                                    </m:r>
+                                  </m:e>
+                                </m:acc>
+                              </m:oMath>
+                            </m:oMathPara>
+                          </a14:m>
+                          <a:endParaRPr lang="en-US" b="0" dirty="0"/>
+                        </a:p>
+                      </a:txBody>
+                      <a:tcPr anchor="ctr"/>
+                    </a:tc>
+                    <a:tc>
+                      <a:txBody>
+                        <a:bodyPr/>
+                        <a:lstStyle/>
+                        <a:p>
+                          <a:pPr algn="ctr"/>
+                          <a14:m>
+                            <m:oMathPara xmlns:m="http://schemas.openxmlformats.org/officeDocument/2006/math">
+                              <m:oMathParaPr>
+                                <m:jc m:val="centerGroup"/>
+                              </m:oMathParaPr>
+                              <m:oMath xmlns:m="http://schemas.openxmlformats.org/officeDocument/2006/math">
+                                <m:acc>
+                                  <m:accPr>
+                                    <m:chr m:val="̅"/>
+                                    <m:ctrlPr>
+                                      <a:rPr lang="en-US" sz="2800" b="0" i="1" smtClean="0">
+                                        <a:latin typeface="Cambria Math" panose="02040503050406030204" pitchFamily="18" charset="0"/>
+                                      </a:rPr>
+                                    </m:ctrlPr>
+                                  </m:accPr>
+                                  <m:e>
+                                    <m:r>
+                                      <m:rPr>
+                                        <m:sty m:val="p"/>
+                                      </m:rPr>
+                                      <a:rPr lang="en-US" sz="2800" b="0" i="0" smtClean="0">
+                                        <a:latin typeface="Cambria Math"/>
+                                      </a:rPr>
+                                      <m:t>Y</m:t>
+                                    </m:r>
+                                  </m:e>
+                                </m:acc>
+                              </m:oMath>
+                            </m:oMathPara>
+                          </a14:m>
+                          <a:endParaRPr lang="en-US" b="0" i="0" dirty="0"/>
+                        </a:p>
+                      </a:txBody>
+                      <a:tcPr anchor="ctr"/>
+                    </a:tc>
+                    <a:extLst>
+                      <a:ext uri="{0D108BD9-81ED-4DB2-BD59-A6C34878D82A}">
+                        <a16:rowId xmlns:a16="http://schemas.microsoft.com/office/drawing/2014/main" val="10000"/>
+                      </a:ext>
+                    </a:extLst>
+                  </a:tr>
+                  <a:tr h="662940">
+                    <a:tc>
+                      <a:txBody>
+                        <a:bodyPr/>
+                        <a:lstStyle/>
+                        <a:p>
+                          <a:pPr algn="ctr"/>
+                          <a:r>
+                            <a:rPr lang="en-US" dirty="0"/>
+                            <a:t>1</a:t>
+                          </a:r>
+                        </a:p>
+                      </a:txBody>
+                      <a:tcPr anchor="ctr"/>
+                    </a:tc>
+                    <a:tc>
+                      <a:txBody>
+                        <a:bodyPr/>
+                        <a:lstStyle/>
+                        <a:p>
+                          <a:pPr algn="ctr"/>
+                          <a:endParaRPr lang="en-US" dirty="0"/>
+                        </a:p>
+                      </a:txBody>
+                      <a:tcPr anchor="ctr"/>
+                    </a:tc>
+                    <a:tc>
+                      <a:txBody>
+                        <a:bodyPr/>
+                        <a:lstStyle/>
+                        <a:p>
+                          <a:pPr algn="ctr"/>
+                          <a:endParaRPr lang="en-US"/>
+                        </a:p>
+                      </a:txBody>
+                      <a:tcPr anchor="ctr"/>
+                    </a:tc>
+                    <a:tc>
+                      <a:txBody>
+                        <a:bodyPr/>
+                        <a:lstStyle/>
+                        <a:p>
+                          <a:pPr algn="ctr"/>
+                          <a:endParaRPr lang="en-US"/>
+                        </a:p>
+                      </a:txBody>
+                      <a:tcPr anchor="ctr"/>
+                    </a:tc>
+                    <a:extLst>
+                      <a:ext uri="{0D108BD9-81ED-4DB2-BD59-A6C34878D82A}">
+                        <a16:rowId xmlns:a16="http://schemas.microsoft.com/office/drawing/2014/main" val="10001"/>
+                      </a:ext>
+                    </a:extLst>
+                  </a:tr>
+                  <a:tr h="662940">
+                    <a:tc>
+                      <a:txBody>
+                        <a:bodyPr/>
+                        <a:lstStyle/>
+                        <a:p>
+                          <a:pPr algn="ctr"/>
+                          <a:r>
+                            <a:rPr lang="en-US" dirty="0"/>
+                            <a:t>2</a:t>
+                          </a:r>
+                        </a:p>
+                      </a:txBody>
+                      <a:tcPr anchor="ctr"/>
+                    </a:tc>
+                    <a:tc>
+                      <a:txBody>
+                        <a:bodyPr/>
+                        <a:lstStyle/>
+                        <a:p>
+                          <a:pPr algn="ctr"/>
+                          <a:endParaRPr lang="en-US" dirty="0"/>
+                        </a:p>
+                      </a:txBody>
+                      <a:tcPr anchor="ctr"/>
+                    </a:tc>
+                    <a:tc>
+                      <a:txBody>
+                        <a:bodyPr/>
+                        <a:lstStyle/>
+                        <a:p>
+                          <a:pPr algn="ctr"/>
+                          <a:endParaRPr lang="en-US" dirty="0"/>
+                        </a:p>
+                      </a:txBody>
+                      <a:tcPr anchor="ctr"/>
+                    </a:tc>
+                    <a:tc>
+                      <a:txBody>
+                        <a:bodyPr/>
+                        <a:lstStyle/>
+                        <a:p>
+                          <a:pPr algn="ctr"/>
+                          <a:endParaRPr lang="en-US"/>
+                        </a:p>
+                      </a:txBody>
+                      <a:tcPr anchor="ctr"/>
+                    </a:tc>
+                    <a:extLst>
+                      <a:ext uri="{0D108BD9-81ED-4DB2-BD59-A6C34878D82A}">
+                        <a16:rowId xmlns:a16="http://schemas.microsoft.com/office/drawing/2014/main" val="10002"/>
+                      </a:ext>
+                    </a:extLst>
+                  </a:tr>
+                  <a:tr h="662940">
+                    <a:tc>
+                      <a:txBody>
+                        <a:bodyPr/>
+                        <a:lstStyle/>
+                        <a:p>
+                          <a:pPr algn="ctr"/>
+                          <a:r>
+                            <a:rPr lang="en-US" dirty="0"/>
+                            <a:t>3</a:t>
+                          </a:r>
+                        </a:p>
+                      </a:txBody>
+                      <a:tcPr anchor="ctr"/>
+                    </a:tc>
+                    <a:tc>
+                      <a:txBody>
+                        <a:bodyPr/>
+                        <a:lstStyle/>
+                        <a:p>
+                          <a:pPr algn="ctr"/>
+                          <a:endParaRPr lang="en-US"/>
+                        </a:p>
+                      </a:txBody>
+                      <a:tcPr anchor="ctr"/>
+                    </a:tc>
+                    <a:tc>
+                      <a:txBody>
+                        <a:bodyPr/>
+                        <a:lstStyle/>
+                        <a:p>
+                          <a:pPr algn="ctr"/>
+                          <a:endParaRPr lang="en-US" dirty="0"/>
+                        </a:p>
+                      </a:txBody>
+                      <a:tcPr anchor="ctr"/>
+                    </a:tc>
+                    <a:tc>
+                      <a:txBody>
+                        <a:bodyPr/>
+                        <a:lstStyle/>
+                        <a:p>
+                          <a:pPr algn="ctr"/>
+                          <a:endParaRPr lang="en-US" dirty="0"/>
+                        </a:p>
+                      </a:txBody>
+                      <a:tcPr anchor="ctr"/>
+                    </a:tc>
+                    <a:extLst>
+                      <a:ext uri="{0D108BD9-81ED-4DB2-BD59-A6C34878D82A}">
+                        <a16:rowId xmlns:a16="http://schemas.microsoft.com/office/drawing/2014/main" val="10003"/>
+                      </a:ext>
+                    </a:extLst>
+                  </a:tr>
+                </a:tbl>
+              </a:graphicData>
+            </a:graphic>
+          </p:graphicFrame>
+        </mc:Choice>
+        <mc:Fallback xmlns="">
+          <p:graphicFrame>
+            <p:nvGraphicFramePr>
+              <p:cNvPr id="31" name="Table 30"/>
+              <p:cNvGraphicFramePr>
+                <a:graphicFrameLocks noGrp="1"/>
+              </p:cNvGraphicFramePr>
+              <p:nvPr>
+                <p:extLst>
+                  <p:ext uri="{D42A27DB-BD31-4B8C-83A1-F6EECF244321}">
+                    <p14:modId xmlns:p14="http://schemas.microsoft.com/office/powerpoint/2010/main" val="1107851495"/>
+                  </p:ext>
+                </p:extLst>
+              </p:nvPr>
+            </p:nvGraphicFramePr>
+            <p:xfrm>
+              <a:off x="4495800" y="3942806"/>
+              <a:ext cx="4201888" cy="2651760"/>
+            </p:xfrm>
+            <a:graphic>
+              <a:graphicData uri="http://schemas.openxmlformats.org/drawingml/2006/table">
+                <a:tbl>
+                  <a:tblPr firstRow="1" bandRow="1">
+                    <a:tableStyleId>{5C22544A-7EE6-4342-B048-85BDC9FD1C3A}</a:tableStyleId>
+                  </a:tblPr>
+                  <a:tblGrid>
+                    <a:gridCol w="1050472"/>
+                    <a:gridCol w="1050472"/>
+                    <a:gridCol w="1050472"/>
+                    <a:gridCol w="1050472"/>
+                  </a:tblGrid>
+                  <a:tr h="662940">
+                    <a:tc>
+                      <a:txBody>
+                        <a:bodyPr/>
+                        <a:lstStyle/>
+                        <a:p>
+                          <a:pPr algn="ctr"/>
+                          <a:r>
+                            <a:rPr lang="en-US" sz="2000" dirty="0" smtClean="0"/>
+                            <a:t>Shape</a:t>
+                          </a:r>
+                          <a:endParaRPr lang="en-US" sz="2000" dirty="0"/>
+                        </a:p>
+                      </a:txBody>
+                      <a:tcPr anchor="ctr"/>
+                    </a:tc>
+                    <a:tc>
+                      <a:txBody>
+                        <a:bodyPr/>
+                        <a:lstStyle/>
+                        <a:p>
+                          <a:pPr algn="ctr"/>
+                          <a:r>
+                            <a:rPr lang="en-US" sz="2000" dirty="0" smtClean="0"/>
+                            <a:t>Area</a:t>
+                          </a:r>
+                        </a:p>
+                      </a:txBody>
+                      <a:tcPr anchor="ctr"/>
+                    </a:tc>
+                    <a:tc>
+                      <a:txBody>
+                        <a:bodyPr/>
+                        <a:lstStyle/>
+                        <a:p>
+                          <a:endParaRPr lang="en-US"/>
+                        </a:p>
+                      </a:txBody>
+                      <a:tcPr anchor="ctr">
+                        <a:blipFill rotWithShape="1">
+                          <a:blip r:embed="rId4"/>
+                          <a:stretch>
+                            <a:fillRect l="-201163" t="-917" r="-100000" b="-299083"/>
+                          </a:stretch>
+                        </a:blipFill>
+                      </a:tcPr>
+                    </a:tc>
+                    <a:tc>
+                      <a:txBody>
+                        <a:bodyPr/>
+                        <a:lstStyle/>
+                        <a:p>
+                          <a:endParaRPr lang="en-US"/>
+                        </a:p>
+                      </a:txBody>
+                      <a:tcPr anchor="ctr">
+                        <a:blipFill rotWithShape="1">
+                          <a:blip r:embed="rId4"/>
+                          <a:stretch>
+                            <a:fillRect l="-301163" t="-917" b="-299083"/>
+                          </a:stretch>
+                        </a:blipFill>
+                      </a:tcPr>
+                    </a:tc>
+                  </a:tr>
+                  <a:tr h="662940">
+                    <a:tc>
+                      <a:txBody>
+                        <a:bodyPr/>
+                        <a:lstStyle/>
+                        <a:p>
+                          <a:pPr algn="ctr"/>
+                          <a:r>
+                            <a:rPr lang="en-US" dirty="0" smtClean="0"/>
+                            <a:t>1</a:t>
+                          </a:r>
+                          <a:endParaRPr lang="en-US" dirty="0"/>
+                        </a:p>
+                      </a:txBody>
+                      <a:tcPr anchor="ctr"/>
+                    </a:tc>
+                    <a:tc>
+                      <a:txBody>
+                        <a:bodyPr/>
+                        <a:lstStyle/>
+                        <a:p>
+                          <a:pPr algn="ctr"/>
+                          <a:endParaRPr lang="en-US" dirty="0"/>
+                        </a:p>
+                      </a:txBody>
+                      <a:tcPr anchor="ctr"/>
+                    </a:tc>
+                    <a:tc>
+                      <a:txBody>
+                        <a:bodyPr/>
+                        <a:lstStyle/>
+                        <a:p>
+                          <a:pPr algn="ctr"/>
+                          <a:endParaRPr lang="en-US"/>
+                        </a:p>
+                      </a:txBody>
+                      <a:tcPr anchor="ctr"/>
+                    </a:tc>
+                    <a:tc>
+                      <a:txBody>
+                        <a:bodyPr/>
+                        <a:lstStyle/>
+                        <a:p>
+                          <a:pPr algn="ctr"/>
+                          <a:endParaRPr lang="en-US"/>
+                        </a:p>
+                      </a:txBody>
+                      <a:tcPr anchor="ctr"/>
+                    </a:tc>
+                  </a:tr>
+                  <a:tr h="662940">
+                    <a:tc>
+                      <a:txBody>
+                        <a:bodyPr/>
+                        <a:lstStyle/>
+                        <a:p>
+                          <a:pPr algn="ctr"/>
+                          <a:r>
+                            <a:rPr lang="en-US" dirty="0" smtClean="0"/>
+                            <a:t>2</a:t>
+                          </a:r>
+                          <a:endParaRPr lang="en-US" dirty="0"/>
+                        </a:p>
+                      </a:txBody>
+                      <a:tcPr anchor="ctr"/>
+                    </a:tc>
+                    <a:tc>
+                      <a:txBody>
+                        <a:bodyPr/>
+                        <a:lstStyle/>
+                        <a:p>
+                          <a:pPr algn="ctr"/>
+                          <a:endParaRPr lang="en-US" dirty="0"/>
+                        </a:p>
+                      </a:txBody>
+                      <a:tcPr anchor="ctr"/>
+                    </a:tc>
+                    <a:tc>
+                      <a:txBody>
+                        <a:bodyPr/>
+                        <a:lstStyle/>
+                        <a:p>
+                          <a:pPr algn="ctr"/>
+                          <a:endParaRPr lang="en-US" dirty="0"/>
+                        </a:p>
+                      </a:txBody>
+                      <a:tcPr anchor="ctr"/>
+                    </a:tc>
+                    <a:tc>
+                      <a:txBody>
+                        <a:bodyPr/>
+                        <a:lstStyle/>
+                        <a:p>
+                          <a:pPr algn="ctr"/>
+                          <a:endParaRPr lang="en-US"/>
+                        </a:p>
+                      </a:txBody>
+                      <a:tcPr anchor="ctr"/>
+                    </a:tc>
+                  </a:tr>
+                  <a:tr h="662940">
+                    <a:tc>
+                      <a:txBody>
+                        <a:bodyPr/>
+                        <a:lstStyle/>
+                        <a:p>
+                          <a:pPr algn="ctr"/>
+                          <a:r>
+                            <a:rPr lang="en-US" dirty="0" smtClean="0"/>
+                            <a:t>3</a:t>
+                          </a:r>
+                          <a:endParaRPr lang="en-US" dirty="0"/>
+                        </a:p>
+                      </a:txBody>
+                      <a:tcPr anchor="ctr"/>
+                    </a:tc>
+                    <a:tc>
+                      <a:txBody>
+                        <a:bodyPr/>
+                        <a:lstStyle/>
+                        <a:p>
+                          <a:pPr algn="ctr"/>
+                          <a:endParaRPr lang="en-US"/>
+                        </a:p>
+                      </a:txBody>
+                      <a:tcPr anchor="ctr"/>
+                    </a:tc>
+                    <a:tc>
+                      <a:txBody>
+                        <a:bodyPr/>
+                        <a:lstStyle/>
+                        <a:p>
+                          <a:pPr algn="ctr"/>
+                          <a:endParaRPr lang="en-US" dirty="0"/>
+                        </a:p>
+                      </a:txBody>
+                      <a:tcPr anchor="ctr"/>
+                    </a:tc>
+                    <a:tc>
+                      <a:txBody>
+                        <a:bodyPr/>
+                        <a:lstStyle/>
+                        <a:p>
+                          <a:pPr algn="ctr"/>
+                          <a:endParaRPr lang="en-US" dirty="0"/>
+                        </a:p>
+                      </a:txBody>
+                      <a:tcPr anchor="ctr"/>
+                    </a:tc>
+                  </a:tr>
+                </a:tbl>
+              </a:graphicData>
+            </a:graphic>
+          </p:graphicFrame>
+        </mc:Fallback>
+      </mc:AlternateContent>
+      <mc:AlternateContent xmlns:mc="http://schemas.openxmlformats.org/markup-compatibility/2006" xmlns:a14="http://schemas.microsoft.com/office/drawing/2010/main">
+        <mc:Choice Requires="a14">
+          <p:sp>
+            <p:nvSpPr>
+              <p:cNvPr id="32" name="Rectangle 31"/>
+              <p:cNvSpPr/>
+              <p:nvPr/>
+            </p:nvSpPr>
+            <p:spPr>
+              <a:xfrm>
+                <a:off x="4876800" y="2775858"/>
+                <a:ext cx="1787990" cy="971548"/>
+              </a:xfrm>
+              <a:prstGeom prst="rect">
+                <a:avLst/>
+              </a:prstGeom>
+            </p:spPr>
+            <p:txBody>
+              <a:bodyPr wrap="none">
+                <a:spAutoFit/>
+              </a:bodyPr>
+              <a:lstStyle/>
+              <a:p>
+                <a:pPr/>
+                <a14:m>
+                  <m:oMathPara xmlns:m="http://schemas.openxmlformats.org/officeDocument/2006/math">
+                    <m:oMathParaPr>
+                      <m:jc m:val="centerGroup"/>
+                    </m:oMathParaPr>
+                    <m:oMath xmlns:m="http://schemas.openxmlformats.org/officeDocument/2006/math">
+                      <m:acc>
+                        <m:accPr>
+                          <m:chr m:val="̅"/>
+                          <m:ctrlPr>
+                            <a:rPr lang="en-US" sz="2400" i="1" smtClean="0">
+                              <a:latin typeface="Cambria Math" panose="02040503050406030204" pitchFamily="18" charset="0"/>
+                            </a:rPr>
+                          </m:ctrlPr>
+                        </m:accPr>
+                        <m:e>
+                          <m:r>
+                            <m:rPr>
+                              <m:sty m:val="p"/>
+                            </m:rPr>
+                            <a:rPr lang="en-US" sz="2400" b="0" i="0" smtClean="0">
+                              <a:latin typeface="Cambria Math"/>
+                            </a:rPr>
+                            <m:t>y</m:t>
+                          </m:r>
+                        </m:e>
+                      </m:acc>
+                      <m:r>
+                        <a:rPr lang="en-US" sz="2400" i="1">
+                          <a:latin typeface="Cambria Math"/>
+                        </a:rPr>
+                        <m:t>=</m:t>
+                      </m:r>
+                      <m:f>
+                        <m:fPr>
+                          <m:ctrlPr>
+                            <a:rPr lang="en-US" sz="2400" i="1">
+                              <a:latin typeface="Cambria Math" panose="02040503050406030204" pitchFamily="18" charset="0"/>
+                            </a:rPr>
+                          </m:ctrlPr>
+                        </m:fPr>
+                        <m:num>
+                          <m:nary>
+                            <m:naryPr>
+                              <m:chr m:val="∑"/>
+                              <m:limLoc m:val="subSup"/>
+                              <m:ctrlPr>
+                                <a:rPr lang="en-US" sz="2400" i="1">
+                                  <a:latin typeface="Cambria Math" panose="02040503050406030204" pitchFamily="18" charset="0"/>
+                                </a:rPr>
+                              </m:ctrlPr>
+                            </m:naryPr>
+                            <m:sub>
+                              <m:r>
+                                <m:rPr>
+                                  <m:brk m:alnAt="25"/>
+                                </m:rPr>
+                                <a:rPr lang="en-US" sz="2400" i="1">
+                                  <a:latin typeface="Cambria Math"/>
+                                </a:rPr>
+                                <m:t>1</m:t>
+                              </m:r>
+                            </m:sub>
+                            <m:sup>
+                              <m:r>
+                                <a:rPr lang="en-US" sz="2400" i="1">
+                                  <a:latin typeface="Cambria Math"/>
+                                </a:rPr>
+                                <m:t>𝑖</m:t>
+                              </m:r>
+                            </m:sup>
+                            <m:e>
+                              <m:sSub>
+                                <m:sSubPr>
+                                  <m:ctrlPr>
+                                    <a:rPr lang="en-US" sz="2400" i="1">
+                                      <a:latin typeface="Cambria Math" panose="02040503050406030204" pitchFamily="18" charset="0"/>
+                                    </a:rPr>
+                                  </m:ctrlPr>
+                                </m:sSubPr>
+                                <m:e>
+                                  <m:r>
+                                    <m:rPr>
+                                      <m:sty m:val="p"/>
+                                    </m:rPr>
+                                    <a:rPr lang="en-US" sz="2400">
+                                      <a:latin typeface="Cambria Math"/>
+                                    </a:rPr>
+                                    <m:t>A</m:t>
+                                  </m:r>
+                                </m:e>
+                                <m:sub>
+                                  <m:r>
+                                    <a:rPr lang="en-US" sz="2400" i="1">
+                                      <a:latin typeface="Cambria Math"/>
+                                    </a:rPr>
+                                    <m:t>𝑖</m:t>
+                                  </m:r>
+                                </m:sub>
+                              </m:sSub>
+                              <m:acc>
+                                <m:accPr>
+                                  <m:chr m:val="̅"/>
+                                  <m:ctrlPr>
+                                    <a:rPr lang="en-US" sz="2400" i="1" smtClean="0">
+                                      <a:latin typeface="Cambria Math" panose="02040503050406030204" pitchFamily="18" charset="0"/>
+                                    </a:rPr>
+                                  </m:ctrlPr>
+                                </m:accPr>
+                                <m:e>
+                                  <m:sSub>
+                                    <m:sSubPr>
+                                      <m:ctrlPr>
+                                        <a:rPr lang="en-US" sz="2400" i="1">
+                                          <a:latin typeface="Cambria Math" panose="02040503050406030204" pitchFamily="18" charset="0"/>
+                                        </a:rPr>
+                                      </m:ctrlPr>
+                                    </m:sSubPr>
+                                    <m:e>
+                                      <m:r>
+                                        <a:rPr lang="en-US" sz="2400" i="1">
+                                          <a:latin typeface="Cambria Math"/>
+                                        </a:rPr>
+                                        <m:t>𝑦</m:t>
+                                      </m:r>
+                                    </m:e>
+                                    <m:sub>
+                                      <m:r>
+                                        <a:rPr lang="en-US" sz="2400" i="1">
+                                          <a:latin typeface="Cambria Math"/>
+                                        </a:rPr>
+                                        <m:t>𝑖</m:t>
+                                      </m:r>
+                                    </m:sub>
+                                  </m:sSub>
+                                </m:e>
+                              </m:acc>
+                            </m:e>
+                          </m:nary>
+                        </m:num>
+                        <m:den>
+                          <m:nary>
+                            <m:naryPr>
+                              <m:chr m:val="∑"/>
+                              <m:limLoc m:val="subSup"/>
+                              <m:ctrlPr>
+                                <a:rPr lang="en-US" sz="2400" i="1">
+                                  <a:latin typeface="Cambria Math" panose="02040503050406030204" pitchFamily="18" charset="0"/>
+                                </a:rPr>
+                              </m:ctrlPr>
+                            </m:naryPr>
+                            <m:sub>
+                              <m:r>
+                                <m:rPr>
+                                  <m:brk m:alnAt="25"/>
+                                </m:rPr>
+                                <a:rPr lang="en-US" sz="2400" i="1">
+                                  <a:latin typeface="Cambria Math"/>
+                                </a:rPr>
+                                <m:t>1</m:t>
+                              </m:r>
+                            </m:sub>
+                            <m:sup>
+                              <m:r>
+                                <a:rPr lang="en-US" sz="2400" i="1">
+                                  <a:latin typeface="Cambria Math"/>
+                                </a:rPr>
+                                <m:t>𝑖</m:t>
+                              </m:r>
+                            </m:sup>
+                            <m:e>
+                              <m:sSub>
+                                <m:sSubPr>
+                                  <m:ctrlPr>
+                                    <a:rPr lang="en-US" sz="2400" i="1">
+                                      <a:latin typeface="Cambria Math" panose="02040503050406030204" pitchFamily="18" charset="0"/>
+                                    </a:rPr>
+                                  </m:ctrlPr>
+                                </m:sSubPr>
+                                <m:e>
+                                  <m:r>
+                                    <m:rPr>
+                                      <m:sty m:val="p"/>
+                                    </m:rPr>
+                                    <a:rPr lang="en-US" sz="2400">
+                                      <a:latin typeface="Cambria Math"/>
+                                    </a:rPr>
+                                    <m:t>A</m:t>
+                                  </m:r>
+                                </m:e>
+                                <m:sub>
+                                  <m:r>
+                                    <a:rPr lang="en-US" sz="2400" i="1">
+                                      <a:latin typeface="Cambria Math"/>
+                                    </a:rPr>
+                                    <m:t>𝑖</m:t>
+                                  </m:r>
+                                </m:sub>
+                              </m:sSub>
+                            </m:e>
+                          </m:nary>
+                        </m:den>
+                      </m:f>
+                    </m:oMath>
+                  </m:oMathPara>
+                </a14:m>
+                <a:endParaRPr lang="en-US" sz="2400" dirty="0"/>
+              </a:p>
+            </p:txBody>
+          </p:sp>
+        </mc:Choice>
+        <mc:Fallback xmlns="">
+          <p:sp>
+            <p:nvSpPr>
+              <p:cNvPr id="32" name="Rectangle 31"/>
+              <p:cNvSpPr>
+                <a:spLocks noRot="1" noChangeAspect="1" noMove="1" noResize="1" noEditPoints="1" noAdjustHandles="1" noChangeArrowheads="1" noChangeShapeType="1" noTextEdit="1"/>
+              </p:cNvSpPr>
+              <p:nvPr/>
+            </p:nvSpPr>
+            <p:spPr>
+              <a:xfrm>
+                <a:off x="4876800" y="2775858"/>
+                <a:ext cx="1787990" cy="971548"/>
+              </a:xfrm>
+              <a:prstGeom prst="rect">
+                <a:avLst/>
+              </a:prstGeom>
+              <a:blipFill rotWithShape="1">
+                <a:blip r:embed="rId5"/>
+                <a:stretch>
+                  <a:fillRect/>
+                </a:stretch>
+              </a:blipFill>
+            </p:spPr>
+            <p:txBody>
+              <a:bodyPr/>
+              <a:lstStyle/>
+              <a:p>
+                <a:r>
+                  <a:rPr lang="en-US">
+                    <a:noFill/>
+                  </a:rPr>
+                  <a:t> </a:t>
+                </a:r>
+              </a:p>
+            </p:txBody>
+          </p:sp>
+        </mc:Fallback>
+      </mc:AlternateContent>
+    </p:spTree>
+    <p:extLst>
+      <p:ext uri="{BB962C8B-B14F-4D97-AF65-F5344CB8AC3E}">
+        <p14:creationId xmlns:p14="http://schemas.microsoft.com/office/powerpoint/2010/main" val="3078598549"/>
+      </p:ext>
+    </p:extLst>
+  </p:cSld>
+  <p:clrMapOvr>
+    <a:masterClrMapping/>
+  </p:clrMapOvr>
+</p:sld>
+</file>
+
+<file path=ppt/slides/slide11.xml><?xml version="1.0" encoding="utf-8"?>
+<p:sld xmlns:a="http://schemas.openxmlformats.org/drawingml/2006/main" xmlns:r="http://schemas.openxmlformats.org/officeDocument/2006/relationships" xmlns:p="http://schemas.openxmlformats.org/presentationml/2006/main">
+  <p:cSld>
+    <p:spTree>
+      <p:nvGrpSpPr>
+        <p:cNvPr id="1" name=""/>
+        <p:cNvGrpSpPr/>
+        <p:nvPr/>
+      </p:nvGrpSpPr>
+      <p:grpSpPr>
+        <a:xfrm>
+          <a:off x="0" y="0"/>
+          <a:ext cx="0" cy="0"/>
+          <a:chOff x="0" y="0"/>
+          <a:chExt cx="0" cy="0"/>
+        </a:xfrm>
+      </p:grpSpPr>
+      <p:sp>
+        <p:nvSpPr>
           <p:cNvPr id="2" name="Title 1">
             <a:extLst>
               <a:ext uri="{FF2B5EF4-FFF2-40B4-BE49-F238E27FC236}">
@@ -5164,7 +6874,7 @@
 </p:sld>
 </file>
 
-<file path=ppt/slides/slide11.xml><?xml version="1.0" encoding="utf-8"?>
+<file path=ppt/slides/slide12.xml><?xml version="1.0" encoding="utf-8"?>
 <p:sld xmlns:a="http://schemas.openxmlformats.org/drawingml/2006/main" xmlns:r="http://schemas.openxmlformats.org/officeDocument/2006/relationships" xmlns:p="http://schemas.openxmlformats.org/presentationml/2006/main">
   <p:cSld>
     <p:spTree>
@@ -5301,7 +7011,7 @@
           <a:p>
             <a:fld id="{929262FE-7F58-4A1E-8AF3-5A510A86DEBD}" type="slidenum">
               <a:rPr lang="en-US" smtClean="0"/>
-              <a:t>11</a:t>
+              <a:t>12</a:t>
             </a:fld>
             <a:endParaRPr lang="en-US" dirty="0"/>
           </a:p>
@@ -7247,7 +8957,1236 @@
 </p:sld>
 </file>
 
-<file path=ppt/slides/slide12.xml><?xml version="1.0" encoding="utf-8"?>
+<file path=ppt/slides/slide13.xml><?xml version="1.0" encoding="utf-8"?>
+<p:sld xmlns:a="http://schemas.openxmlformats.org/drawingml/2006/main" xmlns:r="http://schemas.openxmlformats.org/officeDocument/2006/relationships" xmlns:p="http://schemas.openxmlformats.org/presentationml/2006/main">
+  <p:cSld>
+    <p:spTree>
+      <p:nvGrpSpPr>
+        <p:cNvPr id="1" name=""/>
+        <p:cNvGrpSpPr/>
+        <p:nvPr/>
+      </p:nvGrpSpPr>
+      <p:grpSpPr>
+        <a:xfrm>
+          <a:off x="0" y="0"/>
+          <a:ext cx="0" cy="0"/>
+          <a:chOff x="0" y="0"/>
+          <a:chExt cx="0" cy="0"/>
+        </a:xfrm>
+      </p:grpSpPr>
+      <p:sp>
+        <p:nvSpPr>
+          <p:cNvPr id="4" name="Slide Number Placeholder 3"/>
+          <p:cNvSpPr>
+            <a:spLocks noGrp="1"/>
+          </p:cNvSpPr>
+          <p:nvPr>
+            <p:ph type="sldNum" sz="quarter" idx="12"/>
+          </p:nvPr>
+        </p:nvSpPr>
+        <p:spPr/>
+        <p:txBody>
+          <a:bodyPr/>
+          <a:lstStyle/>
+          <a:p>
+            <a:fld id="{929262FE-7F58-4A1E-8AF3-5A510A86DEBD}" type="slidenum">
+              <a:rPr lang="en-US" smtClean="0"/>
+              <a:t>13</a:t>
+            </a:fld>
+            <a:endParaRPr lang="en-US" dirty="0"/>
+          </a:p>
+        </p:txBody>
+      </p:sp>
+      <mc:AlternateContent xmlns:mc="http://schemas.openxmlformats.org/markup-compatibility/2006">
+        <mc:Choice xmlns:a14="http://schemas.microsoft.com/office/drawing/2010/main" Requires="a14">
+          <p:graphicFrame>
+            <p:nvGraphicFramePr>
+              <p:cNvPr id="5" name="Table 4"/>
+              <p:cNvGraphicFramePr>
+                <a:graphicFrameLocks noGrp="1"/>
+              </p:cNvGraphicFramePr>
+              <p:nvPr>
+                <p:extLst>
+                  <p:ext uri="{D42A27DB-BD31-4B8C-83A1-F6EECF244321}">
+                    <p14:modId xmlns:p14="http://schemas.microsoft.com/office/powerpoint/2010/main" val="2060056515"/>
+                  </p:ext>
+                </p:extLst>
+              </p:nvPr>
+            </p:nvGraphicFramePr>
+            <p:xfrm>
+              <a:off x="4172678" y="2783759"/>
+              <a:ext cx="4430490" cy="2026920"/>
+            </p:xfrm>
+            <a:graphic>
+              <a:graphicData uri="http://schemas.openxmlformats.org/drawingml/2006/table">
+                <a:tbl>
+                  <a:tblPr firstRow="1" bandRow="1">
+                    <a:tableStyleId>{5C22544A-7EE6-4342-B048-85BDC9FD1C3A}</a:tableStyleId>
+                  </a:tblPr>
+                  <a:tblGrid>
+                    <a:gridCol w="886098">
+                      <a:extLst>
+                        <a:ext uri="{9D8B030D-6E8A-4147-A177-3AD203B41FA5}">
+                          <a16:colId xmlns:a16="http://schemas.microsoft.com/office/drawing/2014/main" val="20000"/>
+                        </a:ext>
+                      </a:extLst>
+                    </a:gridCol>
+                    <a:gridCol w="1018902">
+                      <a:extLst>
+                        <a:ext uri="{9D8B030D-6E8A-4147-A177-3AD203B41FA5}">
+                          <a16:colId xmlns:a16="http://schemas.microsoft.com/office/drawing/2014/main" val="20001"/>
+                        </a:ext>
+                      </a:extLst>
+                    </a:gridCol>
+                    <a:gridCol w="838200">
+                      <a:extLst>
+                        <a:ext uri="{9D8B030D-6E8A-4147-A177-3AD203B41FA5}">
+                          <a16:colId xmlns:a16="http://schemas.microsoft.com/office/drawing/2014/main" val="20002"/>
+                        </a:ext>
+                      </a:extLst>
+                    </a:gridCol>
+                    <a:gridCol w="838200">
+                      <a:extLst>
+                        <a:ext uri="{9D8B030D-6E8A-4147-A177-3AD203B41FA5}">
+                          <a16:colId xmlns:a16="http://schemas.microsoft.com/office/drawing/2014/main" val="20003"/>
+                        </a:ext>
+                      </a:extLst>
+                    </a:gridCol>
+                    <a:gridCol w="849090">
+                      <a:extLst>
+                        <a:ext uri="{9D8B030D-6E8A-4147-A177-3AD203B41FA5}">
+                          <a16:colId xmlns:a16="http://schemas.microsoft.com/office/drawing/2014/main" val="20004"/>
+                        </a:ext>
+                      </a:extLst>
+                    </a:gridCol>
+                  </a:tblGrid>
+                  <a:tr h="662940">
+                    <a:tc>
+                      <a:txBody>
+                        <a:bodyPr/>
+                        <a:lstStyle/>
+                        <a:p>
+                          <a:pPr algn="ctr"/>
+                          <a:r>
+                            <a:rPr lang="en-US" sz="2000" dirty="0"/>
+                            <a:t>Shape</a:t>
+                          </a:r>
+                        </a:p>
+                      </a:txBody>
+                      <a:tcPr anchor="ctr"/>
+                    </a:tc>
+                    <a:tc>
+                      <a:txBody>
+                        <a:bodyPr/>
+                        <a:lstStyle/>
+                        <a:p>
+                          <a:pPr algn="ctr"/>
+                          <a:r>
+                            <a:rPr lang="en-US" sz="2000" dirty="0"/>
+                            <a:t>Volu</a:t>
+                          </a:r>
+                          <a:r>
+                            <a:rPr lang="en-US" sz="2000" baseline="0" dirty="0"/>
+                            <a:t>me</a:t>
+                          </a:r>
+                        </a:p>
+                        <a:p>
+                          <a:pPr algn="ctr"/>
+                          <a:r>
+                            <a:rPr lang="en-US" sz="2000" baseline="0" dirty="0"/>
+                            <a:t>(</a:t>
+                          </a:r>
+                          <a14:m>
+                            <m:oMath xmlns:m="http://schemas.openxmlformats.org/officeDocument/2006/math">
+                              <m:r>
+                                <a:rPr lang="en-US" sz="2000" b="1" i="1" baseline="0" smtClean="0">
+                                  <a:latin typeface="Cambria Math" panose="02040503050406030204" pitchFamily="18" charset="0"/>
+                                </a:rPr>
+                                <m:t>𝑽</m:t>
+                              </m:r>
+                            </m:oMath>
+                          </a14:m>
+                          <a:r>
+                            <a:rPr lang="en-US" sz="2000" baseline="0" dirty="0"/>
+                            <a:t>)</a:t>
+                          </a:r>
+                          <a:endParaRPr lang="en-US" sz="2000" dirty="0"/>
+                        </a:p>
+                      </a:txBody>
+                      <a:tcPr anchor="ctr"/>
+                    </a:tc>
+                    <a:tc>
+                      <a:txBody>
+                        <a:bodyPr/>
+                        <a:lstStyle/>
+                        <a:p>
+                          <a:pPr algn="ctr"/>
+                          <a14:m>
+                            <m:oMathPara xmlns:m="http://schemas.openxmlformats.org/officeDocument/2006/math">
+                              <m:oMathParaPr>
+                                <m:jc m:val="centerGroup"/>
+                              </m:oMathParaPr>
+                              <m:oMath xmlns:m="http://schemas.openxmlformats.org/officeDocument/2006/math">
+                                <m:acc>
+                                  <m:accPr>
+                                    <m:chr m:val="̅"/>
+                                    <m:ctrlPr>
+                                      <a:rPr lang="en-US" sz="2800" b="0" i="1" dirty="0" smtClean="0">
+                                        <a:latin typeface="Cambria Math" panose="02040503050406030204" pitchFamily="18" charset="0"/>
+                                      </a:rPr>
+                                    </m:ctrlPr>
+                                  </m:accPr>
+                                  <m:e>
+                                    <m:r>
+                                      <m:rPr>
+                                        <m:sty m:val="p"/>
+                                      </m:rPr>
+                                      <a:rPr lang="en-US" sz="2800" b="0" i="0" dirty="0" smtClean="0">
+                                        <a:latin typeface="Cambria Math" panose="02040503050406030204" pitchFamily="18" charset="0"/>
+                                      </a:rPr>
+                                      <m:t>X</m:t>
+                                    </m:r>
+                                  </m:e>
+                                </m:acc>
+                              </m:oMath>
+                            </m:oMathPara>
+                          </a14:m>
+                          <a:endParaRPr lang="en-US" b="0" dirty="0"/>
+                        </a:p>
+                      </a:txBody>
+                      <a:tcPr anchor="ctr"/>
+                    </a:tc>
+                    <a:tc>
+                      <a:txBody>
+                        <a:bodyPr/>
+                        <a:lstStyle/>
+                        <a:p>
+                          <a:pPr algn="ctr"/>
+                          <a14:m>
+                            <m:oMathPara xmlns:m="http://schemas.openxmlformats.org/officeDocument/2006/math">
+                              <m:oMathParaPr>
+                                <m:jc m:val="centerGroup"/>
+                              </m:oMathParaPr>
+                              <m:oMath xmlns:m="http://schemas.openxmlformats.org/officeDocument/2006/math">
+                                <m:acc>
+                                  <m:accPr>
+                                    <m:chr m:val="̅"/>
+                                    <m:ctrlPr>
+                                      <a:rPr lang="en-US" sz="2800" b="0" i="1" dirty="0" smtClean="0">
+                                        <a:latin typeface="Cambria Math" panose="02040503050406030204" pitchFamily="18" charset="0"/>
+                                      </a:rPr>
+                                    </m:ctrlPr>
+                                  </m:accPr>
+                                  <m:e>
+                                    <m:r>
+                                      <m:rPr>
+                                        <m:sty m:val="p"/>
+                                      </m:rPr>
+                                      <a:rPr lang="en-US" sz="2800" b="0" i="0" dirty="0" smtClean="0">
+                                        <a:latin typeface="Cambria Math"/>
+                                      </a:rPr>
+                                      <m:t>Y</m:t>
+                                    </m:r>
+                                  </m:e>
+                                </m:acc>
+                              </m:oMath>
+                            </m:oMathPara>
+                          </a14:m>
+                          <a:endParaRPr lang="en-US" b="0" i="0" dirty="0"/>
+                        </a:p>
+                      </a:txBody>
+                      <a:tcPr anchor="ctr"/>
+                    </a:tc>
+                    <a:tc>
+                      <a:txBody>
+                        <a:bodyPr/>
+                        <a:lstStyle/>
+                        <a:p>
+                          <a:pPr algn="ctr"/>
+                          <a14:m>
+                            <m:oMathPara xmlns:m="http://schemas.openxmlformats.org/officeDocument/2006/math">
+                              <m:oMathParaPr>
+                                <m:jc m:val="centerGroup"/>
+                              </m:oMathParaPr>
+                              <m:oMath xmlns:m="http://schemas.openxmlformats.org/officeDocument/2006/math">
+                                <m:acc>
+                                  <m:accPr>
+                                    <m:chr m:val="̅"/>
+                                    <m:ctrlPr>
+                                      <a:rPr lang="en-US" sz="2800" b="0" i="1" dirty="0" smtClean="0">
+                                        <a:latin typeface="Cambria Math" panose="02040503050406030204" pitchFamily="18" charset="0"/>
+                                      </a:rPr>
+                                    </m:ctrlPr>
+                                  </m:accPr>
+                                  <m:e>
+                                    <m:r>
+                                      <m:rPr>
+                                        <m:sty m:val="p"/>
+                                      </m:rPr>
+                                      <a:rPr lang="en-US" sz="2800" b="0" i="0" dirty="0" smtClean="0">
+                                        <a:latin typeface="Cambria Math"/>
+                                      </a:rPr>
+                                      <m:t>Z</m:t>
+                                    </m:r>
+                                  </m:e>
+                                </m:acc>
+                              </m:oMath>
+                            </m:oMathPara>
+                          </a14:m>
+                          <a:endParaRPr lang="en-US" b="0" i="0" dirty="0"/>
+                        </a:p>
+                      </a:txBody>
+                      <a:tcPr anchor="ctr"/>
+                    </a:tc>
+                    <a:extLst>
+                      <a:ext uri="{0D108BD9-81ED-4DB2-BD59-A6C34878D82A}">
+                        <a16:rowId xmlns:a16="http://schemas.microsoft.com/office/drawing/2014/main" val="10000"/>
+                      </a:ext>
+                    </a:extLst>
+                  </a:tr>
+                  <a:tr h="662940">
+                    <a:tc>
+                      <a:txBody>
+                        <a:bodyPr/>
+                        <a:lstStyle/>
+                        <a:p>
+                          <a:pPr algn="ctr"/>
+                          <a:r>
+                            <a:rPr lang="en-US" dirty="0"/>
+                            <a:t>1</a:t>
+                          </a:r>
+                        </a:p>
+                      </a:txBody>
+                      <a:tcPr anchor="ctr"/>
+                    </a:tc>
+                    <a:tc>
+                      <a:txBody>
+                        <a:bodyPr/>
+                        <a:lstStyle/>
+                        <a:p>
+                          <a:pPr algn="ctr"/>
+                          <a:endParaRPr lang="en-US" dirty="0"/>
+                        </a:p>
+                      </a:txBody>
+                      <a:tcPr anchor="ctr"/>
+                    </a:tc>
+                    <a:tc>
+                      <a:txBody>
+                        <a:bodyPr/>
+                        <a:lstStyle/>
+                        <a:p>
+                          <a:pPr algn="ctr"/>
+                          <a:endParaRPr lang="en-US"/>
+                        </a:p>
+                      </a:txBody>
+                      <a:tcPr anchor="ctr"/>
+                    </a:tc>
+                    <a:tc>
+                      <a:txBody>
+                        <a:bodyPr/>
+                        <a:lstStyle/>
+                        <a:p>
+                          <a:pPr algn="ctr"/>
+                          <a:endParaRPr lang="en-US"/>
+                        </a:p>
+                      </a:txBody>
+                      <a:tcPr anchor="ctr"/>
+                    </a:tc>
+                    <a:tc>
+                      <a:txBody>
+                        <a:bodyPr/>
+                        <a:lstStyle/>
+                        <a:p>
+                          <a:pPr algn="ctr"/>
+                          <a:endParaRPr lang="en-US"/>
+                        </a:p>
+                      </a:txBody>
+                      <a:tcPr anchor="ctr"/>
+                    </a:tc>
+                    <a:extLst>
+                      <a:ext uri="{0D108BD9-81ED-4DB2-BD59-A6C34878D82A}">
+                        <a16:rowId xmlns:a16="http://schemas.microsoft.com/office/drawing/2014/main" val="10001"/>
+                      </a:ext>
+                    </a:extLst>
+                  </a:tr>
+                  <a:tr h="662940">
+                    <a:tc>
+                      <a:txBody>
+                        <a:bodyPr/>
+                        <a:lstStyle/>
+                        <a:p>
+                          <a:pPr algn="ctr"/>
+                          <a:r>
+                            <a:rPr lang="en-US" dirty="0"/>
+                            <a:t>2</a:t>
+                          </a:r>
+                        </a:p>
+                      </a:txBody>
+                      <a:tcPr anchor="ctr"/>
+                    </a:tc>
+                    <a:tc>
+                      <a:txBody>
+                        <a:bodyPr/>
+                        <a:lstStyle/>
+                        <a:p>
+                          <a:pPr algn="ctr"/>
+                          <a:endParaRPr lang="en-US" dirty="0"/>
+                        </a:p>
+                      </a:txBody>
+                      <a:tcPr anchor="ctr"/>
+                    </a:tc>
+                    <a:tc>
+                      <a:txBody>
+                        <a:bodyPr/>
+                        <a:lstStyle/>
+                        <a:p>
+                          <a:pPr algn="ctr"/>
+                          <a:endParaRPr lang="en-US" dirty="0"/>
+                        </a:p>
+                      </a:txBody>
+                      <a:tcPr anchor="ctr"/>
+                    </a:tc>
+                    <a:tc>
+                      <a:txBody>
+                        <a:bodyPr/>
+                        <a:lstStyle/>
+                        <a:p>
+                          <a:pPr algn="ctr"/>
+                          <a:endParaRPr lang="en-US" dirty="0"/>
+                        </a:p>
+                      </a:txBody>
+                      <a:tcPr anchor="ctr"/>
+                    </a:tc>
+                    <a:tc>
+                      <a:txBody>
+                        <a:bodyPr/>
+                        <a:lstStyle/>
+                        <a:p>
+                          <a:pPr algn="ctr"/>
+                          <a:endParaRPr lang="en-US" dirty="0"/>
+                        </a:p>
+                      </a:txBody>
+                      <a:tcPr anchor="ctr"/>
+                    </a:tc>
+                    <a:extLst>
+                      <a:ext uri="{0D108BD9-81ED-4DB2-BD59-A6C34878D82A}">
+                        <a16:rowId xmlns:a16="http://schemas.microsoft.com/office/drawing/2014/main" val="10002"/>
+                      </a:ext>
+                    </a:extLst>
+                  </a:tr>
+                </a:tbl>
+              </a:graphicData>
+            </a:graphic>
+          </p:graphicFrame>
+        </mc:Choice>
+        <mc:Fallback>
+          <p:graphicFrame>
+            <p:nvGraphicFramePr>
+              <p:cNvPr id="5" name="Table 4"/>
+              <p:cNvGraphicFramePr>
+                <a:graphicFrameLocks noGrp="1"/>
+              </p:cNvGraphicFramePr>
+              <p:nvPr>
+                <p:extLst>
+                  <p:ext uri="{D42A27DB-BD31-4B8C-83A1-F6EECF244321}">
+                    <p14:modId xmlns:p14="http://schemas.microsoft.com/office/powerpoint/2010/main" val="2060056515"/>
+                  </p:ext>
+                </p:extLst>
+              </p:nvPr>
+            </p:nvGraphicFramePr>
+            <p:xfrm>
+              <a:off x="4172678" y="2783759"/>
+              <a:ext cx="4430490" cy="2026920"/>
+            </p:xfrm>
+            <a:graphic>
+              <a:graphicData uri="http://schemas.openxmlformats.org/drawingml/2006/table">
+                <a:tbl>
+                  <a:tblPr firstRow="1" bandRow="1">
+                    <a:tableStyleId>{5C22544A-7EE6-4342-B048-85BDC9FD1C3A}</a:tableStyleId>
+                  </a:tblPr>
+                  <a:tblGrid>
+                    <a:gridCol w="886098">
+                      <a:extLst>
+                        <a:ext uri="{9D8B030D-6E8A-4147-A177-3AD203B41FA5}">
+                          <a16:colId xmlns:a16="http://schemas.microsoft.com/office/drawing/2014/main" val="20000"/>
+                        </a:ext>
+                      </a:extLst>
+                    </a:gridCol>
+                    <a:gridCol w="1018902">
+                      <a:extLst>
+                        <a:ext uri="{9D8B030D-6E8A-4147-A177-3AD203B41FA5}">
+                          <a16:colId xmlns:a16="http://schemas.microsoft.com/office/drawing/2014/main" val="20001"/>
+                        </a:ext>
+                      </a:extLst>
+                    </a:gridCol>
+                    <a:gridCol w="838200">
+                      <a:extLst>
+                        <a:ext uri="{9D8B030D-6E8A-4147-A177-3AD203B41FA5}">
+                          <a16:colId xmlns:a16="http://schemas.microsoft.com/office/drawing/2014/main" val="20002"/>
+                        </a:ext>
+                      </a:extLst>
+                    </a:gridCol>
+                    <a:gridCol w="838200">
+                      <a:extLst>
+                        <a:ext uri="{9D8B030D-6E8A-4147-A177-3AD203B41FA5}">
+                          <a16:colId xmlns:a16="http://schemas.microsoft.com/office/drawing/2014/main" val="20003"/>
+                        </a:ext>
+                      </a:extLst>
+                    </a:gridCol>
+                    <a:gridCol w="849090">
+                      <a:extLst>
+                        <a:ext uri="{9D8B030D-6E8A-4147-A177-3AD203B41FA5}">
+                          <a16:colId xmlns:a16="http://schemas.microsoft.com/office/drawing/2014/main" val="20004"/>
+                        </a:ext>
+                      </a:extLst>
+                    </a:gridCol>
+                  </a:tblGrid>
+                  <a:tr h="701040">
+                    <a:tc>
+                      <a:txBody>
+                        <a:bodyPr/>
+                        <a:lstStyle/>
+                        <a:p>
+                          <a:pPr algn="ctr"/>
+                          <a:r>
+                            <a:rPr lang="en-US" sz="2000" dirty="0"/>
+                            <a:t>Shape</a:t>
+                          </a:r>
+                        </a:p>
+                      </a:txBody>
+                      <a:tcPr anchor="ctr"/>
+                    </a:tc>
+                    <a:tc>
+                      <a:txBody>
+                        <a:bodyPr/>
+                        <a:lstStyle/>
+                        <a:p>
+                          <a:endParaRPr lang="en-US"/>
+                        </a:p>
+                      </a:txBody>
+                      <a:tcPr anchor="ctr">
+                        <a:blipFill>
+                          <a:blip r:embed="rId2"/>
+                          <a:stretch>
+                            <a:fillRect l="-88024" t="-4310" r="-250898" b="-189655"/>
+                          </a:stretch>
+                        </a:blipFill>
+                      </a:tcPr>
+                    </a:tc>
+                    <a:tc>
+                      <a:txBody>
+                        <a:bodyPr/>
+                        <a:lstStyle/>
+                        <a:p>
+                          <a:endParaRPr lang="en-US"/>
+                        </a:p>
+                      </a:txBody>
+                      <a:tcPr anchor="ctr">
+                        <a:blipFill>
+                          <a:blip r:embed="rId2"/>
+                          <a:stretch>
+                            <a:fillRect l="-227536" t="-4310" r="-203623" b="-189655"/>
+                          </a:stretch>
+                        </a:blipFill>
+                      </a:tcPr>
+                    </a:tc>
+                    <a:tc>
+                      <a:txBody>
+                        <a:bodyPr/>
+                        <a:lstStyle/>
+                        <a:p>
+                          <a:endParaRPr lang="en-US"/>
+                        </a:p>
+                      </a:txBody>
+                      <a:tcPr anchor="ctr">
+                        <a:blipFill>
+                          <a:blip r:embed="rId2"/>
+                          <a:stretch>
+                            <a:fillRect l="-329927" t="-4310" r="-105109" b="-189655"/>
+                          </a:stretch>
+                        </a:blipFill>
+                      </a:tcPr>
+                    </a:tc>
+                    <a:tc>
+                      <a:txBody>
+                        <a:bodyPr/>
+                        <a:lstStyle/>
+                        <a:p>
+                          <a:endParaRPr lang="en-US"/>
+                        </a:p>
+                      </a:txBody>
+                      <a:tcPr anchor="ctr">
+                        <a:blipFill>
+                          <a:blip r:embed="rId2"/>
+                          <a:stretch>
+                            <a:fillRect l="-420714" t="-4310" r="-2857" b="-189655"/>
+                          </a:stretch>
+                        </a:blipFill>
+                      </a:tcPr>
+                    </a:tc>
+                    <a:extLst>
+                      <a:ext uri="{0D108BD9-81ED-4DB2-BD59-A6C34878D82A}">
+                        <a16:rowId xmlns:a16="http://schemas.microsoft.com/office/drawing/2014/main" val="10000"/>
+                      </a:ext>
+                    </a:extLst>
+                  </a:tr>
+                  <a:tr h="662940">
+                    <a:tc>
+                      <a:txBody>
+                        <a:bodyPr/>
+                        <a:lstStyle/>
+                        <a:p>
+                          <a:pPr algn="ctr"/>
+                          <a:r>
+                            <a:rPr lang="en-US" dirty="0"/>
+                            <a:t>1</a:t>
+                          </a:r>
+                        </a:p>
+                      </a:txBody>
+                      <a:tcPr anchor="ctr"/>
+                    </a:tc>
+                    <a:tc>
+                      <a:txBody>
+                        <a:bodyPr/>
+                        <a:lstStyle/>
+                        <a:p>
+                          <a:pPr algn="ctr"/>
+                          <a:endParaRPr lang="en-US" dirty="0"/>
+                        </a:p>
+                      </a:txBody>
+                      <a:tcPr anchor="ctr"/>
+                    </a:tc>
+                    <a:tc>
+                      <a:txBody>
+                        <a:bodyPr/>
+                        <a:lstStyle/>
+                        <a:p>
+                          <a:pPr algn="ctr"/>
+                          <a:endParaRPr lang="en-US"/>
+                        </a:p>
+                      </a:txBody>
+                      <a:tcPr anchor="ctr"/>
+                    </a:tc>
+                    <a:tc>
+                      <a:txBody>
+                        <a:bodyPr/>
+                        <a:lstStyle/>
+                        <a:p>
+                          <a:pPr algn="ctr"/>
+                          <a:endParaRPr lang="en-US"/>
+                        </a:p>
+                      </a:txBody>
+                      <a:tcPr anchor="ctr"/>
+                    </a:tc>
+                    <a:tc>
+                      <a:txBody>
+                        <a:bodyPr/>
+                        <a:lstStyle/>
+                        <a:p>
+                          <a:pPr algn="ctr"/>
+                          <a:endParaRPr lang="en-US"/>
+                        </a:p>
+                      </a:txBody>
+                      <a:tcPr anchor="ctr"/>
+                    </a:tc>
+                    <a:extLst>
+                      <a:ext uri="{0D108BD9-81ED-4DB2-BD59-A6C34878D82A}">
+                        <a16:rowId xmlns:a16="http://schemas.microsoft.com/office/drawing/2014/main" val="10001"/>
+                      </a:ext>
+                    </a:extLst>
+                  </a:tr>
+                  <a:tr h="662940">
+                    <a:tc>
+                      <a:txBody>
+                        <a:bodyPr/>
+                        <a:lstStyle/>
+                        <a:p>
+                          <a:pPr algn="ctr"/>
+                          <a:r>
+                            <a:rPr lang="en-US" dirty="0"/>
+                            <a:t>2</a:t>
+                          </a:r>
+                        </a:p>
+                      </a:txBody>
+                      <a:tcPr anchor="ctr"/>
+                    </a:tc>
+                    <a:tc>
+                      <a:txBody>
+                        <a:bodyPr/>
+                        <a:lstStyle/>
+                        <a:p>
+                          <a:pPr algn="ctr"/>
+                          <a:endParaRPr lang="en-US" dirty="0"/>
+                        </a:p>
+                      </a:txBody>
+                      <a:tcPr anchor="ctr"/>
+                    </a:tc>
+                    <a:tc>
+                      <a:txBody>
+                        <a:bodyPr/>
+                        <a:lstStyle/>
+                        <a:p>
+                          <a:pPr algn="ctr"/>
+                          <a:endParaRPr lang="en-US" dirty="0"/>
+                        </a:p>
+                      </a:txBody>
+                      <a:tcPr anchor="ctr"/>
+                    </a:tc>
+                    <a:tc>
+                      <a:txBody>
+                        <a:bodyPr/>
+                        <a:lstStyle/>
+                        <a:p>
+                          <a:pPr algn="ctr"/>
+                          <a:endParaRPr lang="en-US" dirty="0"/>
+                        </a:p>
+                      </a:txBody>
+                      <a:tcPr anchor="ctr"/>
+                    </a:tc>
+                    <a:tc>
+                      <a:txBody>
+                        <a:bodyPr/>
+                        <a:lstStyle/>
+                        <a:p>
+                          <a:pPr algn="ctr"/>
+                          <a:endParaRPr lang="en-US" dirty="0"/>
+                        </a:p>
+                      </a:txBody>
+                      <a:tcPr anchor="ctr"/>
+                    </a:tc>
+                    <a:extLst>
+                      <a:ext uri="{0D108BD9-81ED-4DB2-BD59-A6C34878D82A}">
+                        <a16:rowId xmlns:a16="http://schemas.microsoft.com/office/drawing/2014/main" val="10002"/>
+                      </a:ext>
+                    </a:extLst>
+                  </a:tr>
+                </a:tbl>
+              </a:graphicData>
+            </a:graphic>
+          </p:graphicFrame>
+        </mc:Fallback>
+      </mc:AlternateContent>
+      <p:grpSp>
+        <p:nvGrpSpPr>
+          <p:cNvPr id="6" name="Group 5">
+            <a:extLst>
+              <a:ext uri="{FF2B5EF4-FFF2-40B4-BE49-F238E27FC236}">
+                <a16:creationId xmlns:a16="http://schemas.microsoft.com/office/drawing/2014/main" id="{C01C75C8-1BD8-4B6E-93C0-3AC9640CCA61}"/>
+              </a:ext>
+            </a:extLst>
+          </p:cNvPr>
+          <p:cNvGrpSpPr/>
+          <p:nvPr/>
+        </p:nvGrpSpPr>
+        <p:grpSpPr>
+          <a:xfrm>
+            <a:off x="903510" y="2011680"/>
+            <a:ext cx="2209800" cy="3200400"/>
+            <a:chOff x="1741714" y="3200400"/>
+            <a:chExt cx="1306286" cy="2590800"/>
+          </a:xfrm>
+        </p:grpSpPr>
+        <p:sp>
+          <p:nvSpPr>
+            <p:cNvPr id="8" name="Can 7"/>
+            <p:cNvSpPr/>
+            <p:nvPr/>
+          </p:nvSpPr>
+          <p:spPr>
+            <a:xfrm>
+              <a:off x="1752600" y="4114800"/>
+              <a:ext cx="1295400" cy="1676400"/>
+            </a:xfrm>
+            <a:prstGeom prst="can">
+              <a:avLst/>
+            </a:prstGeom>
+            <a:noFill/>
+            <a:ln>
+              <a:solidFill>
+                <a:schemeClr val="accent1"/>
+              </a:solidFill>
+            </a:ln>
+          </p:spPr>
+          <p:style>
+            <a:lnRef idx="2">
+              <a:schemeClr val="accent1">
+                <a:shade val="50000"/>
+              </a:schemeClr>
+            </a:lnRef>
+            <a:fillRef idx="1">
+              <a:schemeClr val="accent1"/>
+            </a:fillRef>
+            <a:effectRef idx="0">
+              <a:schemeClr val="accent1"/>
+            </a:effectRef>
+            <a:fontRef idx="minor">
+              <a:schemeClr val="lt1"/>
+            </a:fontRef>
+          </p:style>
+          <p:txBody>
+            <a:bodyPr rtlCol="0" anchor="ctr"/>
+            <a:lstStyle/>
+            <a:p>
+              <a:pPr algn="ctr"/>
+              <a:endParaRPr lang="en-US"/>
+            </a:p>
+          </p:txBody>
+        </p:sp>
+        <p:cxnSp>
+          <p:nvCxnSpPr>
+            <p:cNvPr id="11" name="Straight Connector 10"/>
+            <p:cNvCxnSpPr>
+              <a:cxnSpLocks/>
+            </p:cNvCxnSpPr>
+            <p:nvPr/>
+          </p:nvCxnSpPr>
+          <p:spPr>
+            <a:xfrm flipV="1">
+              <a:off x="1741714" y="3200400"/>
+              <a:ext cx="658586" cy="1110343"/>
+            </a:xfrm>
+            <a:prstGeom prst="line">
+              <a:avLst/>
+            </a:prstGeom>
+            <a:ln/>
+            <a:effectLst/>
+          </p:spPr>
+          <p:style>
+            <a:lnRef idx="2">
+              <a:schemeClr val="accent1"/>
+            </a:lnRef>
+            <a:fillRef idx="0">
+              <a:schemeClr val="accent1"/>
+            </a:fillRef>
+            <a:effectRef idx="1">
+              <a:schemeClr val="accent1"/>
+            </a:effectRef>
+            <a:fontRef idx="minor">
+              <a:schemeClr val="tx1"/>
+            </a:fontRef>
+          </p:style>
+        </p:cxnSp>
+        <p:cxnSp>
+          <p:nvCxnSpPr>
+            <p:cNvPr id="12" name="Straight Connector 11"/>
+            <p:cNvCxnSpPr>
+              <a:cxnSpLocks/>
+            </p:cNvCxnSpPr>
+            <p:nvPr/>
+          </p:nvCxnSpPr>
+          <p:spPr>
+            <a:xfrm flipH="1" flipV="1">
+              <a:off x="2400300" y="3200400"/>
+              <a:ext cx="647700" cy="1110343"/>
+            </a:xfrm>
+            <a:prstGeom prst="line">
+              <a:avLst/>
+            </a:prstGeom>
+            <a:ln/>
+            <a:effectLst/>
+          </p:spPr>
+          <p:style>
+            <a:lnRef idx="2">
+              <a:schemeClr val="accent1"/>
+            </a:lnRef>
+            <a:fillRef idx="0">
+              <a:schemeClr val="accent1"/>
+            </a:fillRef>
+            <a:effectRef idx="1">
+              <a:schemeClr val="accent1"/>
+            </a:effectRef>
+            <a:fontRef idx="minor">
+              <a:schemeClr val="tx1"/>
+            </a:fontRef>
+          </p:style>
+        </p:cxnSp>
+        <p:sp>
+          <p:nvSpPr>
+            <p:cNvPr id="13" name="TextBox 12"/>
+            <p:cNvSpPr txBox="1"/>
+            <p:nvPr/>
+          </p:nvSpPr>
+          <p:spPr>
+            <a:xfrm>
+              <a:off x="2510451" y="3726992"/>
+              <a:ext cx="301686" cy="369332"/>
+            </a:xfrm>
+            <a:prstGeom prst="rect">
+              <a:avLst/>
+            </a:prstGeom>
+            <a:noFill/>
+          </p:spPr>
+          <p:txBody>
+            <a:bodyPr wrap="none" rtlCol="0">
+              <a:spAutoFit/>
+            </a:bodyPr>
+            <a:lstStyle/>
+            <a:p>
+              <a:r>
+                <a:rPr lang="en-US" dirty="0"/>
+                <a:t>1</a:t>
+              </a:r>
+            </a:p>
+          </p:txBody>
+        </p:sp>
+        <p:sp>
+          <p:nvSpPr>
+            <p:cNvPr id="14" name="TextBox 13"/>
+            <p:cNvSpPr txBox="1"/>
+            <p:nvPr/>
+          </p:nvSpPr>
+          <p:spPr>
+            <a:xfrm>
+              <a:off x="2604501" y="4915099"/>
+              <a:ext cx="301686" cy="369332"/>
+            </a:xfrm>
+            <a:prstGeom prst="rect">
+              <a:avLst/>
+            </a:prstGeom>
+            <a:noFill/>
+          </p:spPr>
+          <p:txBody>
+            <a:bodyPr wrap="none" rtlCol="0">
+              <a:spAutoFit/>
+            </a:bodyPr>
+            <a:lstStyle/>
+            <a:p>
+              <a:r>
+                <a:rPr lang="en-US" dirty="0"/>
+                <a:t>2</a:t>
+              </a:r>
+            </a:p>
+          </p:txBody>
+        </p:sp>
+      </p:grpSp>
+      <p:cxnSp>
+        <p:nvCxnSpPr>
+          <p:cNvPr id="20" name="Straight Arrow Connector 19">
+            <a:extLst>
+              <a:ext uri="{FF2B5EF4-FFF2-40B4-BE49-F238E27FC236}">
+                <a16:creationId xmlns:a16="http://schemas.microsoft.com/office/drawing/2014/main" id="{15198759-C359-4B9F-9636-F7083011FF00}"/>
+              </a:ext>
+            </a:extLst>
+          </p:cNvPr>
+          <p:cNvCxnSpPr>
+            <a:cxnSpLocks/>
+          </p:cNvCxnSpPr>
+          <p:nvPr/>
+        </p:nvCxnSpPr>
+        <p:spPr>
+          <a:xfrm>
+            <a:off x="1993358" y="4966815"/>
+            <a:ext cx="1435642" cy="22823"/>
+          </a:xfrm>
+          <a:prstGeom prst="straightConnector1">
+            <a:avLst/>
+          </a:prstGeom>
+          <a:ln>
+            <a:tailEnd type="arrow"/>
+          </a:ln>
+        </p:spPr>
+        <p:style>
+          <a:lnRef idx="2">
+            <a:schemeClr val="dk1"/>
+          </a:lnRef>
+          <a:fillRef idx="0">
+            <a:schemeClr val="dk1"/>
+          </a:fillRef>
+          <a:effectRef idx="1">
+            <a:schemeClr val="dk1"/>
+          </a:effectRef>
+          <a:fontRef idx="minor">
+            <a:schemeClr val="tx1"/>
+          </a:fontRef>
+        </p:style>
+      </p:cxnSp>
+      <p:cxnSp>
+        <p:nvCxnSpPr>
+          <p:cNvPr id="21" name="Straight Arrow Connector 20">
+            <a:extLst>
+              <a:ext uri="{FF2B5EF4-FFF2-40B4-BE49-F238E27FC236}">
+                <a16:creationId xmlns:a16="http://schemas.microsoft.com/office/drawing/2014/main" id="{D235AE5C-2344-B699-DF31-8A729172B571}"/>
+              </a:ext>
+            </a:extLst>
+          </p:cNvPr>
+          <p:cNvCxnSpPr>
+            <a:cxnSpLocks/>
+          </p:cNvCxnSpPr>
+          <p:nvPr/>
+        </p:nvCxnSpPr>
+        <p:spPr>
+          <a:xfrm flipV="1">
+            <a:off x="1993358" y="1645920"/>
+            <a:ext cx="24259" cy="3320895"/>
+          </a:xfrm>
+          <a:prstGeom prst="straightConnector1">
+            <a:avLst/>
+          </a:prstGeom>
+          <a:ln>
+            <a:tailEnd type="arrow"/>
+          </a:ln>
+        </p:spPr>
+        <p:style>
+          <a:lnRef idx="2">
+            <a:schemeClr val="dk1"/>
+          </a:lnRef>
+          <a:fillRef idx="0">
+            <a:schemeClr val="dk1"/>
+          </a:fillRef>
+          <a:effectRef idx="1">
+            <a:schemeClr val="dk1"/>
+          </a:effectRef>
+          <a:fontRef idx="minor">
+            <a:schemeClr val="tx1"/>
+          </a:fontRef>
+        </p:style>
+      </p:cxnSp>
+      <p:sp>
+        <p:nvSpPr>
+          <p:cNvPr id="22" name="TextBox 21">
+            <a:extLst>
+              <a:ext uri="{FF2B5EF4-FFF2-40B4-BE49-F238E27FC236}">
+                <a16:creationId xmlns:a16="http://schemas.microsoft.com/office/drawing/2014/main" id="{C1A70CAB-9F08-1431-67C5-210498A6B216}"/>
+              </a:ext>
+            </a:extLst>
+          </p:cNvPr>
+          <p:cNvSpPr txBox="1"/>
+          <p:nvPr/>
+        </p:nvSpPr>
+        <p:spPr>
+          <a:xfrm>
+            <a:off x="3502019" y="4804972"/>
+            <a:ext cx="338554" cy="369332"/>
+          </a:xfrm>
+          <a:prstGeom prst="rect">
+            <a:avLst/>
+          </a:prstGeom>
+          <a:noFill/>
+        </p:spPr>
+        <p:txBody>
+          <a:bodyPr wrap="none" rtlCol="0">
+            <a:spAutoFit/>
+          </a:bodyPr>
+          <a:lstStyle/>
+          <a:p>
+            <a:r>
+              <a:rPr lang="en-US" b="1" dirty="0"/>
+              <a:t>X</a:t>
+            </a:r>
+            <a:endParaRPr lang="en-US" dirty="0"/>
+          </a:p>
+        </p:txBody>
+      </p:sp>
+      <p:sp>
+        <p:nvSpPr>
+          <p:cNvPr id="23" name="TextBox 22">
+            <a:extLst>
+              <a:ext uri="{FF2B5EF4-FFF2-40B4-BE49-F238E27FC236}">
+                <a16:creationId xmlns:a16="http://schemas.microsoft.com/office/drawing/2014/main" id="{69F79F23-A964-4B56-88CA-0F2A4857951B}"/>
+              </a:ext>
+            </a:extLst>
+          </p:cNvPr>
+          <p:cNvSpPr txBox="1"/>
+          <p:nvPr/>
+        </p:nvSpPr>
+        <p:spPr>
+          <a:xfrm>
+            <a:off x="1865402" y="1265177"/>
+            <a:ext cx="338554" cy="369332"/>
+          </a:xfrm>
+          <a:prstGeom prst="rect">
+            <a:avLst/>
+          </a:prstGeom>
+          <a:noFill/>
+        </p:spPr>
+        <p:txBody>
+          <a:bodyPr wrap="none" rtlCol="0">
+            <a:spAutoFit/>
+          </a:bodyPr>
+          <a:lstStyle/>
+          <a:p>
+            <a:r>
+              <a:rPr lang="en-US" b="1" dirty="0"/>
+              <a:t>Y</a:t>
+            </a:r>
+            <a:endParaRPr lang="en-US" dirty="0"/>
+          </a:p>
+        </p:txBody>
+      </p:sp>
+      <p:cxnSp>
+        <p:nvCxnSpPr>
+          <p:cNvPr id="29" name="Straight Arrow Connector 28">
+            <a:extLst>
+              <a:ext uri="{FF2B5EF4-FFF2-40B4-BE49-F238E27FC236}">
+                <a16:creationId xmlns:a16="http://schemas.microsoft.com/office/drawing/2014/main" id="{95778158-88D5-F550-FC68-B7B34BF815AE}"/>
+              </a:ext>
+            </a:extLst>
+          </p:cNvPr>
+          <p:cNvCxnSpPr>
+            <a:cxnSpLocks/>
+          </p:cNvCxnSpPr>
+          <p:nvPr/>
+        </p:nvCxnSpPr>
+        <p:spPr>
+          <a:xfrm flipH="1">
+            <a:off x="1143000" y="4966815"/>
+            <a:ext cx="842167" cy="626008"/>
+          </a:xfrm>
+          <a:prstGeom prst="straightConnector1">
+            <a:avLst/>
+          </a:prstGeom>
+          <a:ln>
+            <a:tailEnd type="arrow"/>
+          </a:ln>
+        </p:spPr>
+        <p:style>
+          <a:lnRef idx="2">
+            <a:schemeClr val="dk1"/>
+          </a:lnRef>
+          <a:fillRef idx="0">
+            <a:schemeClr val="dk1"/>
+          </a:fillRef>
+          <a:effectRef idx="1">
+            <a:schemeClr val="dk1"/>
+          </a:effectRef>
+          <a:fontRef idx="minor">
+            <a:schemeClr val="tx1"/>
+          </a:fontRef>
+        </p:style>
+      </p:cxnSp>
+      <p:sp>
+        <p:nvSpPr>
+          <p:cNvPr id="32" name="TextBox 31">
+            <a:extLst>
+              <a:ext uri="{FF2B5EF4-FFF2-40B4-BE49-F238E27FC236}">
+                <a16:creationId xmlns:a16="http://schemas.microsoft.com/office/drawing/2014/main" id="{28BB4164-5090-EB5F-6364-AB869B400BFD}"/>
+              </a:ext>
+            </a:extLst>
+          </p:cNvPr>
+          <p:cNvSpPr txBox="1"/>
+          <p:nvPr/>
+        </p:nvSpPr>
+        <p:spPr>
+          <a:xfrm>
+            <a:off x="842655" y="5592823"/>
+            <a:ext cx="295274" cy="369332"/>
+          </a:xfrm>
+          <a:prstGeom prst="rect">
+            <a:avLst/>
+          </a:prstGeom>
+          <a:noFill/>
+        </p:spPr>
+        <p:txBody>
+          <a:bodyPr wrap="none" rtlCol="0">
+            <a:spAutoFit/>
+          </a:bodyPr>
+          <a:lstStyle/>
+          <a:p>
+            <a:r>
+              <a:rPr lang="en-US" b="1" dirty="0"/>
+              <a:t>Z</a:t>
+            </a:r>
+            <a:endParaRPr lang="en-US" dirty="0"/>
+          </a:p>
+        </p:txBody>
+      </p:sp>
+    </p:spTree>
+    <p:extLst>
+      <p:ext uri="{BB962C8B-B14F-4D97-AF65-F5344CB8AC3E}">
+        <p14:creationId xmlns:p14="http://schemas.microsoft.com/office/powerpoint/2010/main" val="2182605661"/>
+      </p:ext>
+    </p:extLst>
+  </p:cSld>
+  <p:clrMapOvr>
+    <a:masterClrMapping/>
+  </p:clrMapOvr>
+  <p:timing>
+    <p:tnLst>
+      <p:par>
+        <p:cTn id="1" dur="indefinite" restart="never" nodeType="tmRoot">
+          <p:childTnLst>
+            <p:seq concurrent="1" nextAc="seek">
+              <p:cTn id="2" dur="indefinite" nodeType="mainSeq">
+                <p:childTnLst>
+                  <p:par>
+                    <p:cTn id="3" fill="hold">
+                      <p:stCondLst>
+                        <p:cond delay="indefinite"/>
+                      </p:stCondLst>
+                      <p:childTnLst>
+                        <p:par>
+                          <p:cTn id="4" fill="hold">
+                            <p:stCondLst>
+                              <p:cond delay="0"/>
+                            </p:stCondLst>
+                            <p:childTnLst>
+                              <p:par>
+                                <p:cTn id="5" presetID="10" presetClass="entr" presetSubtype="0" fill="hold" nodeType="clickEffect">
+                                  <p:stCondLst>
+                                    <p:cond delay="0"/>
+                                  </p:stCondLst>
+                                  <p:childTnLst>
+                                    <p:set>
+                                      <p:cBhvr>
+                                        <p:cTn id="6" dur="1" fill="hold">
+                                          <p:stCondLst>
+                                            <p:cond delay="0"/>
+                                          </p:stCondLst>
+                                        </p:cTn>
+                                        <p:tgtEl>
+                                          <p:spTgt spid="5"/>
+                                        </p:tgtEl>
+                                        <p:attrNameLst>
+                                          <p:attrName>style.visibility</p:attrName>
+                                        </p:attrNameLst>
+                                      </p:cBhvr>
+                                      <p:to>
+                                        <p:strVal val="visible"/>
+                                      </p:to>
+                                    </p:set>
+                                    <p:animEffect transition="in" filter="fade">
+                                      <p:cBhvr>
+                                        <p:cTn id="7" dur="500"/>
+                                        <p:tgtEl>
+                                          <p:spTgt spid="5"/>
+                                        </p:tgtEl>
+                                      </p:cBhvr>
+                                    </p:animEffect>
+                                  </p:childTnLst>
+                                </p:cTn>
+                              </p:par>
+                            </p:childTnLst>
+                          </p:cTn>
+                        </p:par>
+                      </p:childTnLst>
+                    </p:cTn>
+                  </p:par>
+                </p:childTnLst>
+              </p:cTn>
+              <p:prevCondLst>
+                <p:cond evt="onPrev" delay="0">
+                  <p:tgtEl>
+                    <p:sldTgt/>
+                  </p:tgtEl>
+                </p:cond>
+              </p:prevCondLst>
+              <p:nextCondLst>
+                <p:cond evt="onNext" delay="0">
+                  <p:tgtEl>
+                    <p:sldTgt/>
+                  </p:tgtEl>
+                </p:cond>
+              </p:nextCondLst>
+            </p:seq>
+          </p:childTnLst>
+        </p:cTn>
+      </p:par>
+    </p:tnLst>
+  </p:timing>
+</p:sld>
+</file>
+
+<file path=ppt/slides/slide14.xml><?xml version="1.0" encoding="utf-8"?>
 <p:sld xmlns:a="http://schemas.openxmlformats.org/drawingml/2006/main" xmlns:r="http://schemas.openxmlformats.org/officeDocument/2006/relationships" xmlns:p="http://schemas.openxmlformats.org/presentationml/2006/main">
   <p:cSld>
     <p:spTree>
@@ -7359,7 +10298,7 @@
           <a:p>
             <a:fld id="{929262FE-7F58-4A1E-8AF3-5A510A86DEBD}" type="slidenum">
               <a:rPr lang="en-US" smtClean="0"/>
-              <a:t>12</a:t>
+              <a:t>14</a:t>
             </a:fld>
             <a:endParaRPr lang="en-US"/>
           </a:p>
@@ -7378,7 +10317,7 @@
 </p:sld>
 </file>
 
-<file path=ppt/slides/slide13.xml><?xml version="1.0" encoding="utf-8"?>
+<file path=ppt/slides/slide15.xml><?xml version="1.0" encoding="utf-8"?>
 <p:sld xmlns:a="http://schemas.openxmlformats.org/drawingml/2006/main" xmlns:r="http://schemas.openxmlformats.org/officeDocument/2006/relationships" xmlns:p="http://schemas.openxmlformats.org/presentationml/2006/main">
   <p:cSld>
     <p:spTree>
@@ -8791,7 +11730,7 @@
           <a:p>
             <a:fld id="{929262FE-7F58-4A1E-8AF3-5A510A86DEBD}" type="slidenum">
               <a:rPr lang="en-US" smtClean="0"/>
-              <a:t>13</a:t>
+              <a:t>15</a:t>
             </a:fld>
             <a:endParaRPr lang="en-US"/>
           </a:p>
@@ -10684,7 +13623,7 @@
 </p:sld>
 </file>
 
-<file path=ppt/slides/slide14.xml><?xml version="1.0" encoding="utf-8"?>
+<file path=ppt/slides/slide16.xml><?xml version="1.0" encoding="utf-8"?>
 <p:sld xmlns:a="http://schemas.openxmlformats.org/drawingml/2006/main" xmlns:r="http://schemas.openxmlformats.org/officeDocument/2006/relationships" xmlns:p="http://schemas.openxmlformats.org/presentationml/2006/main">
   <p:cSld>
     <p:spTree>
@@ -10758,7 +13697,7 @@
 </p:sld>
 </file>
 
-<file path=ppt/slides/slide15.xml><?xml version="1.0" encoding="utf-8"?>
+<file path=ppt/slides/slide17.xml><?xml version="1.0" encoding="utf-8"?>
 <p:sld xmlns:a="http://schemas.openxmlformats.org/drawingml/2006/main" xmlns:r="http://schemas.openxmlformats.org/officeDocument/2006/relationships" xmlns:p="http://schemas.openxmlformats.org/presentationml/2006/main">
   <p:cSld>
     <p:spTree>
@@ -10845,7 +13784,7 @@
           <a:p>
             <a:fld id="{929262FE-7F58-4A1E-8AF3-5A510A86DEBD}" type="slidenum">
               <a:rPr lang="en-US" smtClean="0"/>
-              <a:t>15</a:t>
+              <a:t>17</a:t>
             </a:fld>
             <a:endParaRPr lang="en-US"/>
           </a:p>
@@ -11973,7 +14912,7 @@
 </p:sld>
 </file>
 
-<file path=ppt/slides/slide16.xml><?xml version="1.0" encoding="utf-8"?>
+<file path=ppt/slides/slide18.xml><?xml version="1.0" encoding="utf-8"?>
 <p:sld xmlns:a="http://schemas.openxmlformats.org/drawingml/2006/main" xmlns:r="http://schemas.openxmlformats.org/officeDocument/2006/relationships" xmlns:p="http://schemas.openxmlformats.org/presentationml/2006/main">
   <p:cSld>
     <p:spTree>
@@ -12060,7 +14999,7 @@
           <a:p>
             <a:fld id="{929262FE-7F58-4A1E-8AF3-5A510A86DEBD}" type="slidenum">
               <a:rPr lang="en-US" smtClean="0"/>
-              <a:t>16</a:t>
+              <a:t>18</a:t>
             </a:fld>
             <a:endParaRPr lang="en-US"/>
           </a:p>
@@ -12126,7 +15065,7 @@
 </p:sld>
 </file>
 
-<file path=ppt/slides/slide17.xml><?xml version="1.0" encoding="utf-8"?>
+<file path=ppt/slides/slide19.xml><?xml version="1.0" encoding="utf-8"?>
 <p:sld xmlns:a="http://schemas.openxmlformats.org/drawingml/2006/main" xmlns:r="http://schemas.openxmlformats.org/officeDocument/2006/relationships" xmlns:p="http://schemas.openxmlformats.org/presentationml/2006/main">
   <p:cSld>
     <p:spTree>
@@ -12213,7 +15152,7 @@
           <a:p>
             <a:fld id="{929262FE-7F58-4A1E-8AF3-5A510A86DEBD}" type="slidenum">
               <a:rPr lang="en-US" smtClean="0"/>
-              <a:t>17</a:t>
+              <a:t>19</a:t>
             </a:fld>
             <a:endParaRPr lang="en-US"/>
           </a:p>
@@ -12270,767 +15209,6 @@
     <p:extLst>
       <p:ext uri="{BB962C8B-B14F-4D97-AF65-F5344CB8AC3E}">
         <p14:creationId xmlns:p14="http://schemas.microsoft.com/office/powerpoint/2010/main" val="1311655685"/>
-      </p:ext>
-    </p:extLst>
-  </p:cSld>
-  <p:clrMapOvr>
-    <a:masterClrMapping/>
-  </p:clrMapOvr>
-</p:sld>
-</file>
-
-<file path=ppt/slides/slide18.xml><?xml version="1.0" encoding="utf-8"?>
-<p:sld xmlns:a="http://schemas.openxmlformats.org/drawingml/2006/main" xmlns:r="http://schemas.openxmlformats.org/officeDocument/2006/relationships" xmlns:p="http://schemas.openxmlformats.org/presentationml/2006/main">
-  <p:cSld>
-    <p:spTree>
-      <p:nvGrpSpPr>
-        <p:cNvPr id="1" name=""/>
-        <p:cNvGrpSpPr/>
-        <p:nvPr/>
-      </p:nvGrpSpPr>
-      <p:grpSpPr>
-        <a:xfrm>
-          <a:off x="0" y="0"/>
-          <a:ext cx="0" cy="0"/>
-          <a:chOff x="0" y="0"/>
-          <a:chExt cx="0" cy="0"/>
-        </a:xfrm>
-      </p:grpSpPr>
-      <p:sp>
-        <p:nvSpPr>
-          <p:cNvPr id="2" name="Title 1"/>
-          <p:cNvSpPr>
-            <a:spLocks noGrp="1"/>
-          </p:cNvSpPr>
-          <p:nvPr>
-            <p:ph type="title"/>
-          </p:nvPr>
-        </p:nvSpPr>
-        <p:spPr/>
-        <p:txBody>
-          <a:bodyPr/>
-          <a:lstStyle/>
-          <a:p>
-            <a:r>
-              <a:rPr lang="en-US" dirty="0"/>
-              <a:t>Worked Example</a:t>
-            </a:r>
-          </a:p>
-        </p:txBody>
-      </p:sp>
-      <p:sp>
-        <p:nvSpPr>
-          <p:cNvPr id="3" name="Content Placeholder 2"/>
-          <p:cNvSpPr>
-            <a:spLocks noGrp="1"/>
-          </p:cNvSpPr>
-          <p:nvPr>
-            <p:ph idx="1"/>
-          </p:nvPr>
-        </p:nvSpPr>
-        <p:spPr>
-          <a:xfrm>
-            <a:off x="457200" y="1600200"/>
-            <a:ext cx="4267200" cy="4190999"/>
-          </a:xfrm>
-        </p:spPr>
-        <p:txBody>
-          <a:bodyPr/>
-          <a:lstStyle/>
-          <a:p>
-            <a:r>
-              <a:rPr lang="en-US" dirty="0"/>
-              <a:t>The shape shown to the right consists of a solid hemisphere on top of a hollowed out cylinder. Determine the centroid coordinates of this volume.</a:t>
-            </a:r>
-          </a:p>
-        </p:txBody>
-      </p:sp>
-      <p:sp>
-        <p:nvSpPr>
-          <p:cNvPr id="4" name="Slide Number Placeholder 3"/>
-          <p:cNvSpPr>
-            <a:spLocks noGrp="1"/>
-          </p:cNvSpPr>
-          <p:nvPr>
-            <p:ph type="sldNum" sz="quarter" idx="12"/>
-          </p:nvPr>
-        </p:nvSpPr>
-        <p:spPr/>
-        <p:txBody>
-          <a:bodyPr/>
-          <a:lstStyle/>
-          <a:p>
-            <a:fld id="{929262FE-7F58-4A1E-8AF3-5A510A86DEBD}" type="slidenum">
-              <a:rPr lang="en-US" smtClean="0"/>
-              <a:t>18</a:t>
-            </a:fld>
-            <a:endParaRPr lang="en-US"/>
-          </a:p>
-        </p:txBody>
-      </p:sp>
-      <p:pic>
-        <p:nvPicPr>
-          <p:cNvPr id="5" name="Picture 2"/>
-          <p:cNvPicPr>
-            <a:picLocks noChangeAspect="1" noChangeArrowheads="1"/>
-          </p:cNvPicPr>
-          <p:nvPr/>
-        </p:nvPicPr>
-        <p:blipFill>
-          <a:blip r:embed="rId2">
-            <a:extLst>
-              <a:ext uri="{28A0092B-C50C-407E-A947-70E740481C1C}">
-                <a14:useLocalDpi xmlns:a14="http://schemas.microsoft.com/office/drawing/2010/main" val="0"/>
-              </a:ext>
-            </a:extLst>
-          </a:blip>
-          <a:srcRect/>
-          <a:stretch>
-            <a:fillRect/>
-          </a:stretch>
-        </p:blipFill>
-        <p:spPr bwMode="auto">
-          <a:xfrm>
-            <a:off x="4724400" y="1447800"/>
-            <a:ext cx="3944387" cy="4395619"/>
-          </a:xfrm>
-          <a:prstGeom prst="rect">
-            <a:avLst/>
-          </a:prstGeom>
-          <a:noFill/>
-          <a:ln>
-            <a:noFill/>
-          </a:ln>
-          <a:extLst>
-            <a:ext uri="{909E8E84-426E-40DD-AFC4-6F175D3DCCD1}">
-              <a14:hiddenFill xmlns:a14="http://schemas.microsoft.com/office/drawing/2010/main">
-                <a:solidFill>
-                  <a:schemeClr val="accent1"/>
-                </a:solidFill>
-              </a14:hiddenFill>
-            </a:ext>
-            <a:ext uri="{91240B29-F687-4F45-9708-019B960494DF}">
-              <a14:hiddenLine xmlns:a14="http://schemas.microsoft.com/office/drawing/2010/main" w="9525">
-                <a:solidFill>
-                  <a:schemeClr val="tx1"/>
-                </a:solidFill>
-                <a:miter lim="800000"/>
-                <a:headEnd/>
-                <a:tailEnd/>
-              </a14:hiddenLine>
-            </a:ext>
-          </a:extLst>
-        </p:spPr>
-      </p:pic>
-    </p:spTree>
-    <p:extLst>
-      <p:ext uri="{BB962C8B-B14F-4D97-AF65-F5344CB8AC3E}">
-        <p14:creationId xmlns:p14="http://schemas.microsoft.com/office/powerpoint/2010/main" val="2957801084"/>
-      </p:ext>
-    </p:extLst>
-  </p:cSld>
-  <p:clrMapOvr>
-    <a:masterClrMapping/>
-  </p:clrMapOvr>
-</p:sld>
-</file>
-
-<file path=ppt/slides/slide19.xml><?xml version="1.0" encoding="utf-8"?>
-<p:sld xmlns:a="http://schemas.openxmlformats.org/drawingml/2006/main" xmlns:r="http://schemas.openxmlformats.org/officeDocument/2006/relationships" xmlns:p="http://schemas.openxmlformats.org/presentationml/2006/main">
-  <p:cSld>
-    <p:spTree>
-      <p:nvGrpSpPr>
-        <p:cNvPr id="1" name=""/>
-        <p:cNvGrpSpPr/>
-        <p:nvPr/>
-      </p:nvGrpSpPr>
-      <p:grpSpPr>
-        <a:xfrm>
-          <a:off x="0" y="0"/>
-          <a:ext cx="0" cy="0"/>
-          <a:chOff x="0" y="0"/>
-          <a:chExt cx="0" cy="0"/>
-        </a:xfrm>
-      </p:grpSpPr>
-      <p:sp>
-        <p:nvSpPr>
-          <p:cNvPr id="2" name="Title 1"/>
-          <p:cNvSpPr>
-            <a:spLocks noGrp="1"/>
-          </p:cNvSpPr>
-          <p:nvPr>
-            <p:ph type="title"/>
-          </p:nvPr>
-        </p:nvSpPr>
-        <p:spPr/>
-        <p:txBody>
-          <a:bodyPr/>
-          <a:lstStyle/>
-          <a:p>
-            <a:r>
-              <a:rPr lang="en-US" dirty="0"/>
-              <a:t>Worked Example</a:t>
-            </a:r>
-          </a:p>
-        </p:txBody>
-      </p:sp>
-      <p:sp>
-        <p:nvSpPr>
-          <p:cNvPr id="3" name="Content Placeholder 2"/>
-          <p:cNvSpPr>
-            <a:spLocks noGrp="1"/>
-          </p:cNvSpPr>
-          <p:nvPr>
-            <p:ph idx="1"/>
-          </p:nvPr>
-        </p:nvSpPr>
-        <p:spPr>
-          <a:xfrm>
-            <a:off x="457200" y="1600201"/>
-            <a:ext cx="8229600" cy="1447800"/>
-          </a:xfrm>
-        </p:spPr>
-        <p:txBody>
-          <a:bodyPr>
-            <a:normAutofit fontScale="85000" lnSpcReduction="20000"/>
-          </a:bodyPr>
-          <a:lstStyle/>
-          <a:p>
-            <a:r>
-              <a:rPr lang="en-US" dirty="0"/>
-              <a:t>A spherical tank with an outside diameter of two meters and a wall thickness of .01 meters is half filled with water. Determine the mass, and the height of the center of mass, for the half-filled tank as shown below.</a:t>
-            </a:r>
-          </a:p>
-        </p:txBody>
-      </p:sp>
-      <p:sp>
-        <p:nvSpPr>
-          <p:cNvPr id="4" name="Slide Number Placeholder 3"/>
-          <p:cNvSpPr>
-            <a:spLocks noGrp="1"/>
-          </p:cNvSpPr>
-          <p:nvPr>
-            <p:ph type="sldNum" sz="quarter" idx="12"/>
-          </p:nvPr>
-        </p:nvSpPr>
-        <p:spPr/>
-        <p:txBody>
-          <a:bodyPr/>
-          <a:lstStyle/>
-          <a:p>
-            <a:fld id="{929262FE-7F58-4A1E-8AF3-5A510A86DEBD}" type="slidenum">
-              <a:rPr lang="en-US" smtClean="0"/>
-              <a:t>19</a:t>
-            </a:fld>
-            <a:endParaRPr lang="en-US"/>
-          </a:p>
-        </p:txBody>
-      </p:sp>
-      <p:sp>
-        <p:nvSpPr>
-          <p:cNvPr id="5" name="Rectangle 4"/>
-          <p:cNvSpPr/>
-          <p:nvPr/>
-        </p:nvSpPr>
-        <p:spPr>
-          <a:xfrm>
-            <a:off x="5998241" y="3808136"/>
-            <a:ext cx="2759986" cy="369332"/>
-          </a:xfrm>
-          <a:prstGeom prst="rect">
-            <a:avLst/>
-          </a:prstGeom>
-          <a:solidFill>
-            <a:schemeClr val="bg1"/>
-          </a:solidFill>
-        </p:spPr>
-        <p:txBody>
-          <a:bodyPr wrap="none">
-            <a:spAutoFit/>
-          </a:bodyPr>
-          <a:lstStyle/>
-          <a:p>
-            <a:r>
-              <a:rPr lang="en-US" dirty="0"/>
-              <a:t>Steel Density = 8050 kg/m</a:t>
-            </a:r>
-            <a:r>
-              <a:rPr lang="en-US" baseline="30000" dirty="0"/>
-              <a:t>3</a:t>
-            </a:r>
-          </a:p>
-        </p:txBody>
-      </p:sp>
-      <p:sp>
-        <p:nvSpPr>
-          <p:cNvPr id="6" name="Rectangle 5"/>
-          <p:cNvSpPr/>
-          <p:nvPr/>
-        </p:nvSpPr>
-        <p:spPr>
-          <a:xfrm>
-            <a:off x="5913899" y="4278266"/>
-            <a:ext cx="2833211" cy="369332"/>
-          </a:xfrm>
-          <a:prstGeom prst="rect">
-            <a:avLst/>
-          </a:prstGeom>
-          <a:solidFill>
-            <a:schemeClr val="bg1"/>
-          </a:solidFill>
-        </p:spPr>
-        <p:txBody>
-          <a:bodyPr wrap="none">
-            <a:spAutoFit/>
-          </a:bodyPr>
-          <a:lstStyle/>
-          <a:p>
-            <a:r>
-              <a:rPr lang="en-US" dirty="0"/>
-              <a:t>Water Density = 1000 kg/m</a:t>
-            </a:r>
-            <a:r>
-              <a:rPr lang="en-US" baseline="30000" dirty="0"/>
-              <a:t>3</a:t>
-            </a:r>
-            <a:endParaRPr lang="en-US" dirty="0"/>
-          </a:p>
-        </p:txBody>
-      </p:sp>
-      <p:sp>
-        <p:nvSpPr>
-          <p:cNvPr id="7" name="Rectangle 6"/>
-          <p:cNvSpPr/>
-          <p:nvPr/>
-        </p:nvSpPr>
-        <p:spPr>
-          <a:xfrm>
-            <a:off x="346376" y="4139767"/>
-            <a:ext cx="1388522" cy="646331"/>
-          </a:xfrm>
-          <a:prstGeom prst="rect">
-            <a:avLst/>
-          </a:prstGeom>
-          <a:solidFill>
-            <a:schemeClr val="bg1"/>
-          </a:solidFill>
-        </p:spPr>
-        <p:txBody>
-          <a:bodyPr wrap="none">
-            <a:spAutoFit/>
-          </a:bodyPr>
-          <a:lstStyle/>
-          <a:p>
-            <a:r>
-              <a:rPr lang="en-US" dirty="0">
-                <a:solidFill>
-                  <a:srgbClr val="0070C0"/>
-                </a:solidFill>
-              </a:rPr>
-              <a:t>Thickness of </a:t>
-            </a:r>
-          </a:p>
-          <a:p>
-            <a:r>
-              <a:rPr lang="en-US" dirty="0">
-                <a:solidFill>
-                  <a:srgbClr val="0070C0"/>
-                </a:solidFill>
-              </a:rPr>
-              <a:t>tank = .01 m</a:t>
-            </a:r>
-          </a:p>
-        </p:txBody>
-      </p:sp>
-      <p:sp>
-        <p:nvSpPr>
-          <p:cNvPr id="8" name="Oval 7"/>
-          <p:cNvSpPr/>
-          <p:nvPr/>
-        </p:nvSpPr>
-        <p:spPr>
-          <a:xfrm>
-            <a:off x="3170699" y="3657600"/>
-            <a:ext cx="2743200" cy="2743200"/>
-          </a:xfrm>
-          <a:prstGeom prst="ellipse">
-            <a:avLst/>
-          </a:prstGeom>
-        </p:spPr>
-        <p:style>
-          <a:lnRef idx="1">
-            <a:schemeClr val="dk1"/>
-          </a:lnRef>
-          <a:fillRef idx="2">
-            <a:schemeClr val="dk1"/>
-          </a:fillRef>
-          <a:effectRef idx="1">
-            <a:schemeClr val="dk1"/>
-          </a:effectRef>
-          <a:fontRef idx="minor">
-            <a:schemeClr val="dk1"/>
-          </a:fontRef>
-        </p:style>
-        <p:txBody>
-          <a:bodyPr rtlCol="0" anchor="ctr"/>
-          <a:lstStyle/>
-          <a:p>
-            <a:pPr algn="ctr"/>
-            <a:endParaRPr lang="en-US"/>
-          </a:p>
-        </p:txBody>
-      </p:sp>
-      <p:sp>
-        <p:nvSpPr>
-          <p:cNvPr id="9" name="Oval 8"/>
-          <p:cNvSpPr/>
-          <p:nvPr/>
-        </p:nvSpPr>
-        <p:spPr>
-          <a:xfrm>
-            <a:off x="3216419" y="3703320"/>
-            <a:ext cx="2651760" cy="2651760"/>
-          </a:xfrm>
-          <a:prstGeom prst="ellipse">
-            <a:avLst/>
-          </a:prstGeom>
-          <a:solidFill>
-            <a:schemeClr val="bg1"/>
-          </a:solidFill>
-          <a:ln>
-            <a:prstDash val="lgDash"/>
-          </a:ln>
-        </p:spPr>
-        <p:style>
-          <a:lnRef idx="1">
-            <a:schemeClr val="dk1"/>
-          </a:lnRef>
-          <a:fillRef idx="2">
-            <a:schemeClr val="dk1"/>
-          </a:fillRef>
-          <a:effectRef idx="1">
-            <a:schemeClr val="dk1"/>
-          </a:effectRef>
-          <a:fontRef idx="minor">
-            <a:schemeClr val="dk1"/>
-          </a:fontRef>
-        </p:style>
-        <p:txBody>
-          <a:bodyPr rtlCol="0" anchor="ctr"/>
-          <a:lstStyle/>
-          <a:p>
-            <a:pPr algn="ctr"/>
-            <a:endParaRPr lang="en-US"/>
-          </a:p>
-        </p:txBody>
-      </p:sp>
-      <p:sp>
-        <p:nvSpPr>
-          <p:cNvPr id="10" name="Chord 9"/>
-          <p:cNvSpPr/>
-          <p:nvPr/>
-        </p:nvSpPr>
-        <p:spPr>
-          <a:xfrm>
-            <a:off x="3216419" y="3703320"/>
-            <a:ext cx="2651760" cy="2651760"/>
-          </a:xfrm>
-          <a:prstGeom prst="chord">
-            <a:avLst>
-              <a:gd name="adj1" fmla="val 21520887"/>
-              <a:gd name="adj2" fmla="val 10906445"/>
-            </a:avLst>
-          </a:prstGeom>
-          <a:solidFill>
-            <a:schemeClr val="accent1">
-              <a:lumMod val="40000"/>
-              <a:lumOff val="60000"/>
-            </a:schemeClr>
-          </a:solidFill>
-          <a:ln>
-            <a:noFill/>
-          </a:ln>
-        </p:spPr>
-        <p:style>
-          <a:lnRef idx="2">
-            <a:schemeClr val="accent1">
-              <a:shade val="50000"/>
-            </a:schemeClr>
-          </a:lnRef>
-          <a:fillRef idx="1">
-            <a:schemeClr val="accent1"/>
-          </a:fillRef>
-          <a:effectRef idx="0">
-            <a:schemeClr val="accent1"/>
-          </a:effectRef>
-          <a:fontRef idx="minor">
-            <a:schemeClr val="lt1"/>
-          </a:fontRef>
-        </p:style>
-        <p:txBody>
-          <a:bodyPr rtlCol="0" anchor="ctr"/>
-          <a:lstStyle/>
-          <a:p>
-            <a:pPr algn="ctr"/>
-            <a:endParaRPr lang="en-US"/>
-          </a:p>
-        </p:txBody>
-      </p:sp>
-      <p:cxnSp>
-        <p:nvCxnSpPr>
-          <p:cNvPr id="11" name="Straight Connector 10"/>
-          <p:cNvCxnSpPr/>
-          <p:nvPr/>
-        </p:nvCxnSpPr>
-        <p:spPr>
-          <a:xfrm>
-            <a:off x="3170699" y="3352800"/>
-            <a:ext cx="2743200" cy="0"/>
-          </a:xfrm>
-          <a:prstGeom prst="line">
-            <a:avLst/>
-          </a:prstGeom>
-        </p:spPr>
-        <p:style>
-          <a:lnRef idx="1">
-            <a:schemeClr val="accent1"/>
-          </a:lnRef>
-          <a:fillRef idx="0">
-            <a:schemeClr val="accent1"/>
-          </a:fillRef>
-          <a:effectRef idx="0">
-            <a:schemeClr val="accent1"/>
-          </a:effectRef>
-          <a:fontRef idx="minor">
-            <a:schemeClr val="tx1"/>
-          </a:fontRef>
-        </p:style>
-      </p:cxnSp>
-      <p:sp>
-        <p:nvSpPr>
-          <p:cNvPr id="12" name="Rectangle 11"/>
-          <p:cNvSpPr/>
-          <p:nvPr/>
-        </p:nvSpPr>
-        <p:spPr>
-          <a:xfrm>
-            <a:off x="4261670" y="3168134"/>
-            <a:ext cx="538930" cy="369332"/>
-          </a:xfrm>
-          <a:prstGeom prst="rect">
-            <a:avLst/>
-          </a:prstGeom>
-          <a:solidFill>
-            <a:schemeClr val="bg1"/>
-          </a:solidFill>
-        </p:spPr>
-        <p:txBody>
-          <a:bodyPr wrap="none">
-            <a:spAutoFit/>
-          </a:bodyPr>
-          <a:lstStyle/>
-          <a:p>
-            <a:r>
-              <a:rPr lang="en-US" dirty="0">
-                <a:solidFill>
-                  <a:srgbClr val="0070C0"/>
-                </a:solidFill>
-              </a:rPr>
-              <a:t>2 m</a:t>
-            </a:r>
-          </a:p>
-        </p:txBody>
-      </p:sp>
-      <p:cxnSp>
-        <p:nvCxnSpPr>
-          <p:cNvPr id="13" name="Straight Connector 12"/>
-          <p:cNvCxnSpPr/>
-          <p:nvPr/>
-        </p:nvCxnSpPr>
-        <p:spPr>
-          <a:xfrm>
-            <a:off x="3170699" y="3022193"/>
-            <a:ext cx="0" cy="1763905"/>
-          </a:xfrm>
-          <a:prstGeom prst="line">
-            <a:avLst/>
-          </a:prstGeom>
-        </p:spPr>
-        <p:style>
-          <a:lnRef idx="1">
-            <a:schemeClr val="accent1"/>
-          </a:lnRef>
-          <a:fillRef idx="0">
-            <a:schemeClr val="accent1"/>
-          </a:fillRef>
-          <a:effectRef idx="0">
-            <a:schemeClr val="accent1"/>
-          </a:effectRef>
-          <a:fontRef idx="minor">
-            <a:schemeClr val="tx1"/>
-          </a:fontRef>
-        </p:style>
-      </p:cxnSp>
-      <p:cxnSp>
-        <p:nvCxnSpPr>
-          <p:cNvPr id="14" name="Straight Connector 13"/>
-          <p:cNvCxnSpPr/>
-          <p:nvPr/>
-        </p:nvCxnSpPr>
-        <p:spPr>
-          <a:xfrm>
-            <a:off x="5913899" y="3022193"/>
-            <a:ext cx="0" cy="1763905"/>
-          </a:xfrm>
-          <a:prstGeom prst="line">
-            <a:avLst/>
-          </a:prstGeom>
-        </p:spPr>
-        <p:style>
-          <a:lnRef idx="1">
-            <a:schemeClr val="accent1"/>
-          </a:lnRef>
-          <a:fillRef idx="0">
-            <a:schemeClr val="accent1"/>
-          </a:fillRef>
-          <a:effectRef idx="0">
-            <a:schemeClr val="accent1"/>
-          </a:effectRef>
-          <a:fontRef idx="minor">
-            <a:schemeClr val="tx1"/>
-          </a:fontRef>
-        </p:style>
-      </p:cxnSp>
-      <p:cxnSp>
-        <p:nvCxnSpPr>
-          <p:cNvPr id="15" name="Straight Arrow Connector 14"/>
-          <p:cNvCxnSpPr/>
-          <p:nvPr/>
-        </p:nvCxnSpPr>
-        <p:spPr>
-          <a:xfrm>
-            <a:off x="4542299" y="6400800"/>
-            <a:ext cx="609600" cy="5834"/>
-          </a:xfrm>
-          <a:prstGeom prst="straightConnector1">
-            <a:avLst/>
-          </a:prstGeom>
-          <a:ln>
-            <a:tailEnd type="arrow"/>
-          </a:ln>
-        </p:spPr>
-        <p:style>
-          <a:lnRef idx="2">
-            <a:schemeClr val="dk1"/>
-          </a:lnRef>
-          <a:fillRef idx="0">
-            <a:schemeClr val="dk1"/>
-          </a:fillRef>
-          <a:effectRef idx="1">
-            <a:schemeClr val="dk1"/>
-          </a:effectRef>
-          <a:fontRef idx="minor">
-            <a:schemeClr val="tx1"/>
-          </a:fontRef>
-        </p:style>
-      </p:cxnSp>
-      <p:sp>
-        <p:nvSpPr>
-          <p:cNvPr id="16" name="TextBox 15"/>
-          <p:cNvSpPr txBox="1"/>
-          <p:nvPr/>
-        </p:nvSpPr>
-        <p:spPr>
-          <a:xfrm>
-            <a:off x="5185652" y="6428303"/>
-            <a:ext cx="338554" cy="369332"/>
-          </a:xfrm>
-          <a:prstGeom prst="rect">
-            <a:avLst/>
-          </a:prstGeom>
-          <a:noFill/>
-        </p:spPr>
-        <p:txBody>
-          <a:bodyPr wrap="none" rtlCol="0">
-            <a:spAutoFit/>
-          </a:bodyPr>
-          <a:lstStyle/>
-          <a:p>
-            <a:r>
-              <a:rPr lang="en-US" b="1" dirty="0"/>
-              <a:t>X</a:t>
-            </a:r>
-            <a:endParaRPr lang="en-US" dirty="0"/>
-          </a:p>
-        </p:txBody>
-      </p:sp>
-      <p:cxnSp>
-        <p:nvCxnSpPr>
-          <p:cNvPr id="17" name="Straight Arrow Connector 16"/>
-          <p:cNvCxnSpPr/>
-          <p:nvPr/>
-        </p:nvCxnSpPr>
-        <p:spPr>
-          <a:xfrm flipV="1">
-            <a:off x="4531413" y="5679817"/>
-            <a:ext cx="0" cy="720983"/>
-          </a:xfrm>
-          <a:prstGeom prst="straightConnector1">
-            <a:avLst/>
-          </a:prstGeom>
-          <a:ln>
-            <a:tailEnd type="arrow"/>
-          </a:ln>
-        </p:spPr>
-        <p:style>
-          <a:lnRef idx="2">
-            <a:schemeClr val="dk1"/>
-          </a:lnRef>
-          <a:fillRef idx="0">
-            <a:schemeClr val="dk1"/>
-          </a:fillRef>
-          <a:effectRef idx="1">
-            <a:schemeClr val="dk1"/>
-          </a:effectRef>
-          <a:fontRef idx="minor">
-            <a:schemeClr val="tx1"/>
-          </a:fontRef>
-        </p:style>
-      </p:cxnSp>
-      <p:sp>
-        <p:nvSpPr>
-          <p:cNvPr id="18" name="TextBox 17"/>
-          <p:cNvSpPr txBox="1"/>
-          <p:nvPr/>
-        </p:nvSpPr>
-        <p:spPr>
-          <a:xfrm>
-            <a:off x="4362136" y="5194087"/>
-            <a:ext cx="338554" cy="369332"/>
-          </a:xfrm>
-          <a:prstGeom prst="rect">
-            <a:avLst/>
-          </a:prstGeom>
-          <a:noFill/>
-        </p:spPr>
-        <p:txBody>
-          <a:bodyPr wrap="none" rtlCol="0">
-            <a:spAutoFit/>
-          </a:bodyPr>
-          <a:lstStyle/>
-          <a:p>
-            <a:r>
-              <a:rPr lang="en-US" b="1" dirty="0"/>
-              <a:t>Z</a:t>
-            </a:r>
-            <a:endParaRPr lang="en-US" dirty="0"/>
-          </a:p>
-        </p:txBody>
-      </p:sp>
-    </p:spTree>
-    <p:extLst>
-      <p:ext uri="{BB962C8B-B14F-4D97-AF65-F5344CB8AC3E}">
-        <p14:creationId xmlns:p14="http://schemas.microsoft.com/office/powerpoint/2010/main" val="1486813351"/>
       </p:ext>
     </p:extLst>
   </p:cSld>
@@ -13461,6 +15639,767 @@
       <p:bldP spid="3" grpId="0" uiExpand="1" build="p"/>
     </p:bldLst>
   </p:timing>
+</p:sld>
+</file>
+
+<file path=ppt/slides/slide20.xml><?xml version="1.0" encoding="utf-8"?>
+<p:sld xmlns:a="http://schemas.openxmlformats.org/drawingml/2006/main" xmlns:r="http://schemas.openxmlformats.org/officeDocument/2006/relationships" xmlns:p="http://schemas.openxmlformats.org/presentationml/2006/main">
+  <p:cSld>
+    <p:spTree>
+      <p:nvGrpSpPr>
+        <p:cNvPr id="1" name=""/>
+        <p:cNvGrpSpPr/>
+        <p:nvPr/>
+      </p:nvGrpSpPr>
+      <p:grpSpPr>
+        <a:xfrm>
+          <a:off x="0" y="0"/>
+          <a:ext cx="0" cy="0"/>
+          <a:chOff x="0" y="0"/>
+          <a:chExt cx="0" cy="0"/>
+        </a:xfrm>
+      </p:grpSpPr>
+      <p:sp>
+        <p:nvSpPr>
+          <p:cNvPr id="2" name="Title 1"/>
+          <p:cNvSpPr>
+            <a:spLocks noGrp="1"/>
+          </p:cNvSpPr>
+          <p:nvPr>
+            <p:ph type="title"/>
+          </p:nvPr>
+        </p:nvSpPr>
+        <p:spPr/>
+        <p:txBody>
+          <a:bodyPr/>
+          <a:lstStyle/>
+          <a:p>
+            <a:r>
+              <a:rPr lang="en-US" dirty="0"/>
+              <a:t>Worked Example</a:t>
+            </a:r>
+          </a:p>
+        </p:txBody>
+      </p:sp>
+      <p:sp>
+        <p:nvSpPr>
+          <p:cNvPr id="3" name="Content Placeholder 2"/>
+          <p:cNvSpPr>
+            <a:spLocks noGrp="1"/>
+          </p:cNvSpPr>
+          <p:nvPr>
+            <p:ph idx="1"/>
+          </p:nvPr>
+        </p:nvSpPr>
+        <p:spPr>
+          <a:xfrm>
+            <a:off x="457200" y="1600200"/>
+            <a:ext cx="4267200" cy="4190999"/>
+          </a:xfrm>
+        </p:spPr>
+        <p:txBody>
+          <a:bodyPr/>
+          <a:lstStyle/>
+          <a:p>
+            <a:r>
+              <a:rPr lang="en-US" dirty="0"/>
+              <a:t>The shape shown to the right consists of a solid hemisphere on top of a hollowed out cylinder. Determine the centroid coordinates of this volume.</a:t>
+            </a:r>
+          </a:p>
+        </p:txBody>
+      </p:sp>
+      <p:sp>
+        <p:nvSpPr>
+          <p:cNvPr id="4" name="Slide Number Placeholder 3"/>
+          <p:cNvSpPr>
+            <a:spLocks noGrp="1"/>
+          </p:cNvSpPr>
+          <p:nvPr>
+            <p:ph type="sldNum" sz="quarter" idx="12"/>
+          </p:nvPr>
+        </p:nvSpPr>
+        <p:spPr/>
+        <p:txBody>
+          <a:bodyPr/>
+          <a:lstStyle/>
+          <a:p>
+            <a:fld id="{929262FE-7F58-4A1E-8AF3-5A510A86DEBD}" type="slidenum">
+              <a:rPr lang="en-US" smtClean="0"/>
+              <a:t>20</a:t>
+            </a:fld>
+            <a:endParaRPr lang="en-US"/>
+          </a:p>
+        </p:txBody>
+      </p:sp>
+      <p:pic>
+        <p:nvPicPr>
+          <p:cNvPr id="5" name="Picture 2"/>
+          <p:cNvPicPr>
+            <a:picLocks noChangeAspect="1" noChangeArrowheads="1"/>
+          </p:cNvPicPr>
+          <p:nvPr/>
+        </p:nvPicPr>
+        <p:blipFill>
+          <a:blip r:embed="rId2">
+            <a:extLst>
+              <a:ext uri="{28A0092B-C50C-407E-A947-70E740481C1C}">
+                <a14:useLocalDpi xmlns:a14="http://schemas.microsoft.com/office/drawing/2010/main" val="0"/>
+              </a:ext>
+            </a:extLst>
+          </a:blip>
+          <a:srcRect/>
+          <a:stretch>
+            <a:fillRect/>
+          </a:stretch>
+        </p:blipFill>
+        <p:spPr bwMode="auto">
+          <a:xfrm>
+            <a:off x="4724400" y="1447800"/>
+            <a:ext cx="3944387" cy="4395619"/>
+          </a:xfrm>
+          <a:prstGeom prst="rect">
+            <a:avLst/>
+          </a:prstGeom>
+          <a:noFill/>
+          <a:ln>
+            <a:noFill/>
+          </a:ln>
+          <a:extLst>
+            <a:ext uri="{909E8E84-426E-40DD-AFC4-6F175D3DCCD1}">
+              <a14:hiddenFill xmlns:a14="http://schemas.microsoft.com/office/drawing/2010/main">
+                <a:solidFill>
+                  <a:schemeClr val="accent1"/>
+                </a:solidFill>
+              </a14:hiddenFill>
+            </a:ext>
+            <a:ext uri="{91240B29-F687-4F45-9708-019B960494DF}">
+              <a14:hiddenLine xmlns:a14="http://schemas.microsoft.com/office/drawing/2010/main" w="9525">
+                <a:solidFill>
+                  <a:schemeClr val="tx1"/>
+                </a:solidFill>
+                <a:miter lim="800000"/>
+                <a:headEnd/>
+                <a:tailEnd/>
+              </a14:hiddenLine>
+            </a:ext>
+          </a:extLst>
+        </p:spPr>
+      </p:pic>
+    </p:spTree>
+    <p:extLst>
+      <p:ext uri="{BB962C8B-B14F-4D97-AF65-F5344CB8AC3E}">
+        <p14:creationId xmlns:p14="http://schemas.microsoft.com/office/powerpoint/2010/main" val="2957801084"/>
+      </p:ext>
+    </p:extLst>
+  </p:cSld>
+  <p:clrMapOvr>
+    <a:masterClrMapping/>
+  </p:clrMapOvr>
+</p:sld>
+</file>
+
+<file path=ppt/slides/slide21.xml><?xml version="1.0" encoding="utf-8"?>
+<p:sld xmlns:a="http://schemas.openxmlformats.org/drawingml/2006/main" xmlns:r="http://schemas.openxmlformats.org/officeDocument/2006/relationships" xmlns:p="http://schemas.openxmlformats.org/presentationml/2006/main">
+  <p:cSld>
+    <p:spTree>
+      <p:nvGrpSpPr>
+        <p:cNvPr id="1" name=""/>
+        <p:cNvGrpSpPr/>
+        <p:nvPr/>
+      </p:nvGrpSpPr>
+      <p:grpSpPr>
+        <a:xfrm>
+          <a:off x="0" y="0"/>
+          <a:ext cx="0" cy="0"/>
+          <a:chOff x="0" y="0"/>
+          <a:chExt cx="0" cy="0"/>
+        </a:xfrm>
+      </p:grpSpPr>
+      <p:sp>
+        <p:nvSpPr>
+          <p:cNvPr id="2" name="Title 1"/>
+          <p:cNvSpPr>
+            <a:spLocks noGrp="1"/>
+          </p:cNvSpPr>
+          <p:nvPr>
+            <p:ph type="title"/>
+          </p:nvPr>
+        </p:nvSpPr>
+        <p:spPr/>
+        <p:txBody>
+          <a:bodyPr/>
+          <a:lstStyle/>
+          <a:p>
+            <a:r>
+              <a:rPr lang="en-US" dirty="0"/>
+              <a:t>Worked Example</a:t>
+            </a:r>
+          </a:p>
+        </p:txBody>
+      </p:sp>
+      <p:sp>
+        <p:nvSpPr>
+          <p:cNvPr id="3" name="Content Placeholder 2"/>
+          <p:cNvSpPr>
+            <a:spLocks noGrp="1"/>
+          </p:cNvSpPr>
+          <p:nvPr>
+            <p:ph idx="1"/>
+          </p:nvPr>
+        </p:nvSpPr>
+        <p:spPr>
+          <a:xfrm>
+            <a:off x="457200" y="1600201"/>
+            <a:ext cx="8229600" cy="1447800"/>
+          </a:xfrm>
+        </p:spPr>
+        <p:txBody>
+          <a:bodyPr>
+            <a:normAutofit fontScale="85000" lnSpcReduction="20000"/>
+          </a:bodyPr>
+          <a:lstStyle/>
+          <a:p>
+            <a:r>
+              <a:rPr lang="en-US" dirty="0"/>
+              <a:t>A spherical tank with an outside diameter of two meters and a wall thickness of .01 meters is half filled with water. Determine the mass, and the height of the center of mass, for the half-filled tank as shown below.</a:t>
+            </a:r>
+          </a:p>
+        </p:txBody>
+      </p:sp>
+      <p:sp>
+        <p:nvSpPr>
+          <p:cNvPr id="4" name="Slide Number Placeholder 3"/>
+          <p:cNvSpPr>
+            <a:spLocks noGrp="1"/>
+          </p:cNvSpPr>
+          <p:nvPr>
+            <p:ph type="sldNum" sz="quarter" idx="12"/>
+          </p:nvPr>
+        </p:nvSpPr>
+        <p:spPr/>
+        <p:txBody>
+          <a:bodyPr/>
+          <a:lstStyle/>
+          <a:p>
+            <a:fld id="{929262FE-7F58-4A1E-8AF3-5A510A86DEBD}" type="slidenum">
+              <a:rPr lang="en-US" smtClean="0"/>
+              <a:t>21</a:t>
+            </a:fld>
+            <a:endParaRPr lang="en-US"/>
+          </a:p>
+        </p:txBody>
+      </p:sp>
+      <p:sp>
+        <p:nvSpPr>
+          <p:cNvPr id="5" name="Rectangle 4"/>
+          <p:cNvSpPr/>
+          <p:nvPr/>
+        </p:nvSpPr>
+        <p:spPr>
+          <a:xfrm>
+            <a:off x="5998241" y="3808136"/>
+            <a:ext cx="2759986" cy="369332"/>
+          </a:xfrm>
+          <a:prstGeom prst="rect">
+            <a:avLst/>
+          </a:prstGeom>
+          <a:solidFill>
+            <a:schemeClr val="bg1"/>
+          </a:solidFill>
+        </p:spPr>
+        <p:txBody>
+          <a:bodyPr wrap="none">
+            <a:spAutoFit/>
+          </a:bodyPr>
+          <a:lstStyle/>
+          <a:p>
+            <a:r>
+              <a:rPr lang="en-US" dirty="0"/>
+              <a:t>Steel Density = 8050 kg/m</a:t>
+            </a:r>
+            <a:r>
+              <a:rPr lang="en-US" baseline="30000" dirty="0"/>
+              <a:t>3</a:t>
+            </a:r>
+          </a:p>
+        </p:txBody>
+      </p:sp>
+      <p:sp>
+        <p:nvSpPr>
+          <p:cNvPr id="6" name="Rectangle 5"/>
+          <p:cNvSpPr/>
+          <p:nvPr/>
+        </p:nvSpPr>
+        <p:spPr>
+          <a:xfrm>
+            <a:off x="5913899" y="4278266"/>
+            <a:ext cx="2833211" cy="369332"/>
+          </a:xfrm>
+          <a:prstGeom prst="rect">
+            <a:avLst/>
+          </a:prstGeom>
+          <a:solidFill>
+            <a:schemeClr val="bg1"/>
+          </a:solidFill>
+        </p:spPr>
+        <p:txBody>
+          <a:bodyPr wrap="none">
+            <a:spAutoFit/>
+          </a:bodyPr>
+          <a:lstStyle/>
+          <a:p>
+            <a:r>
+              <a:rPr lang="en-US" dirty="0"/>
+              <a:t>Water Density = 1000 kg/m</a:t>
+            </a:r>
+            <a:r>
+              <a:rPr lang="en-US" baseline="30000" dirty="0"/>
+              <a:t>3</a:t>
+            </a:r>
+            <a:endParaRPr lang="en-US" dirty="0"/>
+          </a:p>
+        </p:txBody>
+      </p:sp>
+      <p:sp>
+        <p:nvSpPr>
+          <p:cNvPr id="7" name="Rectangle 6"/>
+          <p:cNvSpPr/>
+          <p:nvPr/>
+        </p:nvSpPr>
+        <p:spPr>
+          <a:xfrm>
+            <a:off x="346376" y="4139767"/>
+            <a:ext cx="1388522" cy="646331"/>
+          </a:xfrm>
+          <a:prstGeom prst="rect">
+            <a:avLst/>
+          </a:prstGeom>
+          <a:solidFill>
+            <a:schemeClr val="bg1"/>
+          </a:solidFill>
+        </p:spPr>
+        <p:txBody>
+          <a:bodyPr wrap="none">
+            <a:spAutoFit/>
+          </a:bodyPr>
+          <a:lstStyle/>
+          <a:p>
+            <a:r>
+              <a:rPr lang="en-US" dirty="0">
+                <a:solidFill>
+                  <a:srgbClr val="0070C0"/>
+                </a:solidFill>
+              </a:rPr>
+              <a:t>Thickness of </a:t>
+            </a:r>
+          </a:p>
+          <a:p>
+            <a:r>
+              <a:rPr lang="en-US" dirty="0">
+                <a:solidFill>
+                  <a:srgbClr val="0070C0"/>
+                </a:solidFill>
+              </a:rPr>
+              <a:t>tank = .01 m</a:t>
+            </a:r>
+          </a:p>
+        </p:txBody>
+      </p:sp>
+      <p:sp>
+        <p:nvSpPr>
+          <p:cNvPr id="8" name="Oval 7"/>
+          <p:cNvSpPr/>
+          <p:nvPr/>
+        </p:nvSpPr>
+        <p:spPr>
+          <a:xfrm>
+            <a:off x="3170699" y="3657600"/>
+            <a:ext cx="2743200" cy="2743200"/>
+          </a:xfrm>
+          <a:prstGeom prst="ellipse">
+            <a:avLst/>
+          </a:prstGeom>
+        </p:spPr>
+        <p:style>
+          <a:lnRef idx="1">
+            <a:schemeClr val="dk1"/>
+          </a:lnRef>
+          <a:fillRef idx="2">
+            <a:schemeClr val="dk1"/>
+          </a:fillRef>
+          <a:effectRef idx="1">
+            <a:schemeClr val="dk1"/>
+          </a:effectRef>
+          <a:fontRef idx="minor">
+            <a:schemeClr val="dk1"/>
+          </a:fontRef>
+        </p:style>
+        <p:txBody>
+          <a:bodyPr rtlCol="0" anchor="ctr"/>
+          <a:lstStyle/>
+          <a:p>
+            <a:pPr algn="ctr"/>
+            <a:endParaRPr lang="en-US"/>
+          </a:p>
+        </p:txBody>
+      </p:sp>
+      <p:sp>
+        <p:nvSpPr>
+          <p:cNvPr id="9" name="Oval 8"/>
+          <p:cNvSpPr/>
+          <p:nvPr/>
+        </p:nvSpPr>
+        <p:spPr>
+          <a:xfrm>
+            <a:off x="3216419" y="3703320"/>
+            <a:ext cx="2651760" cy="2651760"/>
+          </a:xfrm>
+          <a:prstGeom prst="ellipse">
+            <a:avLst/>
+          </a:prstGeom>
+          <a:solidFill>
+            <a:schemeClr val="bg1"/>
+          </a:solidFill>
+          <a:ln>
+            <a:prstDash val="lgDash"/>
+          </a:ln>
+        </p:spPr>
+        <p:style>
+          <a:lnRef idx="1">
+            <a:schemeClr val="dk1"/>
+          </a:lnRef>
+          <a:fillRef idx="2">
+            <a:schemeClr val="dk1"/>
+          </a:fillRef>
+          <a:effectRef idx="1">
+            <a:schemeClr val="dk1"/>
+          </a:effectRef>
+          <a:fontRef idx="minor">
+            <a:schemeClr val="dk1"/>
+          </a:fontRef>
+        </p:style>
+        <p:txBody>
+          <a:bodyPr rtlCol="0" anchor="ctr"/>
+          <a:lstStyle/>
+          <a:p>
+            <a:pPr algn="ctr"/>
+            <a:endParaRPr lang="en-US"/>
+          </a:p>
+        </p:txBody>
+      </p:sp>
+      <p:sp>
+        <p:nvSpPr>
+          <p:cNvPr id="10" name="Chord 9"/>
+          <p:cNvSpPr/>
+          <p:nvPr/>
+        </p:nvSpPr>
+        <p:spPr>
+          <a:xfrm>
+            <a:off x="3216419" y="3703320"/>
+            <a:ext cx="2651760" cy="2651760"/>
+          </a:xfrm>
+          <a:prstGeom prst="chord">
+            <a:avLst>
+              <a:gd name="adj1" fmla="val 21520887"/>
+              <a:gd name="adj2" fmla="val 10906445"/>
+            </a:avLst>
+          </a:prstGeom>
+          <a:solidFill>
+            <a:schemeClr val="accent1">
+              <a:lumMod val="40000"/>
+              <a:lumOff val="60000"/>
+            </a:schemeClr>
+          </a:solidFill>
+          <a:ln>
+            <a:noFill/>
+          </a:ln>
+        </p:spPr>
+        <p:style>
+          <a:lnRef idx="2">
+            <a:schemeClr val="accent1">
+              <a:shade val="50000"/>
+            </a:schemeClr>
+          </a:lnRef>
+          <a:fillRef idx="1">
+            <a:schemeClr val="accent1"/>
+          </a:fillRef>
+          <a:effectRef idx="0">
+            <a:schemeClr val="accent1"/>
+          </a:effectRef>
+          <a:fontRef idx="minor">
+            <a:schemeClr val="lt1"/>
+          </a:fontRef>
+        </p:style>
+        <p:txBody>
+          <a:bodyPr rtlCol="0" anchor="ctr"/>
+          <a:lstStyle/>
+          <a:p>
+            <a:pPr algn="ctr"/>
+            <a:endParaRPr lang="en-US"/>
+          </a:p>
+        </p:txBody>
+      </p:sp>
+      <p:cxnSp>
+        <p:nvCxnSpPr>
+          <p:cNvPr id="11" name="Straight Connector 10"/>
+          <p:cNvCxnSpPr/>
+          <p:nvPr/>
+        </p:nvCxnSpPr>
+        <p:spPr>
+          <a:xfrm>
+            <a:off x="3170699" y="3352800"/>
+            <a:ext cx="2743200" cy="0"/>
+          </a:xfrm>
+          <a:prstGeom prst="line">
+            <a:avLst/>
+          </a:prstGeom>
+        </p:spPr>
+        <p:style>
+          <a:lnRef idx="1">
+            <a:schemeClr val="accent1"/>
+          </a:lnRef>
+          <a:fillRef idx="0">
+            <a:schemeClr val="accent1"/>
+          </a:fillRef>
+          <a:effectRef idx="0">
+            <a:schemeClr val="accent1"/>
+          </a:effectRef>
+          <a:fontRef idx="minor">
+            <a:schemeClr val="tx1"/>
+          </a:fontRef>
+        </p:style>
+      </p:cxnSp>
+      <p:sp>
+        <p:nvSpPr>
+          <p:cNvPr id="12" name="Rectangle 11"/>
+          <p:cNvSpPr/>
+          <p:nvPr/>
+        </p:nvSpPr>
+        <p:spPr>
+          <a:xfrm>
+            <a:off x="4261670" y="3168134"/>
+            <a:ext cx="538930" cy="369332"/>
+          </a:xfrm>
+          <a:prstGeom prst="rect">
+            <a:avLst/>
+          </a:prstGeom>
+          <a:solidFill>
+            <a:schemeClr val="bg1"/>
+          </a:solidFill>
+        </p:spPr>
+        <p:txBody>
+          <a:bodyPr wrap="none">
+            <a:spAutoFit/>
+          </a:bodyPr>
+          <a:lstStyle/>
+          <a:p>
+            <a:r>
+              <a:rPr lang="en-US" dirty="0">
+                <a:solidFill>
+                  <a:srgbClr val="0070C0"/>
+                </a:solidFill>
+              </a:rPr>
+              <a:t>2 m</a:t>
+            </a:r>
+          </a:p>
+        </p:txBody>
+      </p:sp>
+      <p:cxnSp>
+        <p:nvCxnSpPr>
+          <p:cNvPr id="13" name="Straight Connector 12"/>
+          <p:cNvCxnSpPr/>
+          <p:nvPr/>
+        </p:nvCxnSpPr>
+        <p:spPr>
+          <a:xfrm>
+            <a:off x="3170699" y="3022193"/>
+            <a:ext cx="0" cy="1763905"/>
+          </a:xfrm>
+          <a:prstGeom prst="line">
+            <a:avLst/>
+          </a:prstGeom>
+        </p:spPr>
+        <p:style>
+          <a:lnRef idx="1">
+            <a:schemeClr val="accent1"/>
+          </a:lnRef>
+          <a:fillRef idx="0">
+            <a:schemeClr val="accent1"/>
+          </a:fillRef>
+          <a:effectRef idx="0">
+            <a:schemeClr val="accent1"/>
+          </a:effectRef>
+          <a:fontRef idx="minor">
+            <a:schemeClr val="tx1"/>
+          </a:fontRef>
+        </p:style>
+      </p:cxnSp>
+      <p:cxnSp>
+        <p:nvCxnSpPr>
+          <p:cNvPr id="14" name="Straight Connector 13"/>
+          <p:cNvCxnSpPr/>
+          <p:nvPr/>
+        </p:nvCxnSpPr>
+        <p:spPr>
+          <a:xfrm>
+            <a:off x="5913899" y="3022193"/>
+            <a:ext cx="0" cy="1763905"/>
+          </a:xfrm>
+          <a:prstGeom prst="line">
+            <a:avLst/>
+          </a:prstGeom>
+        </p:spPr>
+        <p:style>
+          <a:lnRef idx="1">
+            <a:schemeClr val="accent1"/>
+          </a:lnRef>
+          <a:fillRef idx="0">
+            <a:schemeClr val="accent1"/>
+          </a:fillRef>
+          <a:effectRef idx="0">
+            <a:schemeClr val="accent1"/>
+          </a:effectRef>
+          <a:fontRef idx="minor">
+            <a:schemeClr val="tx1"/>
+          </a:fontRef>
+        </p:style>
+      </p:cxnSp>
+      <p:cxnSp>
+        <p:nvCxnSpPr>
+          <p:cNvPr id="15" name="Straight Arrow Connector 14"/>
+          <p:cNvCxnSpPr/>
+          <p:nvPr/>
+        </p:nvCxnSpPr>
+        <p:spPr>
+          <a:xfrm>
+            <a:off x="4542299" y="6400800"/>
+            <a:ext cx="609600" cy="5834"/>
+          </a:xfrm>
+          <a:prstGeom prst="straightConnector1">
+            <a:avLst/>
+          </a:prstGeom>
+          <a:ln>
+            <a:tailEnd type="arrow"/>
+          </a:ln>
+        </p:spPr>
+        <p:style>
+          <a:lnRef idx="2">
+            <a:schemeClr val="dk1"/>
+          </a:lnRef>
+          <a:fillRef idx="0">
+            <a:schemeClr val="dk1"/>
+          </a:fillRef>
+          <a:effectRef idx="1">
+            <a:schemeClr val="dk1"/>
+          </a:effectRef>
+          <a:fontRef idx="minor">
+            <a:schemeClr val="tx1"/>
+          </a:fontRef>
+        </p:style>
+      </p:cxnSp>
+      <p:sp>
+        <p:nvSpPr>
+          <p:cNvPr id="16" name="TextBox 15"/>
+          <p:cNvSpPr txBox="1"/>
+          <p:nvPr/>
+        </p:nvSpPr>
+        <p:spPr>
+          <a:xfrm>
+            <a:off x="5185652" y="6428303"/>
+            <a:ext cx="338554" cy="369332"/>
+          </a:xfrm>
+          <a:prstGeom prst="rect">
+            <a:avLst/>
+          </a:prstGeom>
+          <a:noFill/>
+        </p:spPr>
+        <p:txBody>
+          <a:bodyPr wrap="none" rtlCol="0">
+            <a:spAutoFit/>
+          </a:bodyPr>
+          <a:lstStyle/>
+          <a:p>
+            <a:r>
+              <a:rPr lang="en-US" b="1" dirty="0"/>
+              <a:t>X</a:t>
+            </a:r>
+            <a:endParaRPr lang="en-US" dirty="0"/>
+          </a:p>
+        </p:txBody>
+      </p:sp>
+      <p:cxnSp>
+        <p:nvCxnSpPr>
+          <p:cNvPr id="17" name="Straight Arrow Connector 16"/>
+          <p:cNvCxnSpPr/>
+          <p:nvPr/>
+        </p:nvCxnSpPr>
+        <p:spPr>
+          <a:xfrm flipV="1">
+            <a:off x="4531413" y="5679817"/>
+            <a:ext cx="0" cy="720983"/>
+          </a:xfrm>
+          <a:prstGeom prst="straightConnector1">
+            <a:avLst/>
+          </a:prstGeom>
+          <a:ln>
+            <a:tailEnd type="arrow"/>
+          </a:ln>
+        </p:spPr>
+        <p:style>
+          <a:lnRef idx="2">
+            <a:schemeClr val="dk1"/>
+          </a:lnRef>
+          <a:fillRef idx="0">
+            <a:schemeClr val="dk1"/>
+          </a:fillRef>
+          <a:effectRef idx="1">
+            <a:schemeClr val="dk1"/>
+          </a:effectRef>
+          <a:fontRef idx="minor">
+            <a:schemeClr val="tx1"/>
+          </a:fontRef>
+        </p:style>
+      </p:cxnSp>
+      <p:sp>
+        <p:nvSpPr>
+          <p:cNvPr id="18" name="TextBox 17"/>
+          <p:cNvSpPr txBox="1"/>
+          <p:nvPr/>
+        </p:nvSpPr>
+        <p:spPr>
+          <a:xfrm>
+            <a:off x="4362136" y="5194087"/>
+            <a:ext cx="338554" cy="369332"/>
+          </a:xfrm>
+          <a:prstGeom prst="rect">
+            <a:avLst/>
+          </a:prstGeom>
+          <a:noFill/>
+        </p:spPr>
+        <p:txBody>
+          <a:bodyPr wrap="none" rtlCol="0">
+            <a:spAutoFit/>
+          </a:bodyPr>
+          <a:lstStyle/>
+          <a:p>
+            <a:r>
+              <a:rPr lang="en-US" b="1" dirty="0"/>
+              <a:t>Z</a:t>
+            </a:r>
+            <a:endParaRPr lang="en-US" dirty="0"/>
+          </a:p>
+        </p:txBody>
+      </p:sp>
+    </p:spTree>
+    <p:extLst>
+      <p:ext uri="{BB962C8B-B14F-4D97-AF65-F5344CB8AC3E}">
+        <p14:creationId xmlns:p14="http://schemas.microsoft.com/office/powerpoint/2010/main" val="1486813351"/>
+      </p:ext>
+    </p:extLst>
+  </p:cSld>
+  <p:clrMapOvr>
+    <a:masterClrMapping/>
+  </p:clrMapOvr>
 </p:sld>
 </file>
 
@@ -16073,6 +19012,1220 @@
       </p:grpSpPr>
       <p:sp>
         <p:nvSpPr>
+          <p:cNvPr id="2" name="Slide Number Placeholder 1">
+            <a:extLst>
+              <a:ext uri="{FF2B5EF4-FFF2-40B4-BE49-F238E27FC236}">
+                <a16:creationId xmlns:a16="http://schemas.microsoft.com/office/drawing/2014/main" id="{D3AC09D5-5522-35E9-5DC0-7433B8C9C9A8}"/>
+              </a:ext>
+            </a:extLst>
+          </p:cNvPr>
+          <p:cNvSpPr>
+            <a:spLocks noGrp="1"/>
+          </p:cNvSpPr>
+          <p:nvPr>
+            <p:ph type="sldNum" sz="quarter" idx="12"/>
+          </p:nvPr>
+        </p:nvSpPr>
+        <p:spPr/>
+        <p:txBody>
+          <a:bodyPr/>
+          <a:lstStyle/>
+          <a:p>
+            <a:fld id="{929262FE-7F58-4A1E-8AF3-5A510A86DEBD}" type="slidenum">
+              <a:rPr lang="en-US" smtClean="0"/>
+              <a:t>6</a:t>
+            </a:fld>
+            <a:endParaRPr lang="en-US"/>
+          </a:p>
+        </p:txBody>
+      </p:sp>
+      <p:sp>
+        <p:nvSpPr>
+          <p:cNvPr id="3" name="Rectangle 2">
+            <a:extLst>
+              <a:ext uri="{FF2B5EF4-FFF2-40B4-BE49-F238E27FC236}">
+                <a16:creationId xmlns:a16="http://schemas.microsoft.com/office/drawing/2014/main" id="{3C066E82-7848-1F38-963E-66E5D3C0D4DB}"/>
+              </a:ext>
+            </a:extLst>
+          </p:cNvPr>
+          <p:cNvSpPr/>
+          <p:nvPr/>
+        </p:nvSpPr>
+        <p:spPr>
+          <a:xfrm>
+            <a:off x="6531428" y="2516052"/>
+            <a:ext cx="1828800" cy="1828800"/>
+          </a:xfrm>
+          <a:prstGeom prst="rect">
+            <a:avLst/>
+          </a:prstGeom>
+          <a:ln>
+            <a:solidFill>
+              <a:schemeClr val="accent1"/>
+            </a:solidFill>
+          </a:ln>
+        </p:spPr>
+        <p:style>
+          <a:lnRef idx="2">
+            <a:schemeClr val="accent1">
+              <a:shade val="50000"/>
+            </a:schemeClr>
+          </a:lnRef>
+          <a:fillRef idx="1">
+            <a:schemeClr val="accent1"/>
+          </a:fillRef>
+          <a:effectRef idx="0">
+            <a:schemeClr val="accent1"/>
+          </a:effectRef>
+          <a:fontRef idx="minor">
+            <a:schemeClr val="lt1"/>
+          </a:fontRef>
+        </p:style>
+        <p:txBody>
+          <a:bodyPr rtlCol="0" anchor="ctr"/>
+          <a:lstStyle/>
+          <a:p>
+            <a:pPr algn="ctr"/>
+            <a:endParaRPr lang="en-US" dirty="0"/>
+          </a:p>
+        </p:txBody>
+      </p:sp>
+      <p:sp>
+        <p:nvSpPr>
+          <p:cNvPr id="4" name="Oval 3">
+            <a:extLst>
+              <a:ext uri="{FF2B5EF4-FFF2-40B4-BE49-F238E27FC236}">
+                <a16:creationId xmlns:a16="http://schemas.microsoft.com/office/drawing/2014/main" id="{2A77C4AD-A80B-7AC8-C3B4-6E9BC59A479E}"/>
+              </a:ext>
+            </a:extLst>
+          </p:cNvPr>
+          <p:cNvSpPr/>
+          <p:nvPr/>
+        </p:nvSpPr>
+        <p:spPr>
+          <a:xfrm>
+            <a:off x="5638800" y="2505166"/>
+            <a:ext cx="1828800" cy="1828800"/>
+          </a:xfrm>
+          <a:prstGeom prst="ellipse">
+            <a:avLst/>
+          </a:prstGeom>
+          <a:ln>
+            <a:solidFill>
+              <a:schemeClr val="accent1"/>
+            </a:solidFill>
+            <a:prstDash val="lgDash"/>
+          </a:ln>
+        </p:spPr>
+        <p:style>
+          <a:lnRef idx="2">
+            <a:schemeClr val="accent1">
+              <a:shade val="50000"/>
+            </a:schemeClr>
+          </a:lnRef>
+          <a:fillRef idx="1">
+            <a:schemeClr val="accent1"/>
+          </a:fillRef>
+          <a:effectRef idx="0">
+            <a:schemeClr val="accent1"/>
+          </a:effectRef>
+          <a:fontRef idx="minor">
+            <a:schemeClr val="lt1"/>
+          </a:fontRef>
+        </p:style>
+        <p:txBody>
+          <a:bodyPr rtlCol="0" anchor="ctr"/>
+          <a:lstStyle/>
+          <a:p>
+            <a:pPr algn="ctr"/>
+            <a:endParaRPr lang="en-US"/>
+          </a:p>
+        </p:txBody>
+      </p:sp>
+      <p:sp>
+        <p:nvSpPr>
+          <p:cNvPr id="5" name="Isosceles Triangle 4">
+            <a:extLst>
+              <a:ext uri="{FF2B5EF4-FFF2-40B4-BE49-F238E27FC236}">
+                <a16:creationId xmlns:a16="http://schemas.microsoft.com/office/drawing/2014/main" id="{0B92946A-A764-E9AA-B44C-2D3C32133D6F}"/>
+              </a:ext>
+            </a:extLst>
+          </p:cNvPr>
+          <p:cNvSpPr/>
+          <p:nvPr/>
+        </p:nvSpPr>
+        <p:spPr>
+          <a:xfrm>
+            <a:off x="7478486" y="3430452"/>
+            <a:ext cx="914400" cy="914400"/>
+          </a:xfrm>
+          <a:prstGeom prst="triangle">
+            <a:avLst>
+              <a:gd name="adj" fmla="val 100000"/>
+            </a:avLst>
+          </a:prstGeom>
+          <a:solidFill>
+            <a:schemeClr val="bg1"/>
+          </a:solidFill>
+          <a:ln>
+            <a:solidFill>
+              <a:schemeClr val="bg1"/>
+            </a:solidFill>
+          </a:ln>
+        </p:spPr>
+        <p:style>
+          <a:lnRef idx="2">
+            <a:schemeClr val="accent1">
+              <a:shade val="50000"/>
+            </a:schemeClr>
+          </a:lnRef>
+          <a:fillRef idx="1">
+            <a:schemeClr val="accent1"/>
+          </a:fillRef>
+          <a:effectRef idx="0">
+            <a:schemeClr val="accent1"/>
+          </a:effectRef>
+          <a:fontRef idx="minor">
+            <a:schemeClr val="lt1"/>
+          </a:fontRef>
+        </p:style>
+        <p:txBody>
+          <a:bodyPr rtlCol="0" anchor="ctr"/>
+          <a:lstStyle/>
+          <a:p>
+            <a:pPr algn="ctr"/>
+            <a:endParaRPr lang="en-US"/>
+          </a:p>
+        </p:txBody>
+      </p:sp>
+      <p:sp>
+        <p:nvSpPr>
+          <p:cNvPr id="6" name="Pie 7">
+            <a:extLst>
+              <a:ext uri="{FF2B5EF4-FFF2-40B4-BE49-F238E27FC236}">
+                <a16:creationId xmlns:a16="http://schemas.microsoft.com/office/drawing/2014/main" id="{9CD401B0-081A-ED2B-7E4B-A43C03EDC36C}"/>
+              </a:ext>
+            </a:extLst>
+          </p:cNvPr>
+          <p:cNvSpPr/>
+          <p:nvPr/>
+        </p:nvSpPr>
+        <p:spPr>
+          <a:xfrm>
+            <a:off x="5627914" y="2505164"/>
+            <a:ext cx="1828800" cy="1828800"/>
+          </a:xfrm>
+          <a:prstGeom prst="pie">
+            <a:avLst>
+              <a:gd name="adj1" fmla="val 5403171"/>
+              <a:gd name="adj2" fmla="val 16200000"/>
+            </a:avLst>
+          </a:prstGeom>
+          <a:noFill/>
+          <a:ln w="28575">
+            <a:solidFill>
+              <a:schemeClr val="tx1"/>
+            </a:solidFill>
+            <a:prstDash val="dash"/>
+          </a:ln>
+        </p:spPr>
+        <p:style>
+          <a:lnRef idx="2">
+            <a:schemeClr val="accent1">
+              <a:shade val="50000"/>
+            </a:schemeClr>
+          </a:lnRef>
+          <a:fillRef idx="1">
+            <a:schemeClr val="accent1"/>
+          </a:fillRef>
+          <a:effectRef idx="0">
+            <a:schemeClr val="accent1"/>
+          </a:effectRef>
+          <a:fontRef idx="minor">
+            <a:schemeClr val="lt1"/>
+          </a:fontRef>
+        </p:style>
+        <p:txBody>
+          <a:bodyPr rtlCol="0" anchor="ctr"/>
+          <a:lstStyle/>
+          <a:p>
+            <a:pPr algn="ctr"/>
+            <a:r>
+              <a:rPr lang="en-US" dirty="0">
+                <a:solidFill>
+                  <a:schemeClr val="tx1"/>
+                </a:solidFill>
+              </a:rPr>
+              <a:t>              </a:t>
+            </a:r>
+            <a:r>
+              <a:rPr lang="en-US" dirty="0">
+                <a:solidFill>
+                  <a:schemeClr val="accent1"/>
+                </a:solidFill>
+              </a:rPr>
+              <a:t>.</a:t>
+            </a:r>
+          </a:p>
+        </p:txBody>
+      </p:sp>
+      <p:sp>
+        <p:nvSpPr>
+          <p:cNvPr id="7" name="Rectangle 6">
+            <a:extLst>
+              <a:ext uri="{FF2B5EF4-FFF2-40B4-BE49-F238E27FC236}">
+                <a16:creationId xmlns:a16="http://schemas.microsoft.com/office/drawing/2014/main" id="{824F5B47-61A1-D578-806A-05C87C478E5C}"/>
+              </a:ext>
+            </a:extLst>
+          </p:cNvPr>
+          <p:cNvSpPr/>
+          <p:nvPr/>
+        </p:nvSpPr>
+        <p:spPr>
+          <a:xfrm>
+            <a:off x="6542316" y="2505166"/>
+            <a:ext cx="1828800" cy="1828800"/>
+          </a:xfrm>
+          <a:prstGeom prst="rect">
+            <a:avLst/>
+          </a:prstGeom>
+          <a:noFill/>
+          <a:ln w="28575">
+            <a:solidFill>
+              <a:schemeClr val="tx1"/>
+            </a:solidFill>
+            <a:prstDash val="dash"/>
+          </a:ln>
+        </p:spPr>
+        <p:style>
+          <a:lnRef idx="2">
+            <a:schemeClr val="accent1">
+              <a:shade val="50000"/>
+            </a:schemeClr>
+          </a:lnRef>
+          <a:fillRef idx="1">
+            <a:schemeClr val="accent1"/>
+          </a:fillRef>
+          <a:effectRef idx="0">
+            <a:schemeClr val="accent1"/>
+          </a:effectRef>
+          <a:fontRef idx="minor">
+            <a:schemeClr val="lt1"/>
+          </a:fontRef>
+        </p:style>
+        <p:txBody>
+          <a:bodyPr rtlCol="0" anchor="ctr"/>
+          <a:lstStyle/>
+          <a:p>
+            <a:pPr algn="ctr"/>
+            <a:r>
+              <a:rPr lang="en-US" b="1" dirty="0">
+                <a:solidFill>
+                  <a:schemeClr val="tx1"/>
+                </a:solidFill>
+              </a:rPr>
+              <a:t>2</a:t>
+            </a:r>
+          </a:p>
+        </p:txBody>
+      </p:sp>
+      <p:sp>
+        <p:nvSpPr>
+          <p:cNvPr id="8" name="Isosceles Triangle 7">
+            <a:extLst>
+              <a:ext uri="{FF2B5EF4-FFF2-40B4-BE49-F238E27FC236}">
+                <a16:creationId xmlns:a16="http://schemas.microsoft.com/office/drawing/2014/main" id="{170DF63B-040D-93A2-3C4E-32B5E423BC1C}"/>
+              </a:ext>
+            </a:extLst>
+          </p:cNvPr>
+          <p:cNvSpPr/>
+          <p:nvPr/>
+        </p:nvSpPr>
+        <p:spPr>
+          <a:xfrm>
+            <a:off x="7456712" y="3419568"/>
+            <a:ext cx="914400" cy="914400"/>
+          </a:xfrm>
+          <a:prstGeom prst="triangle">
+            <a:avLst>
+              <a:gd name="adj" fmla="val 100000"/>
+            </a:avLst>
+          </a:prstGeom>
+          <a:solidFill>
+            <a:schemeClr val="bg1"/>
+          </a:solidFill>
+          <a:ln w="28575">
+            <a:solidFill>
+              <a:schemeClr val="tx1"/>
+            </a:solidFill>
+            <a:prstDash val="dash"/>
+          </a:ln>
+        </p:spPr>
+        <p:style>
+          <a:lnRef idx="2">
+            <a:schemeClr val="accent1">
+              <a:shade val="50000"/>
+            </a:schemeClr>
+          </a:lnRef>
+          <a:fillRef idx="1">
+            <a:schemeClr val="accent1"/>
+          </a:fillRef>
+          <a:effectRef idx="0">
+            <a:schemeClr val="accent1"/>
+          </a:effectRef>
+          <a:fontRef idx="minor">
+            <a:schemeClr val="lt1"/>
+          </a:fontRef>
+        </p:style>
+        <p:txBody>
+          <a:bodyPr rtlCol="0" anchor="ctr"/>
+          <a:lstStyle/>
+          <a:p>
+            <a:pPr algn="ctr"/>
+            <a:r>
+              <a:rPr lang="en-US" b="1" dirty="0">
+                <a:solidFill>
+                  <a:schemeClr val="tx1"/>
+                </a:solidFill>
+              </a:rPr>
+              <a:t>3</a:t>
+            </a:r>
+          </a:p>
+        </p:txBody>
+      </p:sp>
+      <p:sp>
+        <p:nvSpPr>
+          <p:cNvPr id="9" name="Rectangle 8">
+            <a:extLst>
+              <a:ext uri="{FF2B5EF4-FFF2-40B4-BE49-F238E27FC236}">
+                <a16:creationId xmlns:a16="http://schemas.microsoft.com/office/drawing/2014/main" id="{2711A4AD-9D83-7196-2158-938E74A56A73}"/>
+              </a:ext>
+            </a:extLst>
+          </p:cNvPr>
+          <p:cNvSpPr/>
+          <p:nvPr/>
+        </p:nvSpPr>
+        <p:spPr>
+          <a:xfrm>
+            <a:off x="1959428" y="2495730"/>
+            <a:ext cx="1828800" cy="1828800"/>
+          </a:xfrm>
+          <a:prstGeom prst="rect">
+            <a:avLst/>
+          </a:prstGeom>
+          <a:ln>
+            <a:solidFill>
+              <a:schemeClr val="accent1"/>
+            </a:solidFill>
+          </a:ln>
+        </p:spPr>
+        <p:style>
+          <a:lnRef idx="2">
+            <a:schemeClr val="accent1">
+              <a:shade val="50000"/>
+            </a:schemeClr>
+          </a:lnRef>
+          <a:fillRef idx="1">
+            <a:schemeClr val="accent1"/>
+          </a:fillRef>
+          <a:effectRef idx="0">
+            <a:schemeClr val="accent1"/>
+          </a:effectRef>
+          <a:fontRef idx="minor">
+            <a:schemeClr val="lt1"/>
+          </a:fontRef>
+        </p:style>
+        <p:txBody>
+          <a:bodyPr rtlCol="0" anchor="ctr"/>
+          <a:lstStyle/>
+          <a:p>
+            <a:pPr algn="ctr"/>
+            <a:endParaRPr lang="en-US" dirty="0"/>
+          </a:p>
+        </p:txBody>
+      </p:sp>
+      <p:sp>
+        <p:nvSpPr>
+          <p:cNvPr id="10" name="Oval 9">
+            <a:extLst>
+              <a:ext uri="{FF2B5EF4-FFF2-40B4-BE49-F238E27FC236}">
+                <a16:creationId xmlns:a16="http://schemas.microsoft.com/office/drawing/2014/main" id="{0295F399-053C-86F1-BF12-13E23B800497}"/>
+              </a:ext>
+            </a:extLst>
+          </p:cNvPr>
+          <p:cNvSpPr/>
+          <p:nvPr/>
+        </p:nvSpPr>
+        <p:spPr>
+          <a:xfrm>
+            <a:off x="1066800" y="2495004"/>
+            <a:ext cx="1828800" cy="1828800"/>
+          </a:xfrm>
+          <a:prstGeom prst="ellipse">
+            <a:avLst/>
+          </a:prstGeom>
+          <a:ln>
+            <a:solidFill>
+              <a:schemeClr val="accent1"/>
+            </a:solidFill>
+            <a:prstDash val="solid"/>
+          </a:ln>
+        </p:spPr>
+        <p:style>
+          <a:lnRef idx="2">
+            <a:schemeClr val="accent1">
+              <a:shade val="50000"/>
+            </a:schemeClr>
+          </a:lnRef>
+          <a:fillRef idx="1">
+            <a:schemeClr val="accent1"/>
+          </a:fillRef>
+          <a:effectRef idx="0">
+            <a:schemeClr val="accent1"/>
+          </a:effectRef>
+          <a:fontRef idx="minor">
+            <a:schemeClr val="lt1"/>
+          </a:fontRef>
+        </p:style>
+        <p:txBody>
+          <a:bodyPr rtlCol="0" anchor="ctr"/>
+          <a:lstStyle/>
+          <a:p>
+            <a:pPr algn="ctr"/>
+            <a:endParaRPr lang="en-US"/>
+          </a:p>
+        </p:txBody>
+      </p:sp>
+      <p:cxnSp>
+        <p:nvCxnSpPr>
+          <p:cNvPr id="11" name="Straight Arrow Connector 10">
+            <a:extLst>
+              <a:ext uri="{FF2B5EF4-FFF2-40B4-BE49-F238E27FC236}">
+                <a16:creationId xmlns:a16="http://schemas.microsoft.com/office/drawing/2014/main" id="{28742C69-03E1-FCB8-7970-DAD5BB34B20D}"/>
+              </a:ext>
+            </a:extLst>
+          </p:cNvPr>
+          <p:cNvCxnSpPr/>
+          <p:nvPr/>
+        </p:nvCxnSpPr>
+        <p:spPr>
+          <a:xfrm>
+            <a:off x="5614312" y="3450046"/>
+            <a:ext cx="609600" cy="5834"/>
+          </a:xfrm>
+          <a:prstGeom prst="straightConnector1">
+            <a:avLst/>
+          </a:prstGeom>
+          <a:ln>
+            <a:tailEnd type="arrow"/>
+          </a:ln>
+        </p:spPr>
+        <p:style>
+          <a:lnRef idx="2">
+            <a:schemeClr val="dk1"/>
+          </a:lnRef>
+          <a:fillRef idx="0">
+            <a:schemeClr val="dk1"/>
+          </a:fillRef>
+          <a:effectRef idx="1">
+            <a:schemeClr val="dk1"/>
+          </a:effectRef>
+          <a:fontRef idx="minor">
+            <a:schemeClr val="tx1"/>
+          </a:fontRef>
+        </p:style>
+      </p:cxnSp>
+      <p:cxnSp>
+        <p:nvCxnSpPr>
+          <p:cNvPr id="12" name="Straight Arrow Connector 11">
+            <a:extLst>
+              <a:ext uri="{FF2B5EF4-FFF2-40B4-BE49-F238E27FC236}">
+                <a16:creationId xmlns:a16="http://schemas.microsoft.com/office/drawing/2014/main" id="{8FCB4751-3397-5240-5130-AE8BA4EDE0B9}"/>
+              </a:ext>
+            </a:extLst>
+          </p:cNvPr>
+          <p:cNvCxnSpPr/>
+          <p:nvPr/>
+        </p:nvCxnSpPr>
+        <p:spPr>
+          <a:xfrm flipV="1">
+            <a:off x="5614312" y="2760012"/>
+            <a:ext cx="0" cy="672669"/>
+          </a:xfrm>
+          <a:prstGeom prst="straightConnector1">
+            <a:avLst/>
+          </a:prstGeom>
+          <a:ln>
+            <a:tailEnd type="arrow"/>
+          </a:ln>
+        </p:spPr>
+        <p:style>
+          <a:lnRef idx="2">
+            <a:schemeClr val="dk1"/>
+          </a:lnRef>
+          <a:fillRef idx="0">
+            <a:schemeClr val="dk1"/>
+          </a:fillRef>
+          <a:effectRef idx="1">
+            <a:schemeClr val="dk1"/>
+          </a:effectRef>
+          <a:fontRef idx="minor">
+            <a:schemeClr val="tx1"/>
+          </a:fontRef>
+        </p:style>
+      </p:cxnSp>
+      <p:sp>
+        <p:nvSpPr>
+          <p:cNvPr id="13" name="TextBox 12">
+            <a:extLst>
+              <a:ext uri="{FF2B5EF4-FFF2-40B4-BE49-F238E27FC236}">
+                <a16:creationId xmlns:a16="http://schemas.microsoft.com/office/drawing/2014/main" id="{71CCF8C7-C6BC-7230-2986-64815FE6509C}"/>
+              </a:ext>
+            </a:extLst>
+          </p:cNvPr>
+          <p:cNvSpPr txBox="1"/>
+          <p:nvPr/>
+        </p:nvSpPr>
+        <p:spPr>
+          <a:xfrm>
+            <a:off x="6200671" y="3274814"/>
+            <a:ext cx="338554" cy="369332"/>
+          </a:xfrm>
+          <a:prstGeom prst="rect">
+            <a:avLst/>
+          </a:prstGeom>
+          <a:noFill/>
+        </p:spPr>
+        <p:txBody>
+          <a:bodyPr wrap="none" rtlCol="0">
+            <a:spAutoFit/>
+          </a:bodyPr>
+          <a:lstStyle/>
+          <a:p>
+            <a:r>
+              <a:rPr lang="en-US" b="1" dirty="0"/>
+              <a:t>X</a:t>
+            </a:r>
+            <a:endParaRPr lang="en-US" dirty="0"/>
+          </a:p>
+        </p:txBody>
+      </p:sp>
+      <p:sp>
+        <p:nvSpPr>
+          <p:cNvPr id="14" name="TextBox 13">
+            <a:extLst>
+              <a:ext uri="{FF2B5EF4-FFF2-40B4-BE49-F238E27FC236}">
+                <a16:creationId xmlns:a16="http://schemas.microsoft.com/office/drawing/2014/main" id="{174F68D6-B2A4-90F7-DA65-2D4CF0E62C36}"/>
+              </a:ext>
+            </a:extLst>
+          </p:cNvPr>
+          <p:cNvSpPr txBox="1"/>
+          <p:nvPr/>
+        </p:nvSpPr>
+        <p:spPr>
+          <a:xfrm>
+            <a:off x="5460050" y="2373315"/>
+            <a:ext cx="338554" cy="369332"/>
+          </a:xfrm>
+          <a:prstGeom prst="rect">
+            <a:avLst/>
+          </a:prstGeom>
+          <a:noFill/>
+        </p:spPr>
+        <p:txBody>
+          <a:bodyPr wrap="none" rtlCol="0">
+            <a:spAutoFit/>
+          </a:bodyPr>
+          <a:lstStyle/>
+          <a:p>
+            <a:r>
+              <a:rPr lang="en-US" b="1" dirty="0"/>
+              <a:t>Y</a:t>
+            </a:r>
+            <a:endParaRPr lang="en-US" dirty="0"/>
+          </a:p>
+        </p:txBody>
+      </p:sp>
+      <p:sp>
+        <p:nvSpPr>
+          <p:cNvPr id="15" name="TextBox 14">
+            <a:extLst>
+              <a:ext uri="{FF2B5EF4-FFF2-40B4-BE49-F238E27FC236}">
+                <a16:creationId xmlns:a16="http://schemas.microsoft.com/office/drawing/2014/main" id="{2057AA60-1C3A-43FA-880E-D0138F034595}"/>
+              </a:ext>
+            </a:extLst>
+          </p:cNvPr>
+          <p:cNvSpPr txBox="1"/>
+          <p:nvPr/>
+        </p:nvSpPr>
+        <p:spPr>
+          <a:xfrm>
+            <a:off x="6057855" y="3653762"/>
+            <a:ext cx="301686" cy="369332"/>
+          </a:xfrm>
+          <a:prstGeom prst="rect">
+            <a:avLst/>
+          </a:prstGeom>
+          <a:noFill/>
+        </p:spPr>
+        <p:txBody>
+          <a:bodyPr wrap="none" rtlCol="0">
+            <a:spAutoFit/>
+          </a:bodyPr>
+          <a:lstStyle/>
+          <a:p>
+            <a:r>
+              <a:rPr lang="en-US" b="1" dirty="0"/>
+              <a:t>1</a:t>
+            </a:r>
+          </a:p>
+        </p:txBody>
+      </p:sp>
+      <p:sp>
+        <p:nvSpPr>
+          <p:cNvPr id="16" name="Arrow: Right 15">
+            <a:extLst>
+              <a:ext uri="{FF2B5EF4-FFF2-40B4-BE49-F238E27FC236}">
+                <a16:creationId xmlns:a16="http://schemas.microsoft.com/office/drawing/2014/main" id="{1D1C2A33-4FC5-EB82-2D67-C1BD4B9E32EB}"/>
+              </a:ext>
+            </a:extLst>
+          </p:cNvPr>
+          <p:cNvSpPr/>
+          <p:nvPr/>
+        </p:nvSpPr>
+        <p:spPr>
+          <a:xfrm>
+            <a:off x="4311291" y="3221446"/>
+            <a:ext cx="685800" cy="457200"/>
+          </a:xfrm>
+          <a:prstGeom prst="rightArrow">
+            <a:avLst/>
+          </a:prstGeom>
+        </p:spPr>
+        <p:style>
+          <a:lnRef idx="2">
+            <a:schemeClr val="dk1">
+              <a:shade val="15000"/>
+            </a:schemeClr>
+          </a:lnRef>
+          <a:fillRef idx="1">
+            <a:schemeClr val="dk1"/>
+          </a:fillRef>
+          <a:effectRef idx="0">
+            <a:schemeClr val="dk1"/>
+          </a:effectRef>
+          <a:fontRef idx="minor">
+            <a:schemeClr val="lt1"/>
+          </a:fontRef>
+        </p:style>
+        <p:txBody>
+          <a:bodyPr rtlCol="0" anchor="ctr"/>
+          <a:lstStyle/>
+          <a:p>
+            <a:pPr algn="ctr"/>
+            <a:endParaRPr lang="en-US"/>
+          </a:p>
+        </p:txBody>
+      </p:sp>
+      <p:sp>
+        <p:nvSpPr>
+          <p:cNvPr id="17" name="Isosceles Triangle 16">
+            <a:extLst>
+              <a:ext uri="{FF2B5EF4-FFF2-40B4-BE49-F238E27FC236}">
+                <a16:creationId xmlns:a16="http://schemas.microsoft.com/office/drawing/2014/main" id="{31F66FA6-668F-064D-2104-B5C74E48A1E5}"/>
+              </a:ext>
+            </a:extLst>
+          </p:cNvPr>
+          <p:cNvSpPr/>
+          <p:nvPr/>
+        </p:nvSpPr>
+        <p:spPr>
+          <a:xfrm>
+            <a:off x="2894873" y="3430452"/>
+            <a:ext cx="914400" cy="914400"/>
+          </a:xfrm>
+          <a:prstGeom prst="triangle">
+            <a:avLst>
+              <a:gd name="adj" fmla="val 100000"/>
+            </a:avLst>
+          </a:prstGeom>
+          <a:solidFill>
+            <a:schemeClr val="bg1"/>
+          </a:solidFill>
+          <a:ln w="28575">
+            <a:noFill/>
+            <a:prstDash val="dash"/>
+          </a:ln>
+        </p:spPr>
+        <p:style>
+          <a:lnRef idx="2">
+            <a:schemeClr val="accent1">
+              <a:shade val="50000"/>
+            </a:schemeClr>
+          </a:lnRef>
+          <a:fillRef idx="1">
+            <a:schemeClr val="accent1"/>
+          </a:fillRef>
+          <a:effectRef idx="0">
+            <a:schemeClr val="accent1"/>
+          </a:effectRef>
+          <a:fontRef idx="minor">
+            <a:schemeClr val="lt1"/>
+          </a:fontRef>
+        </p:style>
+        <p:txBody>
+          <a:bodyPr rtlCol="0" anchor="ctr"/>
+          <a:lstStyle/>
+          <a:p>
+            <a:pPr algn="ctr"/>
+            <a:endParaRPr lang="en-US" b="1" dirty="0">
+              <a:solidFill>
+                <a:schemeClr val="tx1"/>
+              </a:solidFill>
+            </a:endParaRPr>
+          </a:p>
+        </p:txBody>
+      </p:sp>
+    </p:spTree>
+    <p:extLst>
+      <p:ext uri="{BB962C8B-B14F-4D97-AF65-F5344CB8AC3E}">
+        <p14:creationId xmlns:p14="http://schemas.microsoft.com/office/powerpoint/2010/main" val="1259602786"/>
+      </p:ext>
+    </p:extLst>
+  </p:cSld>
+  <p:clrMapOvr>
+    <a:masterClrMapping/>
+  </p:clrMapOvr>
+  <p:timing>
+    <p:tnLst>
+      <p:par>
+        <p:cTn id="1" dur="indefinite" restart="never" nodeType="tmRoot">
+          <p:childTnLst>
+            <p:seq concurrent="1" nextAc="seek">
+              <p:cTn id="2" dur="indefinite" nodeType="mainSeq">
+                <p:childTnLst>
+                  <p:par>
+                    <p:cTn id="3" fill="hold">
+                      <p:stCondLst>
+                        <p:cond delay="indefinite"/>
+                      </p:stCondLst>
+                      <p:childTnLst>
+                        <p:par>
+                          <p:cTn id="4" fill="hold">
+                            <p:stCondLst>
+                              <p:cond delay="0"/>
+                            </p:stCondLst>
+                            <p:childTnLst>
+                              <p:par>
+                                <p:cTn id="5" presetID="10" presetClass="entr" presetSubtype="0" fill="hold" grpId="0" nodeType="clickEffect">
+                                  <p:stCondLst>
+                                    <p:cond delay="0"/>
+                                  </p:stCondLst>
+                                  <p:childTnLst>
+                                    <p:set>
+                                      <p:cBhvr>
+                                        <p:cTn id="6" dur="1" fill="hold">
+                                          <p:stCondLst>
+                                            <p:cond delay="0"/>
+                                          </p:stCondLst>
+                                        </p:cTn>
+                                        <p:tgtEl>
+                                          <p:spTgt spid="6"/>
+                                        </p:tgtEl>
+                                        <p:attrNameLst>
+                                          <p:attrName>style.visibility</p:attrName>
+                                        </p:attrNameLst>
+                                      </p:cBhvr>
+                                      <p:to>
+                                        <p:strVal val="visible"/>
+                                      </p:to>
+                                    </p:set>
+                                    <p:animEffect transition="in" filter="fade">
+                                      <p:cBhvr>
+                                        <p:cTn id="7" dur="500"/>
+                                        <p:tgtEl>
+                                          <p:spTgt spid="6"/>
+                                        </p:tgtEl>
+                                      </p:cBhvr>
+                                    </p:animEffect>
+                                  </p:childTnLst>
+                                </p:cTn>
+                              </p:par>
+                            </p:childTnLst>
+                          </p:cTn>
+                        </p:par>
+                      </p:childTnLst>
+                    </p:cTn>
+                  </p:par>
+                  <p:par>
+                    <p:cTn id="8" fill="hold">
+                      <p:stCondLst>
+                        <p:cond delay="indefinite"/>
+                      </p:stCondLst>
+                      <p:childTnLst>
+                        <p:par>
+                          <p:cTn id="9" fill="hold">
+                            <p:stCondLst>
+                              <p:cond delay="0"/>
+                            </p:stCondLst>
+                            <p:childTnLst>
+                              <p:par>
+                                <p:cTn id="10" presetID="10" presetClass="entr" presetSubtype="0" fill="hold" grpId="0" nodeType="clickEffect">
+                                  <p:stCondLst>
+                                    <p:cond delay="0"/>
+                                  </p:stCondLst>
+                                  <p:childTnLst>
+                                    <p:set>
+                                      <p:cBhvr>
+                                        <p:cTn id="11" dur="1" fill="hold">
+                                          <p:stCondLst>
+                                            <p:cond delay="0"/>
+                                          </p:stCondLst>
+                                        </p:cTn>
+                                        <p:tgtEl>
+                                          <p:spTgt spid="7"/>
+                                        </p:tgtEl>
+                                        <p:attrNameLst>
+                                          <p:attrName>style.visibility</p:attrName>
+                                        </p:attrNameLst>
+                                      </p:cBhvr>
+                                      <p:to>
+                                        <p:strVal val="visible"/>
+                                      </p:to>
+                                    </p:set>
+                                    <p:animEffect transition="in" filter="fade">
+                                      <p:cBhvr>
+                                        <p:cTn id="12" dur="500"/>
+                                        <p:tgtEl>
+                                          <p:spTgt spid="7"/>
+                                        </p:tgtEl>
+                                      </p:cBhvr>
+                                    </p:animEffect>
+                                  </p:childTnLst>
+                                </p:cTn>
+                              </p:par>
+                            </p:childTnLst>
+                          </p:cTn>
+                        </p:par>
+                      </p:childTnLst>
+                    </p:cTn>
+                  </p:par>
+                  <p:par>
+                    <p:cTn id="13" fill="hold">
+                      <p:stCondLst>
+                        <p:cond delay="indefinite"/>
+                      </p:stCondLst>
+                      <p:childTnLst>
+                        <p:par>
+                          <p:cTn id="14" fill="hold">
+                            <p:stCondLst>
+                              <p:cond delay="0"/>
+                            </p:stCondLst>
+                            <p:childTnLst>
+                              <p:par>
+                                <p:cTn id="15" presetID="10" presetClass="entr" presetSubtype="0" fill="hold" grpId="0" nodeType="clickEffect">
+                                  <p:stCondLst>
+                                    <p:cond delay="0"/>
+                                  </p:stCondLst>
+                                  <p:childTnLst>
+                                    <p:set>
+                                      <p:cBhvr>
+                                        <p:cTn id="16" dur="1" fill="hold">
+                                          <p:stCondLst>
+                                            <p:cond delay="0"/>
+                                          </p:stCondLst>
+                                        </p:cTn>
+                                        <p:tgtEl>
+                                          <p:spTgt spid="8"/>
+                                        </p:tgtEl>
+                                        <p:attrNameLst>
+                                          <p:attrName>style.visibility</p:attrName>
+                                        </p:attrNameLst>
+                                      </p:cBhvr>
+                                      <p:to>
+                                        <p:strVal val="visible"/>
+                                      </p:to>
+                                    </p:set>
+                                    <p:animEffect transition="in" filter="fade">
+                                      <p:cBhvr>
+                                        <p:cTn id="17" dur="500"/>
+                                        <p:tgtEl>
+                                          <p:spTgt spid="8"/>
+                                        </p:tgtEl>
+                                      </p:cBhvr>
+                                    </p:animEffect>
+                                  </p:childTnLst>
+                                </p:cTn>
+                              </p:par>
+                            </p:childTnLst>
+                          </p:cTn>
+                        </p:par>
+                      </p:childTnLst>
+                    </p:cTn>
+                  </p:par>
+                  <p:par>
+                    <p:cTn id="18" fill="hold">
+                      <p:stCondLst>
+                        <p:cond delay="indefinite"/>
+                      </p:stCondLst>
+                      <p:childTnLst>
+                        <p:par>
+                          <p:cTn id="19" fill="hold">
+                            <p:stCondLst>
+                              <p:cond delay="0"/>
+                            </p:stCondLst>
+                            <p:childTnLst>
+                              <p:par>
+                                <p:cTn id="20" presetID="10" presetClass="entr" presetSubtype="0" fill="hold" nodeType="clickEffect">
+                                  <p:stCondLst>
+                                    <p:cond delay="0"/>
+                                  </p:stCondLst>
+                                  <p:childTnLst>
+                                    <p:set>
+                                      <p:cBhvr>
+                                        <p:cTn id="21" dur="1" fill="hold">
+                                          <p:stCondLst>
+                                            <p:cond delay="0"/>
+                                          </p:stCondLst>
+                                        </p:cTn>
+                                        <p:tgtEl>
+                                          <p:spTgt spid="12"/>
+                                        </p:tgtEl>
+                                        <p:attrNameLst>
+                                          <p:attrName>style.visibility</p:attrName>
+                                        </p:attrNameLst>
+                                      </p:cBhvr>
+                                      <p:to>
+                                        <p:strVal val="visible"/>
+                                      </p:to>
+                                    </p:set>
+                                    <p:animEffect transition="in" filter="fade">
+                                      <p:cBhvr>
+                                        <p:cTn id="22" dur="500"/>
+                                        <p:tgtEl>
+                                          <p:spTgt spid="12"/>
+                                        </p:tgtEl>
+                                      </p:cBhvr>
+                                    </p:animEffect>
+                                  </p:childTnLst>
+                                </p:cTn>
+                              </p:par>
+                              <p:par>
+                                <p:cTn id="23" presetID="10" presetClass="entr" presetSubtype="0" fill="hold" nodeType="withEffect">
+                                  <p:stCondLst>
+                                    <p:cond delay="0"/>
+                                  </p:stCondLst>
+                                  <p:childTnLst>
+                                    <p:set>
+                                      <p:cBhvr>
+                                        <p:cTn id="24" dur="1" fill="hold">
+                                          <p:stCondLst>
+                                            <p:cond delay="0"/>
+                                          </p:stCondLst>
+                                        </p:cTn>
+                                        <p:tgtEl>
+                                          <p:spTgt spid="11"/>
+                                        </p:tgtEl>
+                                        <p:attrNameLst>
+                                          <p:attrName>style.visibility</p:attrName>
+                                        </p:attrNameLst>
+                                      </p:cBhvr>
+                                      <p:to>
+                                        <p:strVal val="visible"/>
+                                      </p:to>
+                                    </p:set>
+                                    <p:animEffect transition="in" filter="fade">
+                                      <p:cBhvr>
+                                        <p:cTn id="25" dur="500"/>
+                                        <p:tgtEl>
+                                          <p:spTgt spid="11"/>
+                                        </p:tgtEl>
+                                      </p:cBhvr>
+                                    </p:animEffect>
+                                  </p:childTnLst>
+                                </p:cTn>
+                              </p:par>
+                              <p:par>
+                                <p:cTn id="26" presetID="10" presetClass="entr" presetSubtype="0" fill="hold" grpId="0" nodeType="withEffect">
+                                  <p:stCondLst>
+                                    <p:cond delay="0"/>
+                                  </p:stCondLst>
+                                  <p:childTnLst>
+                                    <p:set>
+                                      <p:cBhvr>
+                                        <p:cTn id="27" dur="1" fill="hold">
+                                          <p:stCondLst>
+                                            <p:cond delay="0"/>
+                                          </p:stCondLst>
+                                        </p:cTn>
+                                        <p:tgtEl>
+                                          <p:spTgt spid="13"/>
+                                        </p:tgtEl>
+                                        <p:attrNameLst>
+                                          <p:attrName>style.visibility</p:attrName>
+                                        </p:attrNameLst>
+                                      </p:cBhvr>
+                                      <p:to>
+                                        <p:strVal val="visible"/>
+                                      </p:to>
+                                    </p:set>
+                                    <p:animEffect transition="in" filter="fade">
+                                      <p:cBhvr>
+                                        <p:cTn id="28" dur="500"/>
+                                        <p:tgtEl>
+                                          <p:spTgt spid="13"/>
+                                        </p:tgtEl>
+                                      </p:cBhvr>
+                                    </p:animEffect>
+                                  </p:childTnLst>
+                                </p:cTn>
+                              </p:par>
+                              <p:par>
+                                <p:cTn id="29" presetID="10" presetClass="entr" presetSubtype="0" fill="hold" grpId="0" nodeType="withEffect">
+                                  <p:stCondLst>
+                                    <p:cond delay="0"/>
+                                  </p:stCondLst>
+                                  <p:childTnLst>
+                                    <p:set>
+                                      <p:cBhvr>
+                                        <p:cTn id="30" dur="1" fill="hold">
+                                          <p:stCondLst>
+                                            <p:cond delay="0"/>
+                                          </p:stCondLst>
+                                        </p:cTn>
+                                        <p:tgtEl>
+                                          <p:spTgt spid="14"/>
+                                        </p:tgtEl>
+                                        <p:attrNameLst>
+                                          <p:attrName>style.visibility</p:attrName>
+                                        </p:attrNameLst>
+                                      </p:cBhvr>
+                                      <p:to>
+                                        <p:strVal val="visible"/>
+                                      </p:to>
+                                    </p:set>
+                                    <p:animEffect transition="in" filter="fade">
+                                      <p:cBhvr>
+                                        <p:cTn id="31" dur="500"/>
+                                        <p:tgtEl>
+                                          <p:spTgt spid="14"/>
+                                        </p:tgtEl>
+                                      </p:cBhvr>
+                                    </p:animEffect>
+                                  </p:childTnLst>
+                                </p:cTn>
+                              </p:par>
+                            </p:childTnLst>
+                          </p:cTn>
+                        </p:par>
+                      </p:childTnLst>
+                    </p:cTn>
+                  </p:par>
+                  <p:par>
+                    <p:cTn id="32" fill="hold">
+                      <p:stCondLst>
+                        <p:cond delay="indefinite"/>
+                      </p:stCondLst>
+                      <p:childTnLst>
+                        <p:par>
+                          <p:cTn id="33" fill="hold">
+                            <p:stCondLst>
+                              <p:cond delay="0"/>
+                            </p:stCondLst>
+                            <p:childTnLst>
+                              <p:par>
+                                <p:cTn id="34" presetID="10" presetClass="entr" presetSubtype="0" fill="hold" grpId="0" nodeType="clickEffect">
+                                  <p:stCondLst>
+                                    <p:cond delay="0"/>
+                                  </p:stCondLst>
+                                  <p:childTnLst>
+                                    <p:set>
+                                      <p:cBhvr>
+                                        <p:cTn id="35" dur="1" fill="hold">
+                                          <p:stCondLst>
+                                            <p:cond delay="0"/>
+                                          </p:stCondLst>
+                                        </p:cTn>
+                                        <p:tgtEl>
+                                          <p:spTgt spid="17"/>
+                                        </p:tgtEl>
+                                        <p:attrNameLst>
+                                          <p:attrName>style.visibility</p:attrName>
+                                        </p:attrNameLst>
+                                      </p:cBhvr>
+                                      <p:to>
+                                        <p:strVal val="visible"/>
+                                      </p:to>
+                                    </p:set>
+                                    <p:animEffect transition="in" filter="fade">
+                                      <p:cBhvr>
+                                        <p:cTn id="36" dur="500"/>
+                                        <p:tgtEl>
+                                          <p:spTgt spid="17"/>
+                                        </p:tgtEl>
+                                      </p:cBhvr>
+                                    </p:animEffect>
+                                  </p:childTnLst>
+                                </p:cTn>
+                              </p:par>
+                            </p:childTnLst>
+                          </p:cTn>
+                        </p:par>
+                      </p:childTnLst>
+                    </p:cTn>
+                  </p:par>
+                </p:childTnLst>
+              </p:cTn>
+              <p:prevCondLst>
+                <p:cond evt="onPrev" delay="0">
+                  <p:tgtEl>
+                    <p:sldTgt/>
+                  </p:tgtEl>
+                </p:cond>
+              </p:prevCondLst>
+              <p:nextCondLst>
+                <p:cond evt="onNext" delay="0">
+                  <p:tgtEl>
+                    <p:sldTgt/>
+                  </p:tgtEl>
+                </p:cond>
+              </p:nextCondLst>
+            </p:seq>
+          </p:childTnLst>
+        </p:cTn>
+      </p:par>
+    </p:tnLst>
+    <p:bldLst>
+      <p:bldP spid="6" grpId="0" animBg="1"/>
+      <p:bldP spid="7" grpId="0" animBg="1"/>
+      <p:bldP spid="8" grpId="0" animBg="1"/>
+      <p:bldP spid="13" grpId="0"/>
+      <p:bldP spid="14" grpId="0"/>
+      <p:bldP spid="17" grpId="0" animBg="1"/>
+    </p:bldLst>
+  </p:timing>
+</p:sld>
+</file>
+
+<file path=ppt/slides/slide7.xml><?xml version="1.0" encoding="utf-8"?>
+<p:sld xmlns:a="http://schemas.openxmlformats.org/drawingml/2006/main" xmlns:r="http://schemas.openxmlformats.org/officeDocument/2006/relationships" xmlns:p="http://schemas.openxmlformats.org/presentationml/2006/main">
+  <p:cSld>
+    <p:spTree>
+      <p:nvGrpSpPr>
+        <p:cNvPr id="1" name=""/>
+        <p:cNvGrpSpPr/>
+        <p:nvPr/>
+      </p:nvGrpSpPr>
+      <p:grpSpPr>
+        <a:xfrm>
+          <a:off x="0" y="0"/>
+          <a:ext cx="0" cy="0"/>
+          <a:chOff x="0" y="0"/>
+          <a:chExt cx="0" cy="0"/>
+        </a:xfrm>
+      </p:grpSpPr>
+      <p:sp>
+        <p:nvSpPr>
           <p:cNvPr id="2" name="Title 1"/>
           <p:cNvSpPr>
             <a:spLocks noGrp="1"/>
@@ -16156,7 +20309,7 @@
           <a:p>
             <a:fld id="{929262FE-7F58-4A1E-8AF3-5A510A86DEBD}" type="slidenum">
               <a:rPr lang="en-US" smtClean="0"/>
-              <a:t>6</a:t>
+              <a:t>7</a:t>
             </a:fld>
             <a:endParaRPr lang="en-US"/>
           </a:p>
@@ -17573,7 +21726,7 @@
 </p:sld>
 </file>
 
-<file path=ppt/slides/slide7.xml><?xml version="1.0" encoding="utf-8"?>
+<file path=ppt/slides/slide8.xml><?xml version="1.0" encoding="utf-8"?>
 <p:sld xmlns:a="http://schemas.openxmlformats.org/drawingml/2006/main" xmlns:r="http://schemas.openxmlformats.org/officeDocument/2006/relationships" xmlns:p="http://schemas.openxmlformats.org/presentationml/2006/main">
   <p:cSld>
     <p:spTree>
@@ -17718,7 +21871,7 @@
           <a:p>
             <a:fld id="{929262FE-7F58-4A1E-8AF3-5A510A86DEBD}" type="slidenum">
               <a:rPr lang="en-US" smtClean="0"/>
-              <a:t>7</a:t>
+              <a:t>8</a:t>
             </a:fld>
             <a:endParaRPr lang="en-US"/>
           </a:p>
@@ -18341,7 +22494,7 @@
 </p:sld>
 </file>
 
-<file path=ppt/slides/slide8.xml><?xml version="1.0" encoding="utf-8"?>
+<file path=ppt/slides/slide9.xml><?xml version="1.0" encoding="utf-8"?>
 <p:sld xmlns:a="http://schemas.openxmlformats.org/drawingml/2006/main" xmlns:r="http://schemas.openxmlformats.org/officeDocument/2006/relationships" xmlns:p="http://schemas.openxmlformats.org/presentationml/2006/main">
   <p:cSld>
     <p:spTree>
@@ -18486,7 +22639,7 @@
           <a:p>
             <a:fld id="{929262FE-7F58-4A1E-8AF3-5A510A86DEBD}" type="slidenum">
               <a:rPr lang="en-US" smtClean="0"/>
-              <a:t>8</a:t>
+              <a:t>9</a:t>
             </a:fld>
             <a:endParaRPr lang="en-US"/>
           </a:p>
@@ -19106,1714 +23259,6 @@
       </p:par>
     </p:tnLst>
   </p:timing>
-</p:sld>
-</file>
-
-<file path=ppt/slides/slide9.xml><?xml version="1.0" encoding="utf-8"?>
-<p:sld xmlns:a="http://schemas.openxmlformats.org/drawingml/2006/main" xmlns:r="http://schemas.openxmlformats.org/officeDocument/2006/relationships" xmlns:p="http://schemas.openxmlformats.org/presentationml/2006/main">
-  <p:cSld>
-    <p:spTree>
-      <p:nvGrpSpPr>
-        <p:cNvPr id="1" name=""/>
-        <p:cNvGrpSpPr/>
-        <p:nvPr/>
-      </p:nvGrpSpPr>
-      <p:grpSpPr>
-        <a:xfrm>
-          <a:off x="0" y="0"/>
-          <a:ext cx="0" cy="0"/>
-          <a:chOff x="0" y="0"/>
-          <a:chExt cx="0" cy="0"/>
-        </a:xfrm>
-      </p:grpSpPr>
-      <p:sp>
-        <p:nvSpPr>
-          <p:cNvPr id="2" name="Title 1"/>
-          <p:cNvSpPr>
-            <a:spLocks noGrp="1"/>
-          </p:cNvSpPr>
-          <p:nvPr>
-            <p:ph type="title"/>
-          </p:nvPr>
-        </p:nvSpPr>
-        <p:spPr/>
-        <p:txBody>
-          <a:bodyPr>
-            <a:normAutofit fontScale="90000"/>
-          </a:bodyPr>
-          <a:lstStyle/>
-          <a:p>
-            <a:r>
-              <a:rPr lang="en-US" dirty="0"/>
-              <a:t>Using the Method of Composite Parts</a:t>
-            </a:r>
-          </a:p>
-        </p:txBody>
-      </p:sp>
-      <p:sp>
-        <p:nvSpPr>
-          <p:cNvPr id="3" name="Content Placeholder 2"/>
-          <p:cNvSpPr>
-            <a:spLocks noGrp="1"/>
-          </p:cNvSpPr>
-          <p:nvPr>
-            <p:ph idx="1"/>
-          </p:nvPr>
-        </p:nvSpPr>
-        <p:spPr>
-          <a:xfrm>
-            <a:off x="457200" y="1600201"/>
-            <a:ext cx="8229600" cy="1295399"/>
-          </a:xfrm>
-        </p:spPr>
-        <p:txBody>
-          <a:bodyPr>
-            <a:normAutofit fontScale="92500" lnSpcReduction="20000"/>
-          </a:bodyPr>
-          <a:lstStyle/>
-          <a:p>
-            <a:r>
-              <a:rPr lang="en-US" dirty="0"/>
-              <a:t>Once we have these values, we can use the formulas shown below to calculate the x and y coordinates of the centroid for the whole shape.</a:t>
-            </a:r>
-          </a:p>
-        </p:txBody>
-      </p:sp>
-      <p:sp>
-        <p:nvSpPr>
-          <p:cNvPr id="4" name="Slide Number Placeholder 3"/>
-          <p:cNvSpPr>
-            <a:spLocks noGrp="1"/>
-          </p:cNvSpPr>
-          <p:nvPr>
-            <p:ph type="sldNum" sz="quarter" idx="12"/>
-          </p:nvPr>
-        </p:nvSpPr>
-        <p:spPr/>
-        <p:txBody>
-          <a:bodyPr/>
-          <a:lstStyle/>
-          <a:p>
-            <a:fld id="{929262FE-7F58-4A1E-8AF3-5A510A86DEBD}" type="slidenum">
-              <a:rPr lang="en-US" smtClean="0"/>
-              <a:t>9</a:t>
-            </a:fld>
-            <a:endParaRPr lang="en-US"/>
-          </a:p>
-        </p:txBody>
-      </p:sp>
-      <mc:AlternateContent xmlns:mc="http://schemas.openxmlformats.org/markup-compatibility/2006" xmlns:a14="http://schemas.microsoft.com/office/drawing/2010/main">
-        <mc:Choice Requires="a14">
-          <p:sp>
-            <p:nvSpPr>
-              <p:cNvPr id="11" name="Rectangle 10"/>
-              <p:cNvSpPr/>
-              <p:nvPr/>
-            </p:nvSpPr>
-            <p:spPr>
-              <a:xfrm>
-                <a:off x="2048601" y="2776550"/>
-                <a:ext cx="1781578" cy="971548"/>
-              </a:xfrm>
-              <a:prstGeom prst="rect">
-                <a:avLst/>
-              </a:prstGeom>
-            </p:spPr>
-            <p:txBody>
-              <a:bodyPr wrap="none">
-                <a:spAutoFit/>
-              </a:bodyPr>
-              <a:lstStyle/>
-              <a:p>
-                <a:pPr/>
-                <a14:m>
-                  <m:oMathPara xmlns:m="http://schemas.openxmlformats.org/officeDocument/2006/math">
-                    <m:oMathParaPr>
-                      <m:jc m:val="centerGroup"/>
-                    </m:oMathParaPr>
-                    <m:oMath xmlns:m="http://schemas.openxmlformats.org/officeDocument/2006/math">
-                      <m:acc>
-                        <m:accPr>
-                          <m:chr m:val="̅"/>
-                          <m:ctrlPr>
-                            <a:rPr lang="en-US" sz="2400" i="1" smtClean="0">
-                              <a:latin typeface="Cambria Math" panose="02040503050406030204" pitchFamily="18" charset="0"/>
-                            </a:rPr>
-                          </m:ctrlPr>
-                        </m:accPr>
-                        <m:e>
-                          <m:r>
-                            <m:rPr>
-                              <m:sty m:val="p"/>
-                            </m:rPr>
-                            <a:rPr lang="en-US" sz="2400" b="0" i="0" smtClean="0">
-                              <a:latin typeface="Cambria Math"/>
-                            </a:rPr>
-                            <m:t>x</m:t>
-                          </m:r>
-                        </m:e>
-                      </m:acc>
-                      <m:r>
-                        <a:rPr lang="en-US" sz="2400" i="1">
-                          <a:latin typeface="Cambria Math"/>
-                        </a:rPr>
-                        <m:t>=</m:t>
-                      </m:r>
-                      <m:f>
-                        <m:fPr>
-                          <m:ctrlPr>
-                            <a:rPr lang="en-US" sz="2400" i="1">
-                              <a:latin typeface="Cambria Math" panose="02040503050406030204" pitchFamily="18" charset="0"/>
-                            </a:rPr>
-                          </m:ctrlPr>
-                        </m:fPr>
-                        <m:num>
-                          <m:nary>
-                            <m:naryPr>
-                              <m:chr m:val="∑"/>
-                              <m:limLoc m:val="subSup"/>
-                              <m:ctrlPr>
-                                <a:rPr lang="en-US" sz="2400" i="1">
-                                  <a:latin typeface="Cambria Math" panose="02040503050406030204" pitchFamily="18" charset="0"/>
-                                </a:rPr>
-                              </m:ctrlPr>
-                            </m:naryPr>
-                            <m:sub>
-                              <m:r>
-                                <m:rPr>
-                                  <m:brk m:alnAt="25"/>
-                                </m:rPr>
-                                <a:rPr lang="en-US" sz="2400" i="1">
-                                  <a:latin typeface="Cambria Math"/>
-                                </a:rPr>
-                                <m:t>1</m:t>
-                              </m:r>
-                            </m:sub>
-                            <m:sup>
-                              <m:r>
-                                <a:rPr lang="en-US" sz="2400" i="1">
-                                  <a:latin typeface="Cambria Math"/>
-                                </a:rPr>
-                                <m:t>𝑖</m:t>
-                              </m:r>
-                            </m:sup>
-                            <m:e>
-                              <m:sSub>
-                                <m:sSubPr>
-                                  <m:ctrlPr>
-                                    <a:rPr lang="en-US" sz="2400" i="1">
-                                      <a:latin typeface="Cambria Math" panose="02040503050406030204" pitchFamily="18" charset="0"/>
-                                    </a:rPr>
-                                  </m:ctrlPr>
-                                </m:sSubPr>
-                                <m:e>
-                                  <m:r>
-                                    <m:rPr>
-                                      <m:sty m:val="p"/>
-                                    </m:rPr>
-                                    <a:rPr lang="en-US" sz="2400">
-                                      <a:latin typeface="Cambria Math"/>
-                                    </a:rPr>
-                                    <m:t>A</m:t>
-                                  </m:r>
-                                </m:e>
-                                <m:sub>
-                                  <m:r>
-                                    <a:rPr lang="en-US" sz="2400" i="1">
-                                      <a:latin typeface="Cambria Math"/>
-                                    </a:rPr>
-                                    <m:t>𝑖</m:t>
-                                  </m:r>
-                                </m:sub>
-                              </m:sSub>
-                              <m:acc>
-                                <m:accPr>
-                                  <m:chr m:val="̅"/>
-                                  <m:ctrlPr>
-                                    <a:rPr lang="en-US" sz="2400" i="1" smtClean="0">
-                                      <a:latin typeface="Cambria Math" panose="02040503050406030204" pitchFamily="18" charset="0"/>
-                                    </a:rPr>
-                                  </m:ctrlPr>
-                                </m:accPr>
-                                <m:e>
-                                  <m:sSub>
-                                    <m:sSubPr>
-                                      <m:ctrlPr>
-                                        <a:rPr lang="en-US" sz="2400" i="1">
-                                          <a:latin typeface="Cambria Math" panose="02040503050406030204" pitchFamily="18" charset="0"/>
-                                        </a:rPr>
-                                      </m:ctrlPr>
-                                    </m:sSubPr>
-                                    <m:e>
-                                      <m:r>
-                                        <a:rPr lang="en-US" sz="2400" i="1">
-                                          <a:latin typeface="Cambria Math"/>
-                                        </a:rPr>
-                                        <m:t>𝑥</m:t>
-                                      </m:r>
-                                    </m:e>
-                                    <m:sub>
-                                      <m:r>
-                                        <a:rPr lang="en-US" sz="2400" i="1">
-                                          <a:latin typeface="Cambria Math"/>
-                                        </a:rPr>
-                                        <m:t>𝑖</m:t>
-                                      </m:r>
-                                    </m:sub>
-                                  </m:sSub>
-                                </m:e>
-                              </m:acc>
-                            </m:e>
-                          </m:nary>
-                        </m:num>
-                        <m:den>
-                          <m:nary>
-                            <m:naryPr>
-                              <m:chr m:val="∑"/>
-                              <m:limLoc m:val="subSup"/>
-                              <m:ctrlPr>
-                                <a:rPr lang="en-US" sz="2400" i="1">
-                                  <a:latin typeface="Cambria Math" panose="02040503050406030204" pitchFamily="18" charset="0"/>
-                                </a:rPr>
-                              </m:ctrlPr>
-                            </m:naryPr>
-                            <m:sub>
-                              <m:r>
-                                <m:rPr>
-                                  <m:brk m:alnAt="25"/>
-                                </m:rPr>
-                                <a:rPr lang="en-US" sz="2400" i="1">
-                                  <a:latin typeface="Cambria Math"/>
-                                </a:rPr>
-                                <m:t>1</m:t>
-                              </m:r>
-                            </m:sub>
-                            <m:sup>
-                              <m:r>
-                                <a:rPr lang="en-US" sz="2400" i="1">
-                                  <a:latin typeface="Cambria Math"/>
-                                </a:rPr>
-                                <m:t>𝑖</m:t>
-                              </m:r>
-                            </m:sup>
-                            <m:e>
-                              <m:sSub>
-                                <m:sSubPr>
-                                  <m:ctrlPr>
-                                    <a:rPr lang="en-US" sz="2400" i="1">
-                                      <a:latin typeface="Cambria Math" panose="02040503050406030204" pitchFamily="18" charset="0"/>
-                                    </a:rPr>
-                                  </m:ctrlPr>
-                                </m:sSubPr>
-                                <m:e>
-                                  <m:r>
-                                    <m:rPr>
-                                      <m:sty m:val="p"/>
-                                    </m:rPr>
-                                    <a:rPr lang="en-US" sz="2400">
-                                      <a:latin typeface="Cambria Math"/>
-                                    </a:rPr>
-                                    <m:t>A</m:t>
-                                  </m:r>
-                                </m:e>
-                                <m:sub>
-                                  <m:r>
-                                    <a:rPr lang="en-US" sz="2400" i="1">
-                                      <a:latin typeface="Cambria Math"/>
-                                    </a:rPr>
-                                    <m:t>𝑖</m:t>
-                                  </m:r>
-                                </m:sub>
-                              </m:sSub>
-                            </m:e>
-                          </m:nary>
-                        </m:den>
-                      </m:f>
-                    </m:oMath>
-                  </m:oMathPara>
-                </a14:m>
-                <a:endParaRPr lang="en-US" sz="2400" dirty="0"/>
-              </a:p>
-            </p:txBody>
-          </p:sp>
-        </mc:Choice>
-        <mc:Fallback xmlns="">
-          <p:sp>
-            <p:nvSpPr>
-              <p:cNvPr id="11" name="Rectangle 10"/>
-              <p:cNvSpPr>
-                <a:spLocks noRot="1" noChangeAspect="1" noMove="1" noResize="1" noEditPoints="1" noAdjustHandles="1" noChangeArrowheads="1" noChangeShapeType="1" noTextEdit="1"/>
-              </p:cNvSpPr>
-              <p:nvPr/>
-            </p:nvSpPr>
-            <p:spPr>
-              <a:xfrm>
-                <a:off x="2048601" y="2776550"/>
-                <a:ext cx="1781578" cy="971548"/>
-              </a:xfrm>
-              <a:prstGeom prst="rect">
-                <a:avLst/>
-              </a:prstGeom>
-              <a:blipFill rotWithShape="1">
-                <a:blip r:embed="rId3"/>
-                <a:stretch>
-                  <a:fillRect/>
-                </a:stretch>
-              </a:blipFill>
-            </p:spPr>
-            <p:txBody>
-              <a:bodyPr/>
-              <a:lstStyle/>
-              <a:p>
-                <a:r>
-                  <a:rPr lang="en-US">
-                    <a:noFill/>
-                  </a:rPr>
-                  <a:t> </a:t>
-                </a:r>
-              </a:p>
-            </p:txBody>
-          </p:sp>
-        </mc:Fallback>
-      </mc:AlternateContent>
-      <p:sp>
-        <p:nvSpPr>
-          <p:cNvPr id="16" name="Rectangle 15"/>
-          <p:cNvSpPr/>
-          <p:nvPr/>
-        </p:nvSpPr>
-        <p:spPr>
-          <a:xfrm>
-            <a:off x="1589314" y="4354286"/>
-            <a:ext cx="1828800" cy="1828800"/>
-          </a:xfrm>
-          <a:prstGeom prst="rect">
-            <a:avLst/>
-          </a:prstGeom>
-          <a:ln>
-            <a:solidFill>
-              <a:schemeClr val="accent1"/>
-            </a:solidFill>
-          </a:ln>
-        </p:spPr>
-        <p:style>
-          <a:lnRef idx="2">
-            <a:schemeClr val="accent1">
-              <a:shade val="50000"/>
-            </a:schemeClr>
-          </a:lnRef>
-          <a:fillRef idx="1">
-            <a:schemeClr val="accent1"/>
-          </a:fillRef>
-          <a:effectRef idx="0">
-            <a:schemeClr val="accent1"/>
-          </a:effectRef>
-          <a:fontRef idx="minor">
-            <a:schemeClr val="lt1"/>
-          </a:fontRef>
-        </p:style>
-        <p:txBody>
-          <a:bodyPr rtlCol="0" anchor="ctr"/>
-          <a:lstStyle/>
-          <a:p>
-            <a:pPr algn="ctr"/>
-            <a:endParaRPr lang="en-US" dirty="0"/>
-          </a:p>
-        </p:txBody>
-      </p:sp>
-      <p:sp>
-        <p:nvSpPr>
-          <p:cNvPr id="17" name="Oval 16"/>
-          <p:cNvSpPr/>
-          <p:nvPr/>
-        </p:nvSpPr>
-        <p:spPr>
-          <a:xfrm>
-            <a:off x="696688" y="4343400"/>
-            <a:ext cx="1828800" cy="1828800"/>
-          </a:xfrm>
-          <a:prstGeom prst="ellipse">
-            <a:avLst/>
-          </a:prstGeom>
-          <a:ln>
-            <a:solidFill>
-              <a:schemeClr val="accent1"/>
-            </a:solidFill>
-            <a:prstDash val="lgDash"/>
-          </a:ln>
-        </p:spPr>
-        <p:style>
-          <a:lnRef idx="2">
-            <a:schemeClr val="accent1">
-              <a:shade val="50000"/>
-            </a:schemeClr>
-          </a:lnRef>
-          <a:fillRef idx="1">
-            <a:schemeClr val="accent1"/>
-          </a:fillRef>
-          <a:effectRef idx="0">
-            <a:schemeClr val="accent1"/>
-          </a:effectRef>
-          <a:fontRef idx="minor">
-            <a:schemeClr val="lt1"/>
-          </a:fontRef>
-        </p:style>
-        <p:txBody>
-          <a:bodyPr rtlCol="0" anchor="ctr"/>
-          <a:lstStyle/>
-          <a:p>
-            <a:pPr algn="ctr"/>
-            <a:endParaRPr lang="en-US" dirty="0"/>
-          </a:p>
-        </p:txBody>
-      </p:sp>
-      <p:sp>
-        <p:nvSpPr>
-          <p:cNvPr id="18" name="Isosceles Triangle 17"/>
-          <p:cNvSpPr/>
-          <p:nvPr/>
-        </p:nvSpPr>
-        <p:spPr>
-          <a:xfrm>
-            <a:off x="2536372" y="5268686"/>
-            <a:ext cx="914400" cy="914400"/>
-          </a:xfrm>
-          <a:prstGeom prst="triangle">
-            <a:avLst>
-              <a:gd name="adj" fmla="val 100000"/>
-            </a:avLst>
-          </a:prstGeom>
-          <a:solidFill>
-            <a:schemeClr val="bg1"/>
-          </a:solidFill>
-          <a:ln>
-            <a:solidFill>
-              <a:schemeClr val="bg1"/>
-            </a:solidFill>
-          </a:ln>
-        </p:spPr>
-        <p:style>
-          <a:lnRef idx="2">
-            <a:schemeClr val="accent1">
-              <a:shade val="50000"/>
-            </a:schemeClr>
-          </a:lnRef>
-          <a:fillRef idx="1">
-            <a:schemeClr val="accent1"/>
-          </a:fillRef>
-          <a:effectRef idx="0">
-            <a:schemeClr val="accent1"/>
-          </a:effectRef>
-          <a:fontRef idx="minor">
-            <a:schemeClr val="lt1"/>
-          </a:fontRef>
-        </p:style>
-        <p:txBody>
-          <a:bodyPr rtlCol="0" anchor="ctr"/>
-          <a:lstStyle/>
-          <a:p>
-            <a:pPr algn="ctr"/>
-            <a:endParaRPr lang="en-US"/>
-          </a:p>
-        </p:txBody>
-      </p:sp>
-      <p:sp>
-        <p:nvSpPr>
-          <p:cNvPr id="19" name="Pie 18"/>
-          <p:cNvSpPr/>
-          <p:nvPr/>
-        </p:nvSpPr>
-        <p:spPr>
-          <a:xfrm>
-            <a:off x="685800" y="4343398"/>
-            <a:ext cx="1828800" cy="1828800"/>
-          </a:xfrm>
-          <a:prstGeom prst="pie">
-            <a:avLst>
-              <a:gd name="adj1" fmla="val 5403171"/>
-              <a:gd name="adj2" fmla="val 16200000"/>
-            </a:avLst>
-          </a:prstGeom>
-          <a:noFill/>
-          <a:ln w="28575">
-            <a:solidFill>
-              <a:schemeClr val="tx1"/>
-            </a:solidFill>
-            <a:prstDash val="dash"/>
-          </a:ln>
-        </p:spPr>
-        <p:style>
-          <a:lnRef idx="2">
-            <a:schemeClr val="accent1">
-              <a:shade val="50000"/>
-            </a:schemeClr>
-          </a:lnRef>
-          <a:fillRef idx="1">
-            <a:schemeClr val="accent1"/>
-          </a:fillRef>
-          <a:effectRef idx="0">
-            <a:schemeClr val="accent1"/>
-          </a:effectRef>
-          <a:fontRef idx="minor">
-            <a:schemeClr val="lt1"/>
-          </a:fontRef>
-        </p:style>
-        <p:txBody>
-          <a:bodyPr rtlCol="0" anchor="ctr"/>
-          <a:lstStyle/>
-          <a:p>
-            <a:pPr algn="ctr"/>
-            <a:endParaRPr lang="en-US" b="1" dirty="0">
-              <a:solidFill>
-                <a:schemeClr val="tx1"/>
-              </a:solidFill>
-            </a:endParaRPr>
-          </a:p>
-          <a:p>
-            <a:pPr algn="ctr"/>
-            <a:endParaRPr lang="en-US" b="1" dirty="0">
-              <a:solidFill>
-                <a:schemeClr val="tx1"/>
-              </a:solidFill>
-            </a:endParaRPr>
-          </a:p>
-          <a:p>
-            <a:pPr algn="ctr"/>
-            <a:r>
-              <a:rPr lang="en-US" b="1" dirty="0">
-                <a:solidFill>
-                  <a:schemeClr val="tx1"/>
-                </a:solidFill>
-              </a:rPr>
-              <a:t>1</a:t>
-            </a:r>
-            <a:r>
-              <a:rPr lang="en-US" dirty="0">
-                <a:solidFill>
-                  <a:schemeClr val="tx1"/>
-                </a:solidFill>
-              </a:rPr>
-              <a:t>               </a:t>
-            </a:r>
-            <a:r>
-              <a:rPr lang="en-US" dirty="0">
-                <a:solidFill>
-                  <a:schemeClr val="accent1"/>
-                </a:solidFill>
-              </a:rPr>
-              <a:t>.</a:t>
-            </a:r>
-          </a:p>
-        </p:txBody>
-      </p:sp>
-      <p:sp>
-        <p:nvSpPr>
-          <p:cNvPr id="20" name="Rectangle 19"/>
-          <p:cNvSpPr/>
-          <p:nvPr/>
-        </p:nvSpPr>
-        <p:spPr>
-          <a:xfrm>
-            <a:off x="1600202" y="4343400"/>
-            <a:ext cx="1828800" cy="1828800"/>
-          </a:xfrm>
-          <a:prstGeom prst="rect">
-            <a:avLst/>
-          </a:prstGeom>
-          <a:noFill/>
-          <a:ln w="28575">
-            <a:solidFill>
-              <a:schemeClr val="tx1"/>
-            </a:solidFill>
-            <a:prstDash val="dash"/>
-          </a:ln>
-        </p:spPr>
-        <p:style>
-          <a:lnRef idx="2">
-            <a:schemeClr val="accent1">
-              <a:shade val="50000"/>
-            </a:schemeClr>
-          </a:lnRef>
-          <a:fillRef idx="1">
-            <a:schemeClr val="accent1"/>
-          </a:fillRef>
-          <a:effectRef idx="0">
-            <a:schemeClr val="accent1"/>
-          </a:effectRef>
-          <a:fontRef idx="minor">
-            <a:schemeClr val="lt1"/>
-          </a:fontRef>
-        </p:style>
-        <p:txBody>
-          <a:bodyPr rtlCol="0" anchor="ctr"/>
-          <a:lstStyle/>
-          <a:p>
-            <a:pPr algn="ctr"/>
-            <a:r>
-              <a:rPr lang="en-US" b="1" dirty="0">
-                <a:solidFill>
-                  <a:schemeClr val="tx1"/>
-                </a:solidFill>
-              </a:rPr>
-              <a:t>2</a:t>
-            </a:r>
-          </a:p>
-        </p:txBody>
-      </p:sp>
-      <p:sp>
-        <p:nvSpPr>
-          <p:cNvPr id="21" name="Isosceles Triangle 20"/>
-          <p:cNvSpPr/>
-          <p:nvPr/>
-        </p:nvSpPr>
-        <p:spPr>
-          <a:xfrm>
-            <a:off x="2514598" y="5257802"/>
-            <a:ext cx="914400" cy="914400"/>
-          </a:xfrm>
-          <a:prstGeom prst="triangle">
-            <a:avLst>
-              <a:gd name="adj" fmla="val 100000"/>
-            </a:avLst>
-          </a:prstGeom>
-          <a:solidFill>
-            <a:schemeClr val="bg1"/>
-          </a:solidFill>
-          <a:ln w="28575">
-            <a:solidFill>
-              <a:schemeClr val="tx1"/>
-            </a:solidFill>
-            <a:prstDash val="dash"/>
-          </a:ln>
-        </p:spPr>
-        <p:style>
-          <a:lnRef idx="2">
-            <a:schemeClr val="accent1">
-              <a:shade val="50000"/>
-            </a:schemeClr>
-          </a:lnRef>
-          <a:fillRef idx="1">
-            <a:schemeClr val="accent1"/>
-          </a:fillRef>
-          <a:effectRef idx="0">
-            <a:schemeClr val="accent1"/>
-          </a:effectRef>
-          <a:fontRef idx="minor">
-            <a:schemeClr val="lt1"/>
-          </a:fontRef>
-        </p:style>
-        <p:txBody>
-          <a:bodyPr rtlCol="0" anchor="ctr"/>
-          <a:lstStyle/>
-          <a:p>
-            <a:pPr algn="ctr"/>
-            <a:r>
-              <a:rPr lang="en-US" b="1" dirty="0">
-                <a:solidFill>
-                  <a:schemeClr val="tx1"/>
-                </a:solidFill>
-              </a:rPr>
-              <a:t>3</a:t>
-            </a:r>
-          </a:p>
-        </p:txBody>
-      </p:sp>
-      <p:cxnSp>
-        <p:nvCxnSpPr>
-          <p:cNvPr id="26" name="Straight Arrow Connector 25"/>
-          <p:cNvCxnSpPr/>
-          <p:nvPr/>
-        </p:nvCxnSpPr>
-        <p:spPr>
-          <a:xfrm>
-            <a:off x="691792" y="5287048"/>
-            <a:ext cx="609600" cy="5834"/>
-          </a:xfrm>
-          <a:prstGeom prst="straightConnector1">
-            <a:avLst/>
-          </a:prstGeom>
-          <a:ln>
-            <a:tailEnd type="arrow"/>
-          </a:ln>
-        </p:spPr>
-        <p:style>
-          <a:lnRef idx="2">
-            <a:schemeClr val="dk1"/>
-          </a:lnRef>
-          <a:fillRef idx="0">
-            <a:schemeClr val="dk1"/>
-          </a:fillRef>
-          <a:effectRef idx="1">
-            <a:schemeClr val="dk1"/>
-          </a:effectRef>
-          <a:fontRef idx="minor">
-            <a:schemeClr val="tx1"/>
-          </a:fontRef>
-        </p:style>
-      </p:cxnSp>
-      <p:cxnSp>
-        <p:nvCxnSpPr>
-          <p:cNvPr id="27" name="Straight Arrow Connector 26"/>
-          <p:cNvCxnSpPr/>
-          <p:nvPr/>
-        </p:nvCxnSpPr>
-        <p:spPr>
-          <a:xfrm flipV="1">
-            <a:off x="691792" y="4598246"/>
-            <a:ext cx="0" cy="672669"/>
-          </a:xfrm>
-          <a:prstGeom prst="straightConnector1">
-            <a:avLst/>
-          </a:prstGeom>
-          <a:ln>
-            <a:tailEnd type="arrow"/>
-          </a:ln>
-        </p:spPr>
-        <p:style>
-          <a:lnRef idx="2">
-            <a:schemeClr val="dk1"/>
-          </a:lnRef>
-          <a:fillRef idx="0">
-            <a:schemeClr val="dk1"/>
-          </a:fillRef>
-          <a:effectRef idx="1">
-            <a:schemeClr val="dk1"/>
-          </a:effectRef>
-          <a:fontRef idx="minor">
-            <a:schemeClr val="tx1"/>
-          </a:fontRef>
-        </p:style>
-      </p:cxnSp>
-      <p:sp>
-        <p:nvSpPr>
-          <p:cNvPr id="28" name="TextBox 27"/>
-          <p:cNvSpPr txBox="1"/>
-          <p:nvPr/>
-        </p:nvSpPr>
-        <p:spPr>
-          <a:xfrm>
-            <a:off x="1295400" y="5105299"/>
-            <a:ext cx="338554" cy="369332"/>
-          </a:xfrm>
-          <a:prstGeom prst="rect">
-            <a:avLst/>
-          </a:prstGeom>
-          <a:noFill/>
-        </p:spPr>
-        <p:txBody>
-          <a:bodyPr wrap="none" rtlCol="0">
-            <a:spAutoFit/>
-          </a:bodyPr>
-          <a:lstStyle/>
-          <a:p>
-            <a:r>
-              <a:rPr lang="en-US" b="1" dirty="0"/>
-              <a:t>X</a:t>
-            </a:r>
-            <a:endParaRPr lang="en-US" dirty="0"/>
-          </a:p>
-        </p:txBody>
-      </p:sp>
-      <p:sp>
-        <p:nvSpPr>
-          <p:cNvPr id="29" name="TextBox 28"/>
-          <p:cNvSpPr txBox="1"/>
-          <p:nvPr/>
-        </p:nvSpPr>
-        <p:spPr>
-          <a:xfrm>
-            <a:off x="183961" y="4551301"/>
-            <a:ext cx="338554" cy="369332"/>
-          </a:xfrm>
-          <a:prstGeom prst="rect">
-            <a:avLst/>
-          </a:prstGeom>
-          <a:noFill/>
-        </p:spPr>
-        <p:txBody>
-          <a:bodyPr wrap="none" rtlCol="0">
-            <a:spAutoFit/>
-          </a:bodyPr>
-          <a:lstStyle/>
-          <a:p>
-            <a:r>
-              <a:rPr lang="en-US" b="1" dirty="0"/>
-              <a:t>Y</a:t>
-            </a:r>
-            <a:endParaRPr lang="en-US" dirty="0"/>
-          </a:p>
-        </p:txBody>
-      </p:sp>
-      <mc:AlternateContent xmlns:mc="http://schemas.openxmlformats.org/markup-compatibility/2006" xmlns:a14="http://schemas.microsoft.com/office/drawing/2010/main">
-        <mc:Choice Requires="a14">
-          <p:graphicFrame>
-            <p:nvGraphicFramePr>
-              <p:cNvPr id="31" name="Table 30"/>
-              <p:cNvGraphicFramePr>
-                <a:graphicFrameLocks noGrp="1"/>
-              </p:cNvGraphicFramePr>
-              <p:nvPr/>
-            </p:nvGraphicFramePr>
-            <p:xfrm>
-              <a:off x="4495800" y="3942806"/>
-              <a:ext cx="4201888" cy="2651760"/>
-            </p:xfrm>
-            <a:graphic>
-              <a:graphicData uri="http://schemas.openxmlformats.org/drawingml/2006/table">
-                <a:tbl>
-                  <a:tblPr firstRow="1" bandRow="1">
-                    <a:tableStyleId>{5C22544A-7EE6-4342-B048-85BDC9FD1C3A}</a:tableStyleId>
-                  </a:tblPr>
-                  <a:tblGrid>
-                    <a:gridCol w="1050472">
-                      <a:extLst>
-                        <a:ext uri="{9D8B030D-6E8A-4147-A177-3AD203B41FA5}">
-                          <a16:colId xmlns:a16="http://schemas.microsoft.com/office/drawing/2014/main" val="20000"/>
-                        </a:ext>
-                      </a:extLst>
-                    </a:gridCol>
-                    <a:gridCol w="1050472">
-                      <a:extLst>
-                        <a:ext uri="{9D8B030D-6E8A-4147-A177-3AD203B41FA5}">
-                          <a16:colId xmlns:a16="http://schemas.microsoft.com/office/drawing/2014/main" val="20001"/>
-                        </a:ext>
-                      </a:extLst>
-                    </a:gridCol>
-                    <a:gridCol w="1050472">
-                      <a:extLst>
-                        <a:ext uri="{9D8B030D-6E8A-4147-A177-3AD203B41FA5}">
-                          <a16:colId xmlns:a16="http://schemas.microsoft.com/office/drawing/2014/main" val="20002"/>
-                        </a:ext>
-                      </a:extLst>
-                    </a:gridCol>
-                    <a:gridCol w="1050472">
-                      <a:extLst>
-                        <a:ext uri="{9D8B030D-6E8A-4147-A177-3AD203B41FA5}">
-                          <a16:colId xmlns:a16="http://schemas.microsoft.com/office/drawing/2014/main" val="20003"/>
-                        </a:ext>
-                      </a:extLst>
-                    </a:gridCol>
-                  </a:tblGrid>
-                  <a:tr h="662940">
-                    <a:tc>
-                      <a:txBody>
-                        <a:bodyPr/>
-                        <a:lstStyle/>
-                        <a:p>
-                          <a:pPr algn="ctr"/>
-                          <a:r>
-                            <a:rPr lang="en-US" sz="2000" dirty="0"/>
-                            <a:t>Shape</a:t>
-                          </a:r>
-                        </a:p>
-                      </a:txBody>
-                      <a:tcPr anchor="ctr"/>
-                    </a:tc>
-                    <a:tc>
-                      <a:txBody>
-                        <a:bodyPr/>
-                        <a:lstStyle/>
-                        <a:p>
-                          <a:pPr algn="ctr"/>
-                          <a:r>
-                            <a:rPr lang="en-US" sz="2000" dirty="0"/>
-                            <a:t>Area</a:t>
-                          </a:r>
-                        </a:p>
-                      </a:txBody>
-                      <a:tcPr anchor="ctr"/>
-                    </a:tc>
-                    <a:tc>
-                      <a:txBody>
-                        <a:bodyPr/>
-                        <a:lstStyle/>
-                        <a:p>
-                          <a:pPr algn="ctr"/>
-                          <a14:m>
-                            <m:oMathPara xmlns:m="http://schemas.openxmlformats.org/officeDocument/2006/math">
-                              <m:oMathParaPr>
-                                <m:jc m:val="centerGroup"/>
-                              </m:oMathParaPr>
-                              <m:oMath xmlns:m="http://schemas.openxmlformats.org/officeDocument/2006/math">
-                                <m:acc>
-                                  <m:accPr>
-                                    <m:chr m:val="̅"/>
-                                    <m:ctrlPr>
-                                      <a:rPr lang="en-US" sz="2800" b="0" i="1" dirty="0" smtClean="0">
-                                        <a:latin typeface="Cambria Math" panose="02040503050406030204" pitchFamily="18" charset="0"/>
-                                      </a:rPr>
-                                    </m:ctrlPr>
-                                  </m:accPr>
-                                  <m:e>
-                                    <m:r>
-                                      <m:rPr>
-                                        <m:sty m:val="p"/>
-                                      </m:rPr>
-                                      <a:rPr lang="en-US" sz="2800" b="0" i="0" dirty="0" smtClean="0">
-                                        <a:latin typeface="Cambria Math"/>
-                                      </a:rPr>
-                                      <m:t>X</m:t>
-                                    </m:r>
-                                  </m:e>
-                                </m:acc>
-                              </m:oMath>
-                            </m:oMathPara>
-                          </a14:m>
-                          <a:endParaRPr lang="en-US" b="0" dirty="0"/>
-                        </a:p>
-                      </a:txBody>
-                      <a:tcPr anchor="ctr"/>
-                    </a:tc>
-                    <a:tc>
-                      <a:txBody>
-                        <a:bodyPr/>
-                        <a:lstStyle/>
-                        <a:p>
-                          <a:pPr algn="ctr"/>
-                          <a14:m>
-                            <m:oMathPara xmlns:m="http://schemas.openxmlformats.org/officeDocument/2006/math">
-                              <m:oMathParaPr>
-                                <m:jc m:val="centerGroup"/>
-                              </m:oMathParaPr>
-                              <m:oMath xmlns:m="http://schemas.openxmlformats.org/officeDocument/2006/math">
-                                <m:acc>
-                                  <m:accPr>
-                                    <m:chr m:val="̅"/>
-                                    <m:ctrlPr>
-                                      <a:rPr lang="en-US" sz="2800" b="0" i="1" smtClean="0">
-                                        <a:latin typeface="Cambria Math" panose="02040503050406030204" pitchFamily="18" charset="0"/>
-                                      </a:rPr>
-                                    </m:ctrlPr>
-                                  </m:accPr>
-                                  <m:e>
-                                    <m:r>
-                                      <m:rPr>
-                                        <m:sty m:val="p"/>
-                                      </m:rPr>
-                                      <a:rPr lang="en-US" sz="2800" b="0" i="0" smtClean="0">
-                                        <a:latin typeface="Cambria Math"/>
-                                      </a:rPr>
-                                      <m:t>Y</m:t>
-                                    </m:r>
-                                  </m:e>
-                                </m:acc>
-                              </m:oMath>
-                            </m:oMathPara>
-                          </a14:m>
-                          <a:endParaRPr lang="en-US" b="0" i="0" dirty="0"/>
-                        </a:p>
-                      </a:txBody>
-                      <a:tcPr anchor="ctr"/>
-                    </a:tc>
-                    <a:extLst>
-                      <a:ext uri="{0D108BD9-81ED-4DB2-BD59-A6C34878D82A}">
-                        <a16:rowId xmlns:a16="http://schemas.microsoft.com/office/drawing/2014/main" val="10000"/>
-                      </a:ext>
-                    </a:extLst>
-                  </a:tr>
-                  <a:tr h="662940">
-                    <a:tc>
-                      <a:txBody>
-                        <a:bodyPr/>
-                        <a:lstStyle/>
-                        <a:p>
-                          <a:pPr algn="ctr"/>
-                          <a:r>
-                            <a:rPr lang="en-US" dirty="0"/>
-                            <a:t>1</a:t>
-                          </a:r>
-                        </a:p>
-                      </a:txBody>
-                      <a:tcPr anchor="ctr"/>
-                    </a:tc>
-                    <a:tc>
-                      <a:txBody>
-                        <a:bodyPr/>
-                        <a:lstStyle/>
-                        <a:p>
-                          <a:pPr algn="ctr"/>
-                          <a:endParaRPr lang="en-US" dirty="0"/>
-                        </a:p>
-                      </a:txBody>
-                      <a:tcPr anchor="ctr"/>
-                    </a:tc>
-                    <a:tc>
-                      <a:txBody>
-                        <a:bodyPr/>
-                        <a:lstStyle/>
-                        <a:p>
-                          <a:pPr algn="ctr"/>
-                          <a:endParaRPr lang="en-US"/>
-                        </a:p>
-                      </a:txBody>
-                      <a:tcPr anchor="ctr"/>
-                    </a:tc>
-                    <a:tc>
-                      <a:txBody>
-                        <a:bodyPr/>
-                        <a:lstStyle/>
-                        <a:p>
-                          <a:pPr algn="ctr"/>
-                          <a:endParaRPr lang="en-US"/>
-                        </a:p>
-                      </a:txBody>
-                      <a:tcPr anchor="ctr"/>
-                    </a:tc>
-                    <a:extLst>
-                      <a:ext uri="{0D108BD9-81ED-4DB2-BD59-A6C34878D82A}">
-                        <a16:rowId xmlns:a16="http://schemas.microsoft.com/office/drawing/2014/main" val="10001"/>
-                      </a:ext>
-                    </a:extLst>
-                  </a:tr>
-                  <a:tr h="662940">
-                    <a:tc>
-                      <a:txBody>
-                        <a:bodyPr/>
-                        <a:lstStyle/>
-                        <a:p>
-                          <a:pPr algn="ctr"/>
-                          <a:r>
-                            <a:rPr lang="en-US" dirty="0"/>
-                            <a:t>2</a:t>
-                          </a:r>
-                        </a:p>
-                      </a:txBody>
-                      <a:tcPr anchor="ctr"/>
-                    </a:tc>
-                    <a:tc>
-                      <a:txBody>
-                        <a:bodyPr/>
-                        <a:lstStyle/>
-                        <a:p>
-                          <a:pPr algn="ctr"/>
-                          <a:endParaRPr lang="en-US" dirty="0"/>
-                        </a:p>
-                      </a:txBody>
-                      <a:tcPr anchor="ctr"/>
-                    </a:tc>
-                    <a:tc>
-                      <a:txBody>
-                        <a:bodyPr/>
-                        <a:lstStyle/>
-                        <a:p>
-                          <a:pPr algn="ctr"/>
-                          <a:endParaRPr lang="en-US" dirty="0"/>
-                        </a:p>
-                      </a:txBody>
-                      <a:tcPr anchor="ctr"/>
-                    </a:tc>
-                    <a:tc>
-                      <a:txBody>
-                        <a:bodyPr/>
-                        <a:lstStyle/>
-                        <a:p>
-                          <a:pPr algn="ctr"/>
-                          <a:endParaRPr lang="en-US"/>
-                        </a:p>
-                      </a:txBody>
-                      <a:tcPr anchor="ctr"/>
-                    </a:tc>
-                    <a:extLst>
-                      <a:ext uri="{0D108BD9-81ED-4DB2-BD59-A6C34878D82A}">
-                        <a16:rowId xmlns:a16="http://schemas.microsoft.com/office/drawing/2014/main" val="10002"/>
-                      </a:ext>
-                    </a:extLst>
-                  </a:tr>
-                  <a:tr h="662940">
-                    <a:tc>
-                      <a:txBody>
-                        <a:bodyPr/>
-                        <a:lstStyle/>
-                        <a:p>
-                          <a:pPr algn="ctr"/>
-                          <a:r>
-                            <a:rPr lang="en-US" dirty="0"/>
-                            <a:t>3</a:t>
-                          </a:r>
-                        </a:p>
-                      </a:txBody>
-                      <a:tcPr anchor="ctr"/>
-                    </a:tc>
-                    <a:tc>
-                      <a:txBody>
-                        <a:bodyPr/>
-                        <a:lstStyle/>
-                        <a:p>
-                          <a:pPr algn="ctr"/>
-                          <a:endParaRPr lang="en-US"/>
-                        </a:p>
-                      </a:txBody>
-                      <a:tcPr anchor="ctr"/>
-                    </a:tc>
-                    <a:tc>
-                      <a:txBody>
-                        <a:bodyPr/>
-                        <a:lstStyle/>
-                        <a:p>
-                          <a:pPr algn="ctr"/>
-                          <a:endParaRPr lang="en-US" dirty="0"/>
-                        </a:p>
-                      </a:txBody>
-                      <a:tcPr anchor="ctr"/>
-                    </a:tc>
-                    <a:tc>
-                      <a:txBody>
-                        <a:bodyPr/>
-                        <a:lstStyle/>
-                        <a:p>
-                          <a:pPr algn="ctr"/>
-                          <a:endParaRPr lang="en-US" dirty="0"/>
-                        </a:p>
-                      </a:txBody>
-                      <a:tcPr anchor="ctr"/>
-                    </a:tc>
-                    <a:extLst>
-                      <a:ext uri="{0D108BD9-81ED-4DB2-BD59-A6C34878D82A}">
-                        <a16:rowId xmlns:a16="http://schemas.microsoft.com/office/drawing/2014/main" val="10003"/>
-                      </a:ext>
-                    </a:extLst>
-                  </a:tr>
-                </a:tbl>
-              </a:graphicData>
-            </a:graphic>
-          </p:graphicFrame>
-        </mc:Choice>
-        <mc:Fallback xmlns="">
-          <p:graphicFrame>
-            <p:nvGraphicFramePr>
-              <p:cNvPr id="31" name="Table 30"/>
-              <p:cNvGraphicFramePr>
-                <a:graphicFrameLocks noGrp="1"/>
-              </p:cNvGraphicFramePr>
-              <p:nvPr>
-                <p:extLst>
-                  <p:ext uri="{D42A27DB-BD31-4B8C-83A1-F6EECF244321}">
-                    <p14:modId xmlns:p14="http://schemas.microsoft.com/office/powerpoint/2010/main" val="1107851495"/>
-                  </p:ext>
-                </p:extLst>
-              </p:nvPr>
-            </p:nvGraphicFramePr>
-            <p:xfrm>
-              <a:off x="4495800" y="3942806"/>
-              <a:ext cx="4201888" cy="2651760"/>
-            </p:xfrm>
-            <a:graphic>
-              <a:graphicData uri="http://schemas.openxmlformats.org/drawingml/2006/table">
-                <a:tbl>
-                  <a:tblPr firstRow="1" bandRow="1">
-                    <a:tableStyleId>{5C22544A-7EE6-4342-B048-85BDC9FD1C3A}</a:tableStyleId>
-                  </a:tblPr>
-                  <a:tblGrid>
-                    <a:gridCol w="1050472"/>
-                    <a:gridCol w="1050472"/>
-                    <a:gridCol w="1050472"/>
-                    <a:gridCol w="1050472"/>
-                  </a:tblGrid>
-                  <a:tr h="662940">
-                    <a:tc>
-                      <a:txBody>
-                        <a:bodyPr/>
-                        <a:lstStyle/>
-                        <a:p>
-                          <a:pPr algn="ctr"/>
-                          <a:r>
-                            <a:rPr lang="en-US" sz="2000" dirty="0" smtClean="0"/>
-                            <a:t>Shape</a:t>
-                          </a:r>
-                          <a:endParaRPr lang="en-US" sz="2000" dirty="0"/>
-                        </a:p>
-                      </a:txBody>
-                      <a:tcPr anchor="ctr"/>
-                    </a:tc>
-                    <a:tc>
-                      <a:txBody>
-                        <a:bodyPr/>
-                        <a:lstStyle/>
-                        <a:p>
-                          <a:pPr algn="ctr"/>
-                          <a:r>
-                            <a:rPr lang="en-US" sz="2000" dirty="0" smtClean="0"/>
-                            <a:t>Area</a:t>
-                          </a:r>
-                        </a:p>
-                      </a:txBody>
-                      <a:tcPr anchor="ctr"/>
-                    </a:tc>
-                    <a:tc>
-                      <a:txBody>
-                        <a:bodyPr/>
-                        <a:lstStyle/>
-                        <a:p>
-                          <a:endParaRPr lang="en-US"/>
-                        </a:p>
-                      </a:txBody>
-                      <a:tcPr anchor="ctr">
-                        <a:blipFill rotWithShape="1">
-                          <a:blip r:embed="rId4"/>
-                          <a:stretch>
-                            <a:fillRect l="-201163" t="-917" r="-100000" b="-299083"/>
-                          </a:stretch>
-                        </a:blipFill>
-                      </a:tcPr>
-                    </a:tc>
-                    <a:tc>
-                      <a:txBody>
-                        <a:bodyPr/>
-                        <a:lstStyle/>
-                        <a:p>
-                          <a:endParaRPr lang="en-US"/>
-                        </a:p>
-                      </a:txBody>
-                      <a:tcPr anchor="ctr">
-                        <a:blipFill rotWithShape="1">
-                          <a:blip r:embed="rId4"/>
-                          <a:stretch>
-                            <a:fillRect l="-301163" t="-917" b="-299083"/>
-                          </a:stretch>
-                        </a:blipFill>
-                      </a:tcPr>
-                    </a:tc>
-                  </a:tr>
-                  <a:tr h="662940">
-                    <a:tc>
-                      <a:txBody>
-                        <a:bodyPr/>
-                        <a:lstStyle/>
-                        <a:p>
-                          <a:pPr algn="ctr"/>
-                          <a:r>
-                            <a:rPr lang="en-US" dirty="0" smtClean="0"/>
-                            <a:t>1</a:t>
-                          </a:r>
-                          <a:endParaRPr lang="en-US" dirty="0"/>
-                        </a:p>
-                      </a:txBody>
-                      <a:tcPr anchor="ctr"/>
-                    </a:tc>
-                    <a:tc>
-                      <a:txBody>
-                        <a:bodyPr/>
-                        <a:lstStyle/>
-                        <a:p>
-                          <a:pPr algn="ctr"/>
-                          <a:endParaRPr lang="en-US" dirty="0"/>
-                        </a:p>
-                      </a:txBody>
-                      <a:tcPr anchor="ctr"/>
-                    </a:tc>
-                    <a:tc>
-                      <a:txBody>
-                        <a:bodyPr/>
-                        <a:lstStyle/>
-                        <a:p>
-                          <a:pPr algn="ctr"/>
-                          <a:endParaRPr lang="en-US"/>
-                        </a:p>
-                      </a:txBody>
-                      <a:tcPr anchor="ctr"/>
-                    </a:tc>
-                    <a:tc>
-                      <a:txBody>
-                        <a:bodyPr/>
-                        <a:lstStyle/>
-                        <a:p>
-                          <a:pPr algn="ctr"/>
-                          <a:endParaRPr lang="en-US"/>
-                        </a:p>
-                      </a:txBody>
-                      <a:tcPr anchor="ctr"/>
-                    </a:tc>
-                  </a:tr>
-                  <a:tr h="662940">
-                    <a:tc>
-                      <a:txBody>
-                        <a:bodyPr/>
-                        <a:lstStyle/>
-                        <a:p>
-                          <a:pPr algn="ctr"/>
-                          <a:r>
-                            <a:rPr lang="en-US" dirty="0" smtClean="0"/>
-                            <a:t>2</a:t>
-                          </a:r>
-                          <a:endParaRPr lang="en-US" dirty="0"/>
-                        </a:p>
-                      </a:txBody>
-                      <a:tcPr anchor="ctr"/>
-                    </a:tc>
-                    <a:tc>
-                      <a:txBody>
-                        <a:bodyPr/>
-                        <a:lstStyle/>
-                        <a:p>
-                          <a:pPr algn="ctr"/>
-                          <a:endParaRPr lang="en-US" dirty="0"/>
-                        </a:p>
-                      </a:txBody>
-                      <a:tcPr anchor="ctr"/>
-                    </a:tc>
-                    <a:tc>
-                      <a:txBody>
-                        <a:bodyPr/>
-                        <a:lstStyle/>
-                        <a:p>
-                          <a:pPr algn="ctr"/>
-                          <a:endParaRPr lang="en-US" dirty="0"/>
-                        </a:p>
-                      </a:txBody>
-                      <a:tcPr anchor="ctr"/>
-                    </a:tc>
-                    <a:tc>
-                      <a:txBody>
-                        <a:bodyPr/>
-                        <a:lstStyle/>
-                        <a:p>
-                          <a:pPr algn="ctr"/>
-                          <a:endParaRPr lang="en-US"/>
-                        </a:p>
-                      </a:txBody>
-                      <a:tcPr anchor="ctr"/>
-                    </a:tc>
-                  </a:tr>
-                  <a:tr h="662940">
-                    <a:tc>
-                      <a:txBody>
-                        <a:bodyPr/>
-                        <a:lstStyle/>
-                        <a:p>
-                          <a:pPr algn="ctr"/>
-                          <a:r>
-                            <a:rPr lang="en-US" dirty="0" smtClean="0"/>
-                            <a:t>3</a:t>
-                          </a:r>
-                          <a:endParaRPr lang="en-US" dirty="0"/>
-                        </a:p>
-                      </a:txBody>
-                      <a:tcPr anchor="ctr"/>
-                    </a:tc>
-                    <a:tc>
-                      <a:txBody>
-                        <a:bodyPr/>
-                        <a:lstStyle/>
-                        <a:p>
-                          <a:pPr algn="ctr"/>
-                          <a:endParaRPr lang="en-US"/>
-                        </a:p>
-                      </a:txBody>
-                      <a:tcPr anchor="ctr"/>
-                    </a:tc>
-                    <a:tc>
-                      <a:txBody>
-                        <a:bodyPr/>
-                        <a:lstStyle/>
-                        <a:p>
-                          <a:pPr algn="ctr"/>
-                          <a:endParaRPr lang="en-US" dirty="0"/>
-                        </a:p>
-                      </a:txBody>
-                      <a:tcPr anchor="ctr"/>
-                    </a:tc>
-                    <a:tc>
-                      <a:txBody>
-                        <a:bodyPr/>
-                        <a:lstStyle/>
-                        <a:p>
-                          <a:pPr algn="ctr"/>
-                          <a:endParaRPr lang="en-US" dirty="0"/>
-                        </a:p>
-                      </a:txBody>
-                      <a:tcPr anchor="ctr"/>
-                    </a:tc>
-                  </a:tr>
-                </a:tbl>
-              </a:graphicData>
-            </a:graphic>
-          </p:graphicFrame>
-        </mc:Fallback>
-      </mc:AlternateContent>
-      <mc:AlternateContent xmlns:mc="http://schemas.openxmlformats.org/markup-compatibility/2006" xmlns:a14="http://schemas.microsoft.com/office/drawing/2010/main">
-        <mc:Choice Requires="a14">
-          <p:sp>
-            <p:nvSpPr>
-              <p:cNvPr id="32" name="Rectangle 31"/>
-              <p:cNvSpPr/>
-              <p:nvPr/>
-            </p:nvSpPr>
-            <p:spPr>
-              <a:xfrm>
-                <a:off x="4876800" y="2775858"/>
-                <a:ext cx="1787990" cy="971548"/>
-              </a:xfrm>
-              <a:prstGeom prst="rect">
-                <a:avLst/>
-              </a:prstGeom>
-            </p:spPr>
-            <p:txBody>
-              <a:bodyPr wrap="none">
-                <a:spAutoFit/>
-              </a:bodyPr>
-              <a:lstStyle/>
-              <a:p>
-                <a:pPr/>
-                <a14:m>
-                  <m:oMathPara xmlns:m="http://schemas.openxmlformats.org/officeDocument/2006/math">
-                    <m:oMathParaPr>
-                      <m:jc m:val="centerGroup"/>
-                    </m:oMathParaPr>
-                    <m:oMath xmlns:m="http://schemas.openxmlformats.org/officeDocument/2006/math">
-                      <m:acc>
-                        <m:accPr>
-                          <m:chr m:val="̅"/>
-                          <m:ctrlPr>
-                            <a:rPr lang="en-US" sz="2400" i="1" smtClean="0">
-                              <a:latin typeface="Cambria Math" panose="02040503050406030204" pitchFamily="18" charset="0"/>
-                            </a:rPr>
-                          </m:ctrlPr>
-                        </m:accPr>
-                        <m:e>
-                          <m:r>
-                            <m:rPr>
-                              <m:sty m:val="p"/>
-                            </m:rPr>
-                            <a:rPr lang="en-US" sz="2400" b="0" i="0" smtClean="0">
-                              <a:latin typeface="Cambria Math"/>
-                            </a:rPr>
-                            <m:t>y</m:t>
-                          </m:r>
-                        </m:e>
-                      </m:acc>
-                      <m:r>
-                        <a:rPr lang="en-US" sz="2400" i="1">
-                          <a:latin typeface="Cambria Math"/>
-                        </a:rPr>
-                        <m:t>=</m:t>
-                      </m:r>
-                      <m:f>
-                        <m:fPr>
-                          <m:ctrlPr>
-                            <a:rPr lang="en-US" sz="2400" i="1">
-                              <a:latin typeface="Cambria Math" panose="02040503050406030204" pitchFamily="18" charset="0"/>
-                            </a:rPr>
-                          </m:ctrlPr>
-                        </m:fPr>
-                        <m:num>
-                          <m:nary>
-                            <m:naryPr>
-                              <m:chr m:val="∑"/>
-                              <m:limLoc m:val="subSup"/>
-                              <m:ctrlPr>
-                                <a:rPr lang="en-US" sz="2400" i="1">
-                                  <a:latin typeface="Cambria Math" panose="02040503050406030204" pitchFamily="18" charset="0"/>
-                                </a:rPr>
-                              </m:ctrlPr>
-                            </m:naryPr>
-                            <m:sub>
-                              <m:r>
-                                <m:rPr>
-                                  <m:brk m:alnAt="25"/>
-                                </m:rPr>
-                                <a:rPr lang="en-US" sz="2400" i="1">
-                                  <a:latin typeface="Cambria Math"/>
-                                </a:rPr>
-                                <m:t>1</m:t>
-                              </m:r>
-                            </m:sub>
-                            <m:sup>
-                              <m:r>
-                                <a:rPr lang="en-US" sz="2400" i="1">
-                                  <a:latin typeface="Cambria Math"/>
-                                </a:rPr>
-                                <m:t>𝑖</m:t>
-                              </m:r>
-                            </m:sup>
-                            <m:e>
-                              <m:sSub>
-                                <m:sSubPr>
-                                  <m:ctrlPr>
-                                    <a:rPr lang="en-US" sz="2400" i="1">
-                                      <a:latin typeface="Cambria Math" panose="02040503050406030204" pitchFamily="18" charset="0"/>
-                                    </a:rPr>
-                                  </m:ctrlPr>
-                                </m:sSubPr>
-                                <m:e>
-                                  <m:r>
-                                    <m:rPr>
-                                      <m:sty m:val="p"/>
-                                    </m:rPr>
-                                    <a:rPr lang="en-US" sz="2400">
-                                      <a:latin typeface="Cambria Math"/>
-                                    </a:rPr>
-                                    <m:t>A</m:t>
-                                  </m:r>
-                                </m:e>
-                                <m:sub>
-                                  <m:r>
-                                    <a:rPr lang="en-US" sz="2400" i="1">
-                                      <a:latin typeface="Cambria Math"/>
-                                    </a:rPr>
-                                    <m:t>𝑖</m:t>
-                                  </m:r>
-                                </m:sub>
-                              </m:sSub>
-                              <m:acc>
-                                <m:accPr>
-                                  <m:chr m:val="̅"/>
-                                  <m:ctrlPr>
-                                    <a:rPr lang="en-US" sz="2400" i="1" smtClean="0">
-                                      <a:latin typeface="Cambria Math" panose="02040503050406030204" pitchFamily="18" charset="0"/>
-                                    </a:rPr>
-                                  </m:ctrlPr>
-                                </m:accPr>
-                                <m:e>
-                                  <m:sSub>
-                                    <m:sSubPr>
-                                      <m:ctrlPr>
-                                        <a:rPr lang="en-US" sz="2400" i="1">
-                                          <a:latin typeface="Cambria Math" panose="02040503050406030204" pitchFamily="18" charset="0"/>
-                                        </a:rPr>
-                                      </m:ctrlPr>
-                                    </m:sSubPr>
-                                    <m:e>
-                                      <m:r>
-                                        <a:rPr lang="en-US" sz="2400" i="1">
-                                          <a:latin typeface="Cambria Math"/>
-                                        </a:rPr>
-                                        <m:t>𝑦</m:t>
-                                      </m:r>
-                                    </m:e>
-                                    <m:sub>
-                                      <m:r>
-                                        <a:rPr lang="en-US" sz="2400" i="1">
-                                          <a:latin typeface="Cambria Math"/>
-                                        </a:rPr>
-                                        <m:t>𝑖</m:t>
-                                      </m:r>
-                                    </m:sub>
-                                  </m:sSub>
-                                </m:e>
-                              </m:acc>
-                            </m:e>
-                          </m:nary>
-                        </m:num>
-                        <m:den>
-                          <m:nary>
-                            <m:naryPr>
-                              <m:chr m:val="∑"/>
-                              <m:limLoc m:val="subSup"/>
-                              <m:ctrlPr>
-                                <a:rPr lang="en-US" sz="2400" i="1">
-                                  <a:latin typeface="Cambria Math" panose="02040503050406030204" pitchFamily="18" charset="0"/>
-                                </a:rPr>
-                              </m:ctrlPr>
-                            </m:naryPr>
-                            <m:sub>
-                              <m:r>
-                                <m:rPr>
-                                  <m:brk m:alnAt="25"/>
-                                </m:rPr>
-                                <a:rPr lang="en-US" sz="2400" i="1">
-                                  <a:latin typeface="Cambria Math"/>
-                                </a:rPr>
-                                <m:t>1</m:t>
-                              </m:r>
-                            </m:sub>
-                            <m:sup>
-                              <m:r>
-                                <a:rPr lang="en-US" sz="2400" i="1">
-                                  <a:latin typeface="Cambria Math"/>
-                                </a:rPr>
-                                <m:t>𝑖</m:t>
-                              </m:r>
-                            </m:sup>
-                            <m:e>
-                              <m:sSub>
-                                <m:sSubPr>
-                                  <m:ctrlPr>
-                                    <a:rPr lang="en-US" sz="2400" i="1">
-                                      <a:latin typeface="Cambria Math" panose="02040503050406030204" pitchFamily="18" charset="0"/>
-                                    </a:rPr>
-                                  </m:ctrlPr>
-                                </m:sSubPr>
-                                <m:e>
-                                  <m:r>
-                                    <m:rPr>
-                                      <m:sty m:val="p"/>
-                                    </m:rPr>
-                                    <a:rPr lang="en-US" sz="2400">
-                                      <a:latin typeface="Cambria Math"/>
-                                    </a:rPr>
-                                    <m:t>A</m:t>
-                                  </m:r>
-                                </m:e>
-                                <m:sub>
-                                  <m:r>
-                                    <a:rPr lang="en-US" sz="2400" i="1">
-                                      <a:latin typeface="Cambria Math"/>
-                                    </a:rPr>
-                                    <m:t>𝑖</m:t>
-                                  </m:r>
-                                </m:sub>
-                              </m:sSub>
-                            </m:e>
-                          </m:nary>
-                        </m:den>
-                      </m:f>
-                    </m:oMath>
-                  </m:oMathPara>
-                </a14:m>
-                <a:endParaRPr lang="en-US" sz="2400" dirty="0"/>
-              </a:p>
-            </p:txBody>
-          </p:sp>
-        </mc:Choice>
-        <mc:Fallback xmlns="">
-          <p:sp>
-            <p:nvSpPr>
-              <p:cNvPr id="32" name="Rectangle 31"/>
-              <p:cNvSpPr>
-                <a:spLocks noRot="1" noChangeAspect="1" noMove="1" noResize="1" noEditPoints="1" noAdjustHandles="1" noChangeArrowheads="1" noChangeShapeType="1" noTextEdit="1"/>
-              </p:cNvSpPr>
-              <p:nvPr/>
-            </p:nvSpPr>
-            <p:spPr>
-              <a:xfrm>
-                <a:off x="4876800" y="2775858"/>
-                <a:ext cx="1787990" cy="971548"/>
-              </a:xfrm>
-              <a:prstGeom prst="rect">
-                <a:avLst/>
-              </a:prstGeom>
-              <a:blipFill rotWithShape="1">
-                <a:blip r:embed="rId5"/>
-                <a:stretch>
-                  <a:fillRect/>
-                </a:stretch>
-              </a:blipFill>
-            </p:spPr>
-            <p:txBody>
-              <a:bodyPr/>
-              <a:lstStyle/>
-              <a:p>
-                <a:r>
-                  <a:rPr lang="en-US">
-                    <a:noFill/>
-                  </a:rPr>
-                  <a:t> </a:t>
-                </a:r>
-              </a:p>
-            </p:txBody>
-          </p:sp>
-        </mc:Fallback>
-      </mc:AlternateContent>
-    </p:spTree>
-    <p:extLst>
-      <p:ext uri="{BB962C8B-B14F-4D97-AF65-F5344CB8AC3E}">
-        <p14:creationId xmlns:p14="http://schemas.microsoft.com/office/powerpoint/2010/main" val="3078598549"/>
-      </p:ext>
-    </p:extLst>
-  </p:cSld>
-  <p:clrMapOvr>
-    <a:masterClrMapping/>
-  </p:clrMapOvr>
 </p:sld>
 </file>
 
@@ -21394,15 +23839,6 @@
 </file>
 
 <file path=customXml/item2.xml><?xml version="1.0" encoding="utf-8"?>
-<?mso-contentType ?>
-<FormTemplates xmlns="http://schemas.microsoft.com/sharepoint/v3/contenttype/forms">
-  <Display>DocumentLibraryForm</Display>
-  <Edit>DocumentLibraryForm</Edit>
-  <New>DocumentLibraryForm</New>
-</FormTemplates>
-</file>
-
-<file path=customXml/item3.xml><?xml version="1.0" encoding="utf-8"?>
 <ct:contentTypeSchema xmlns:ct="http://schemas.microsoft.com/office/2006/metadata/contentType" xmlns:ma="http://schemas.microsoft.com/office/2006/metadata/properties/metaAttributes" ct:_="" ma:_="" ma:contentTypeName="Document" ma:contentTypeID="0x010100A06DF21F5BB2734A800ED30F3F452129" ma:contentTypeVersion="12" ma:contentTypeDescription="Create a new document." ma:contentTypeScope="" ma:versionID="544d96a5fbac5de9d5d902b535c73fb2">
   <xsd:schema xmlns:xsd="http://www.w3.org/2001/XMLSchema" xmlns:xs="http://www.w3.org/2001/XMLSchema" xmlns:p="http://schemas.microsoft.com/office/2006/metadata/properties" xmlns:ns3="90d05cb5-950f-4f68-bc2c-e17794455b92" xmlns:ns4="b4eab9fa-dbb0-4082-8491-8bd54207a265" targetNamespace="http://schemas.microsoft.com/office/2006/metadata/properties" ma:root="true" ma:fieldsID="7a710efc71c2169bf9c05e5a40dddf12" ns3:_="" ns4:_="">
     <xsd:import namespace="90d05cb5-950f-4f68-bc2c-e17794455b92"/>
@@ -21619,6 +24055,15 @@
 </ct:contentTypeSchema>
 </file>
 
+<file path=customXml/item3.xml><?xml version="1.0" encoding="utf-8"?>
+<?mso-contentType ?>
+<FormTemplates xmlns="http://schemas.microsoft.com/sharepoint/v3/contenttype/forms">
+  <Display>DocumentLibraryForm</Display>
+  <Edit>DocumentLibraryForm</Edit>
+  <New>DocumentLibraryForm</New>
+</FormTemplates>
+</file>
+
 <file path=customXml/itemProps1.xml><?xml version="1.0" encoding="utf-8"?>
 <ds:datastoreItem xmlns:ds="http://schemas.openxmlformats.org/officeDocument/2006/customXml" ds:itemID="{52EB1464-66D1-425A-BBB5-7A9312BBE9C4}">
   <ds:schemaRefs>
@@ -21629,14 +24074,6 @@
 </file>
 
 <file path=customXml/itemProps2.xml><?xml version="1.0" encoding="utf-8"?>
-<ds:datastoreItem xmlns:ds="http://schemas.openxmlformats.org/officeDocument/2006/customXml" ds:itemID="{F5CF5F32-56DC-4068-8B04-457CF34A96F3}">
-  <ds:schemaRefs>
-    <ds:schemaRef ds:uri="http://schemas.microsoft.com/sharepoint/v3/contenttype/forms"/>
-  </ds:schemaRefs>
-</ds:datastoreItem>
-</file>
-
-<file path=customXml/itemProps3.xml><?xml version="1.0" encoding="utf-8"?>
 <ds:datastoreItem xmlns:ds="http://schemas.openxmlformats.org/officeDocument/2006/customXml" ds:itemID="{A43B8A4B-79FE-4529-931C-D64224FA70E3}">
   <ds:schemaRefs>
     <ds:schemaRef ds:uri="http://schemas.microsoft.com/office/2006/metadata/contentType"/>
@@ -21653,4 +24090,12 @@
     <ds:schemaRef ds:uri="http://schemas.microsoft.com/internal/obd"/>
   </ds:schemaRefs>
 </ds:datastoreItem>
+</file>
+
+<file path=customXml/itemProps3.xml><?xml version="1.0" encoding="utf-8"?>
+<ds:datastoreItem xmlns:ds="http://schemas.openxmlformats.org/officeDocument/2006/customXml" ds:itemID="{F5CF5F32-56DC-4068-8B04-457CF34A96F3}">
+  <ds:schemaRefs>
+    <ds:schemaRef ds:uri="http://schemas.microsoft.com/sharepoint/v3/contenttype/forms"/>
+  </ds:schemaRefs>
+</ds:datastoreItem>
 </file>